--- a/Python/icon製作.pptx
+++ b/Python/icon製作.pptx
@@ -259,7 +259,7 @@
           <a:p>
             <a:fld id="{9C7867F6-2ECD-46D7-8428-E4750E86E3F3}" type="datetimeFigureOut">
               <a:rPr lang="zh-TW" altLang="en-US" smtClean="0"/>
-              <a:t>2024/7/1</a:t>
+              <a:t>2024/7/3</a:t>
             </a:fld>
             <a:endParaRPr lang="zh-TW" altLang="en-US"/>
           </a:p>
@@ -457,7 +457,7 @@
           <a:p>
             <a:fld id="{9C7867F6-2ECD-46D7-8428-E4750E86E3F3}" type="datetimeFigureOut">
               <a:rPr lang="zh-TW" altLang="en-US" smtClean="0"/>
-              <a:t>2024/7/1</a:t>
+              <a:t>2024/7/3</a:t>
             </a:fld>
             <a:endParaRPr lang="zh-TW" altLang="en-US"/>
           </a:p>
@@ -665,7 +665,7 @@
           <a:p>
             <a:fld id="{9C7867F6-2ECD-46D7-8428-E4750E86E3F3}" type="datetimeFigureOut">
               <a:rPr lang="zh-TW" altLang="en-US" smtClean="0"/>
-              <a:t>2024/7/1</a:t>
+              <a:t>2024/7/3</a:t>
             </a:fld>
             <a:endParaRPr lang="zh-TW" altLang="en-US"/>
           </a:p>
@@ -863,7 +863,7 @@
           <a:p>
             <a:fld id="{9C7867F6-2ECD-46D7-8428-E4750E86E3F3}" type="datetimeFigureOut">
               <a:rPr lang="zh-TW" altLang="en-US" smtClean="0"/>
-              <a:t>2024/7/1</a:t>
+              <a:t>2024/7/3</a:t>
             </a:fld>
             <a:endParaRPr lang="zh-TW" altLang="en-US"/>
           </a:p>
@@ -1138,7 +1138,7 @@
           <a:p>
             <a:fld id="{9C7867F6-2ECD-46D7-8428-E4750E86E3F3}" type="datetimeFigureOut">
               <a:rPr lang="zh-TW" altLang="en-US" smtClean="0"/>
-              <a:t>2024/7/1</a:t>
+              <a:t>2024/7/3</a:t>
             </a:fld>
             <a:endParaRPr lang="zh-TW" altLang="en-US"/>
           </a:p>
@@ -1403,7 +1403,7 @@
           <a:p>
             <a:fld id="{9C7867F6-2ECD-46D7-8428-E4750E86E3F3}" type="datetimeFigureOut">
               <a:rPr lang="zh-TW" altLang="en-US" smtClean="0"/>
-              <a:t>2024/7/1</a:t>
+              <a:t>2024/7/3</a:t>
             </a:fld>
             <a:endParaRPr lang="zh-TW" altLang="en-US"/>
           </a:p>
@@ -1815,7 +1815,7 @@
           <a:p>
             <a:fld id="{9C7867F6-2ECD-46D7-8428-E4750E86E3F3}" type="datetimeFigureOut">
               <a:rPr lang="zh-TW" altLang="en-US" smtClean="0"/>
-              <a:t>2024/7/1</a:t>
+              <a:t>2024/7/3</a:t>
             </a:fld>
             <a:endParaRPr lang="zh-TW" altLang="en-US"/>
           </a:p>
@@ -1956,7 +1956,7 @@
           <a:p>
             <a:fld id="{9C7867F6-2ECD-46D7-8428-E4750E86E3F3}" type="datetimeFigureOut">
               <a:rPr lang="zh-TW" altLang="en-US" smtClean="0"/>
-              <a:t>2024/7/1</a:t>
+              <a:t>2024/7/3</a:t>
             </a:fld>
             <a:endParaRPr lang="zh-TW" altLang="en-US"/>
           </a:p>
@@ -2069,7 +2069,7 @@
           <a:p>
             <a:fld id="{9C7867F6-2ECD-46D7-8428-E4750E86E3F3}" type="datetimeFigureOut">
               <a:rPr lang="zh-TW" altLang="en-US" smtClean="0"/>
-              <a:t>2024/7/1</a:t>
+              <a:t>2024/7/3</a:t>
             </a:fld>
             <a:endParaRPr lang="zh-TW" altLang="en-US"/>
           </a:p>
@@ -2380,7 +2380,7 @@
           <a:p>
             <a:fld id="{9C7867F6-2ECD-46D7-8428-E4750E86E3F3}" type="datetimeFigureOut">
               <a:rPr lang="zh-TW" altLang="en-US" smtClean="0"/>
-              <a:t>2024/7/1</a:t>
+              <a:t>2024/7/3</a:t>
             </a:fld>
             <a:endParaRPr lang="zh-TW" altLang="en-US"/>
           </a:p>
@@ -2668,7 +2668,7 @@
           <a:p>
             <a:fld id="{9C7867F6-2ECD-46D7-8428-E4750E86E3F3}" type="datetimeFigureOut">
               <a:rPr lang="zh-TW" altLang="en-US" smtClean="0"/>
-              <a:t>2024/7/1</a:t>
+              <a:t>2024/7/3</a:t>
             </a:fld>
             <a:endParaRPr lang="zh-TW" altLang="en-US"/>
           </a:p>
@@ -2909,7 +2909,7 @@
           <a:p>
             <a:fld id="{9C7867F6-2ECD-46D7-8428-E4750E86E3F3}" type="datetimeFigureOut">
               <a:rPr lang="zh-TW" altLang="en-US" smtClean="0"/>
-              <a:t>2024/7/1</a:t>
+              <a:t>2024/7/3</a:t>
             </a:fld>
             <a:endParaRPr lang="zh-TW" altLang="en-US"/>
           </a:p>
@@ -4727,6 +4727,266 @@
           </a:p>
         </p:txBody>
       </p:sp>
+      <p:sp>
+        <p:nvSpPr>
+          <p:cNvPr id="28" name="菱形 27">
+            <a:extLst>
+              <a:ext uri="{FF2B5EF4-FFF2-40B4-BE49-F238E27FC236}">
+                <a16:creationId xmlns:a16="http://schemas.microsoft.com/office/drawing/2014/main" id="{2D08EF58-7FA4-ADEE-B8CE-6A821EA4211C}"/>
+              </a:ext>
+            </a:extLst>
+          </p:cNvPr>
+          <p:cNvSpPr/>
+          <p:nvPr/>
+        </p:nvSpPr>
+        <p:spPr>
+          <a:xfrm>
+            <a:off x="2790382" y="1845960"/>
+            <a:ext cx="180000" cy="180000"/>
+          </a:xfrm>
+          <a:prstGeom prst="diamond">
+            <a:avLst/>
+          </a:prstGeom>
+          <a:solidFill>
+            <a:schemeClr val="accent2">
+              <a:lumMod val="20000"/>
+              <a:lumOff val="80000"/>
+            </a:schemeClr>
+          </a:solidFill>
+        </p:spPr>
+        <p:style>
+          <a:lnRef idx="2">
+            <a:schemeClr val="accent1">
+              <a:shade val="15000"/>
+            </a:schemeClr>
+          </a:lnRef>
+          <a:fillRef idx="1">
+            <a:schemeClr val="accent1"/>
+          </a:fillRef>
+          <a:effectRef idx="0">
+            <a:schemeClr val="accent1"/>
+          </a:effectRef>
+          <a:fontRef idx="minor">
+            <a:schemeClr val="lt1"/>
+          </a:fontRef>
+        </p:style>
+        <p:txBody>
+          <a:bodyPr rtlCol="0" anchor="ctr"/>
+          <a:lstStyle/>
+          <a:p>
+            <a:pPr algn="ctr"/>
+            <a:endParaRPr lang="zh-TW" altLang="en-US"/>
+          </a:p>
+        </p:txBody>
+      </p:sp>
+      <p:sp>
+        <p:nvSpPr>
+          <p:cNvPr id="30" name="菱形 29">
+            <a:extLst>
+              <a:ext uri="{FF2B5EF4-FFF2-40B4-BE49-F238E27FC236}">
+                <a16:creationId xmlns:a16="http://schemas.microsoft.com/office/drawing/2014/main" id="{0ACF2AB1-D2F8-1784-11DC-C33AC92565CB}"/>
+              </a:ext>
+            </a:extLst>
+          </p:cNvPr>
+          <p:cNvSpPr/>
+          <p:nvPr/>
+        </p:nvSpPr>
+        <p:spPr>
+          <a:xfrm>
+            <a:off x="3095182" y="3638902"/>
+            <a:ext cx="180000" cy="180000"/>
+          </a:xfrm>
+          <a:prstGeom prst="diamond">
+            <a:avLst/>
+          </a:prstGeom>
+          <a:solidFill>
+            <a:srgbClr val="7030A0"/>
+          </a:solidFill>
+        </p:spPr>
+        <p:style>
+          <a:lnRef idx="2">
+            <a:schemeClr val="accent1">
+              <a:shade val="15000"/>
+            </a:schemeClr>
+          </a:lnRef>
+          <a:fillRef idx="1">
+            <a:schemeClr val="accent1"/>
+          </a:fillRef>
+          <a:effectRef idx="0">
+            <a:schemeClr val="accent1"/>
+          </a:effectRef>
+          <a:fontRef idx="minor">
+            <a:schemeClr val="lt1"/>
+          </a:fontRef>
+        </p:style>
+        <p:txBody>
+          <a:bodyPr rtlCol="0" anchor="ctr"/>
+          <a:lstStyle/>
+          <a:p>
+            <a:pPr algn="ctr"/>
+            <a:endParaRPr lang="zh-TW" altLang="en-US"/>
+          </a:p>
+        </p:txBody>
+      </p:sp>
+      <p:grpSp>
+        <p:nvGrpSpPr>
+          <p:cNvPr id="36" name="群組 35">
+            <a:extLst>
+              <a:ext uri="{FF2B5EF4-FFF2-40B4-BE49-F238E27FC236}">
+                <a16:creationId xmlns:a16="http://schemas.microsoft.com/office/drawing/2014/main" id="{CEC32579-C160-CBCC-59BF-41B812A05F14}"/>
+              </a:ext>
+            </a:extLst>
+          </p:cNvPr>
+          <p:cNvGrpSpPr/>
+          <p:nvPr/>
+        </p:nvGrpSpPr>
+        <p:grpSpPr>
+          <a:xfrm>
+            <a:off x="2942782" y="2661750"/>
+            <a:ext cx="180000" cy="180000"/>
+            <a:chOff x="2942782" y="2661750"/>
+            <a:chExt cx="180000" cy="180000"/>
+          </a:xfrm>
+        </p:grpSpPr>
+        <p:sp>
+          <p:nvSpPr>
+            <p:cNvPr id="29" name="菱形 28">
+              <a:extLst>
+                <a:ext uri="{FF2B5EF4-FFF2-40B4-BE49-F238E27FC236}">
+                  <a16:creationId xmlns:a16="http://schemas.microsoft.com/office/drawing/2014/main" id="{D2E1C82C-2F7E-8BC5-636D-AB75A27E17D8}"/>
+                </a:ext>
+              </a:extLst>
+            </p:cNvPr>
+            <p:cNvSpPr/>
+            <p:nvPr/>
+          </p:nvSpPr>
+          <p:spPr>
+            <a:xfrm>
+              <a:off x="2942782" y="2661750"/>
+              <a:ext cx="180000" cy="180000"/>
+            </a:xfrm>
+            <a:prstGeom prst="diamond">
+              <a:avLst/>
+            </a:prstGeom>
+            <a:solidFill>
+              <a:schemeClr val="accent2"/>
+            </a:solidFill>
+          </p:spPr>
+          <p:style>
+            <a:lnRef idx="2">
+              <a:schemeClr val="accent1">
+                <a:shade val="15000"/>
+              </a:schemeClr>
+            </a:lnRef>
+            <a:fillRef idx="1">
+              <a:schemeClr val="accent1"/>
+            </a:fillRef>
+            <a:effectRef idx="0">
+              <a:schemeClr val="accent1"/>
+            </a:effectRef>
+            <a:fontRef idx="minor">
+              <a:schemeClr val="lt1"/>
+            </a:fontRef>
+          </p:style>
+          <p:txBody>
+            <a:bodyPr rtlCol="0" anchor="ctr"/>
+            <a:lstStyle/>
+            <a:p>
+              <a:pPr algn="ctr"/>
+              <a:endParaRPr lang="zh-TW" altLang="en-US"/>
+            </a:p>
+          </p:txBody>
+        </p:sp>
+        <p:cxnSp>
+          <p:nvCxnSpPr>
+            <p:cNvPr id="32" name="直線接點 31">
+              <a:extLst>
+                <a:ext uri="{FF2B5EF4-FFF2-40B4-BE49-F238E27FC236}">
+                  <a16:creationId xmlns:a16="http://schemas.microsoft.com/office/drawing/2014/main" id="{7D5C228A-0B36-1D1D-8E5B-D4C9C3F57192}"/>
+                </a:ext>
+              </a:extLst>
+            </p:cNvPr>
+            <p:cNvCxnSpPr>
+              <a:cxnSpLocks/>
+              <a:stCxn id="29" idx="1"/>
+              <a:endCxn id="29" idx="3"/>
+            </p:cNvCxnSpPr>
+            <p:nvPr/>
+          </p:nvCxnSpPr>
+          <p:spPr>
+            <a:xfrm>
+              <a:off x="2942782" y="2751750"/>
+              <a:ext cx="180000" cy="0"/>
+            </a:xfrm>
+            <a:prstGeom prst="line">
+              <a:avLst/>
+            </a:prstGeom>
+            <a:ln>
+              <a:solidFill>
+                <a:schemeClr val="tx1"/>
+              </a:solidFill>
+            </a:ln>
+          </p:spPr>
+          <p:style>
+            <a:lnRef idx="1">
+              <a:schemeClr val="accent1"/>
+            </a:lnRef>
+            <a:fillRef idx="0">
+              <a:schemeClr val="accent1"/>
+            </a:fillRef>
+            <a:effectRef idx="0">
+              <a:schemeClr val="accent1"/>
+            </a:effectRef>
+            <a:fontRef idx="minor">
+              <a:schemeClr val="tx1"/>
+            </a:fontRef>
+          </p:style>
+        </p:cxnSp>
+      </p:grpSp>
+      <p:cxnSp>
+        <p:nvCxnSpPr>
+          <p:cNvPr id="35" name="直線接點 34">
+            <a:extLst>
+              <a:ext uri="{FF2B5EF4-FFF2-40B4-BE49-F238E27FC236}">
+                <a16:creationId xmlns:a16="http://schemas.microsoft.com/office/drawing/2014/main" id="{0C2F949E-1C1C-BB4D-A263-52E7E939268F}"/>
+              </a:ext>
+            </a:extLst>
+          </p:cNvPr>
+          <p:cNvCxnSpPr>
+            <a:stCxn id="30" idx="0"/>
+            <a:endCxn id="30" idx="2"/>
+          </p:cNvCxnSpPr>
+          <p:nvPr/>
+        </p:nvCxnSpPr>
+        <p:spPr>
+          <a:xfrm>
+            <a:off x="3185182" y="3638902"/>
+            <a:ext cx="0" cy="180000"/>
+          </a:xfrm>
+          <a:prstGeom prst="line">
+            <a:avLst/>
+          </a:prstGeom>
+          <a:ln>
+            <a:solidFill>
+              <a:schemeClr val="tx1"/>
+            </a:solidFill>
+          </a:ln>
+        </p:spPr>
+        <p:style>
+          <a:lnRef idx="1">
+            <a:schemeClr val="accent1"/>
+          </a:lnRef>
+          <a:fillRef idx="0">
+            <a:schemeClr val="accent1"/>
+          </a:fillRef>
+          <a:effectRef idx="0">
+            <a:schemeClr val="accent1"/>
+          </a:effectRef>
+          <a:fontRef idx="minor">
+            <a:schemeClr val="tx1"/>
+          </a:fontRef>
+        </p:style>
+      </p:cxnSp>
     </p:spTree>
     <p:extLst>
       <p:ext uri="{BB962C8B-B14F-4D97-AF65-F5344CB8AC3E}">

--- a/Python/icon製作.pptx
+++ b/Python/icon製作.pptx
@@ -259,7 +259,7 @@
           <a:p>
             <a:fld id="{9C7867F6-2ECD-46D7-8428-E4750E86E3F3}" type="datetimeFigureOut">
               <a:rPr lang="zh-TW" altLang="en-US" smtClean="0"/>
-              <a:t>2024/7/3</a:t>
+              <a:t>2024/7/29</a:t>
             </a:fld>
             <a:endParaRPr lang="zh-TW" altLang="en-US"/>
           </a:p>
@@ -457,7 +457,7 @@
           <a:p>
             <a:fld id="{9C7867F6-2ECD-46D7-8428-E4750E86E3F3}" type="datetimeFigureOut">
               <a:rPr lang="zh-TW" altLang="en-US" smtClean="0"/>
-              <a:t>2024/7/3</a:t>
+              <a:t>2024/7/29</a:t>
             </a:fld>
             <a:endParaRPr lang="zh-TW" altLang="en-US"/>
           </a:p>
@@ -665,7 +665,7 @@
           <a:p>
             <a:fld id="{9C7867F6-2ECD-46D7-8428-E4750E86E3F3}" type="datetimeFigureOut">
               <a:rPr lang="zh-TW" altLang="en-US" smtClean="0"/>
-              <a:t>2024/7/3</a:t>
+              <a:t>2024/7/29</a:t>
             </a:fld>
             <a:endParaRPr lang="zh-TW" altLang="en-US"/>
           </a:p>
@@ -863,7 +863,7 @@
           <a:p>
             <a:fld id="{9C7867F6-2ECD-46D7-8428-E4750E86E3F3}" type="datetimeFigureOut">
               <a:rPr lang="zh-TW" altLang="en-US" smtClean="0"/>
-              <a:t>2024/7/3</a:t>
+              <a:t>2024/7/29</a:t>
             </a:fld>
             <a:endParaRPr lang="zh-TW" altLang="en-US"/>
           </a:p>
@@ -1138,7 +1138,7 @@
           <a:p>
             <a:fld id="{9C7867F6-2ECD-46D7-8428-E4750E86E3F3}" type="datetimeFigureOut">
               <a:rPr lang="zh-TW" altLang="en-US" smtClean="0"/>
-              <a:t>2024/7/3</a:t>
+              <a:t>2024/7/29</a:t>
             </a:fld>
             <a:endParaRPr lang="zh-TW" altLang="en-US"/>
           </a:p>
@@ -1403,7 +1403,7 @@
           <a:p>
             <a:fld id="{9C7867F6-2ECD-46D7-8428-E4750E86E3F3}" type="datetimeFigureOut">
               <a:rPr lang="zh-TW" altLang="en-US" smtClean="0"/>
-              <a:t>2024/7/3</a:t>
+              <a:t>2024/7/29</a:t>
             </a:fld>
             <a:endParaRPr lang="zh-TW" altLang="en-US"/>
           </a:p>
@@ -1815,7 +1815,7 @@
           <a:p>
             <a:fld id="{9C7867F6-2ECD-46D7-8428-E4750E86E3F3}" type="datetimeFigureOut">
               <a:rPr lang="zh-TW" altLang="en-US" smtClean="0"/>
-              <a:t>2024/7/3</a:t>
+              <a:t>2024/7/29</a:t>
             </a:fld>
             <a:endParaRPr lang="zh-TW" altLang="en-US"/>
           </a:p>
@@ -1956,7 +1956,7 @@
           <a:p>
             <a:fld id="{9C7867F6-2ECD-46D7-8428-E4750E86E3F3}" type="datetimeFigureOut">
               <a:rPr lang="zh-TW" altLang="en-US" smtClean="0"/>
-              <a:t>2024/7/3</a:t>
+              <a:t>2024/7/29</a:t>
             </a:fld>
             <a:endParaRPr lang="zh-TW" altLang="en-US"/>
           </a:p>
@@ -2069,7 +2069,7 @@
           <a:p>
             <a:fld id="{9C7867F6-2ECD-46D7-8428-E4750E86E3F3}" type="datetimeFigureOut">
               <a:rPr lang="zh-TW" altLang="en-US" smtClean="0"/>
-              <a:t>2024/7/3</a:t>
+              <a:t>2024/7/29</a:t>
             </a:fld>
             <a:endParaRPr lang="zh-TW" altLang="en-US"/>
           </a:p>
@@ -2380,7 +2380,7 @@
           <a:p>
             <a:fld id="{9C7867F6-2ECD-46D7-8428-E4750E86E3F3}" type="datetimeFigureOut">
               <a:rPr lang="zh-TW" altLang="en-US" smtClean="0"/>
-              <a:t>2024/7/3</a:t>
+              <a:t>2024/7/29</a:t>
             </a:fld>
             <a:endParaRPr lang="zh-TW" altLang="en-US"/>
           </a:p>
@@ -2668,7 +2668,7 @@
           <a:p>
             <a:fld id="{9C7867F6-2ECD-46D7-8428-E4750E86E3F3}" type="datetimeFigureOut">
               <a:rPr lang="zh-TW" altLang="en-US" smtClean="0"/>
-              <a:t>2024/7/3</a:t>
+              <a:t>2024/7/29</a:t>
             </a:fld>
             <a:endParaRPr lang="zh-TW" altLang="en-US"/>
           </a:p>
@@ -2909,7 +2909,7 @@
           <a:p>
             <a:fld id="{9C7867F6-2ECD-46D7-8428-E4750E86E3F3}" type="datetimeFigureOut">
               <a:rPr lang="zh-TW" altLang="en-US" smtClean="0"/>
-              <a:t>2024/7/3</a:t>
+              <a:t>2024/7/29</a:t>
             </a:fld>
             <a:endParaRPr lang="zh-TW" altLang="en-US"/>
           </a:p>
@@ -4987,6 +4987,2111 @@
           </a:fontRef>
         </p:style>
       </p:cxnSp>
+      <p:sp>
+        <p:nvSpPr>
+          <p:cNvPr id="31" name="橢圓 30">
+            <a:extLst>
+              <a:ext uri="{FF2B5EF4-FFF2-40B4-BE49-F238E27FC236}">
+                <a16:creationId xmlns:a16="http://schemas.microsoft.com/office/drawing/2014/main" id="{C6AF6D77-BBBB-C075-4BCD-8227DD824BFE}"/>
+              </a:ext>
+            </a:extLst>
+          </p:cNvPr>
+          <p:cNvSpPr/>
+          <p:nvPr/>
+        </p:nvSpPr>
+        <p:spPr>
+          <a:xfrm>
+            <a:off x="4597639" y="3728902"/>
+            <a:ext cx="180000" cy="180000"/>
+          </a:xfrm>
+          <a:prstGeom prst="ellipse">
+            <a:avLst/>
+          </a:prstGeom>
+          <a:noFill/>
+          <a:ln>
+            <a:noFill/>
+          </a:ln>
+        </p:spPr>
+        <p:style>
+          <a:lnRef idx="2">
+            <a:schemeClr val="accent1">
+              <a:shade val="15000"/>
+            </a:schemeClr>
+          </a:lnRef>
+          <a:fillRef idx="1">
+            <a:schemeClr val="accent1"/>
+          </a:fillRef>
+          <a:effectRef idx="0">
+            <a:schemeClr val="accent1"/>
+          </a:effectRef>
+          <a:fontRef idx="minor">
+            <a:schemeClr val="lt1"/>
+          </a:fontRef>
+        </p:style>
+        <p:txBody>
+          <a:bodyPr rtlCol="0" anchor="ctr"/>
+          <a:lstStyle/>
+          <a:p>
+            <a:pPr algn="ctr"/>
+            <a:r>
+              <a:rPr lang="en-US" altLang="zh-TW" sz="1000" dirty="0">
+                <a:solidFill>
+                  <a:schemeClr val="tx1"/>
+                </a:solidFill>
+              </a:rPr>
+              <a:t>1</a:t>
+            </a:r>
+            <a:endParaRPr lang="zh-TW" altLang="en-US" sz="1000" dirty="0">
+              <a:solidFill>
+                <a:schemeClr val="tx1"/>
+              </a:solidFill>
+            </a:endParaRPr>
+          </a:p>
+        </p:txBody>
+      </p:sp>
+      <p:sp>
+        <p:nvSpPr>
+          <p:cNvPr id="33" name="橢圓 32">
+            <a:extLst>
+              <a:ext uri="{FF2B5EF4-FFF2-40B4-BE49-F238E27FC236}">
+                <a16:creationId xmlns:a16="http://schemas.microsoft.com/office/drawing/2014/main" id="{361D9D9B-FC0A-936C-AC91-BF893C046AE7}"/>
+              </a:ext>
+            </a:extLst>
+          </p:cNvPr>
+          <p:cNvSpPr/>
+          <p:nvPr/>
+        </p:nvSpPr>
+        <p:spPr>
+          <a:xfrm>
+            <a:off x="5521003" y="3248999"/>
+            <a:ext cx="574997" cy="318953"/>
+          </a:xfrm>
+          <a:prstGeom prst="ellipse">
+            <a:avLst/>
+          </a:prstGeom>
+          <a:solidFill>
+            <a:schemeClr val="accent2"/>
+          </a:solidFill>
+          <a:ln>
+            <a:noFill/>
+          </a:ln>
+        </p:spPr>
+        <p:style>
+          <a:lnRef idx="2">
+            <a:schemeClr val="accent1">
+              <a:shade val="15000"/>
+            </a:schemeClr>
+          </a:lnRef>
+          <a:fillRef idx="1">
+            <a:schemeClr val="accent1"/>
+          </a:fillRef>
+          <a:effectRef idx="0">
+            <a:schemeClr val="accent1"/>
+          </a:effectRef>
+          <a:fontRef idx="minor">
+            <a:schemeClr val="lt1"/>
+          </a:fontRef>
+        </p:style>
+        <p:txBody>
+          <a:bodyPr rtlCol="0" anchor="ctr"/>
+          <a:lstStyle/>
+          <a:p>
+            <a:pPr algn="ctr"/>
+            <a:r>
+              <a:rPr lang="en-US" altLang="zh-TW" sz="1000" dirty="0">
+                <a:solidFill>
+                  <a:schemeClr val="tx1"/>
+                </a:solidFill>
+              </a:rPr>
+              <a:t>11</a:t>
+            </a:r>
+            <a:endParaRPr lang="zh-TW" altLang="en-US" sz="1000" dirty="0">
+              <a:solidFill>
+                <a:schemeClr val="tx1"/>
+              </a:solidFill>
+            </a:endParaRPr>
+          </a:p>
+        </p:txBody>
+      </p:sp>
+      <p:sp>
+        <p:nvSpPr>
+          <p:cNvPr id="34" name="橢圓 33">
+            <a:extLst>
+              <a:ext uri="{FF2B5EF4-FFF2-40B4-BE49-F238E27FC236}">
+                <a16:creationId xmlns:a16="http://schemas.microsoft.com/office/drawing/2014/main" id="{44E453DF-EA77-339E-EBC4-E48CFD07DF52}"/>
+              </a:ext>
+            </a:extLst>
+          </p:cNvPr>
+          <p:cNvSpPr/>
+          <p:nvPr/>
+        </p:nvSpPr>
+        <p:spPr>
+          <a:xfrm>
+            <a:off x="5045773" y="3818902"/>
+            <a:ext cx="475230" cy="180000"/>
+          </a:xfrm>
+          <a:prstGeom prst="ellipse">
+            <a:avLst/>
+          </a:prstGeom>
+          <a:noFill/>
+          <a:ln>
+            <a:noFill/>
+          </a:ln>
+        </p:spPr>
+        <p:style>
+          <a:lnRef idx="2">
+            <a:schemeClr val="accent1">
+              <a:shade val="15000"/>
+            </a:schemeClr>
+          </a:lnRef>
+          <a:fillRef idx="1">
+            <a:schemeClr val="accent1"/>
+          </a:fillRef>
+          <a:effectRef idx="0">
+            <a:schemeClr val="accent1"/>
+          </a:effectRef>
+          <a:fontRef idx="minor">
+            <a:schemeClr val="lt1"/>
+          </a:fontRef>
+        </p:style>
+        <p:txBody>
+          <a:bodyPr rtlCol="0" anchor="ctr"/>
+          <a:lstStyle/>
+          <a:p>
+            <a:pPr algn="ctr"/>
+            <a:r>
+              <a:rPr lang="en-US" altLang="zh-TW" sz="1000" dirty="0">
+                <a:solidFill>
+                  <a:schemeClr val="tx1"/>
+                </a:solidFill>
+              </a:rPr>
+              <a:t>11</a:t>
+            </a:r>
+            <a:endParaRPr lang="zh-TW" altLang="en-US" sz="1000" dirty="0">
+              <a:solidFill>
+                <a:schemeClr val="tx1"/>
+              </a:solidFill>
+            </a:endParaRPr>
+          </a:p>
+        </p:txBody>
+      </p:sp>
+      <p:sp>
+        <p:nvSpPr>
+          <p:cNvPr id="37" name="橢圓 36">
+            <a:extLst>
+              <a:ext uri="{FF2B5EF4-FFF2-40B4-BE49-F238E27FC236}">
+                <a16:creationId xmlns:a16="http://schemas.microsoft.com/office/drawing/2014/main" id="{AEF8DF16-BB62-44C8-4BA0-8CD31603CC77}"/>
+              </a:ext>
+            </a:extLst>
+          </p:cNvPr>
+          <p:cNvSpPr/>
+          <p:nvPr/>
+        </p:nvSpPr>
+        <p:spPr>
+          <a:xfrm>
+            <a:off x="5045773" y="3998902"/>
+            <a:ext cx="475230" cy="180000"/>
+          </a:xfrm>
+          <a:prstGeom prst="ellipse">
+            <a:avLst/>
+          </a:prstGeom>
+          <a:noFill/>
+          <a:ln>
+            <a:noFill/>
+          </a:ln>
+        </p:spPr>
+        <p:style>
+          <a:lnRef idx="2">
+            <a:schemeClr val="accent1">
+              <a:shade val="15000"/>
+            </a:schemeClr>
+          </a:lnRef>
+          <a:fillRef idx="1">
+            <a:schemeClr val="accent1"/>
+          </a:fillRef>
+          <a:effectRef idx="0">
+            <a:schemeClr val="accent1"/>
+          </a:effectRef>
+          <a:fontRef idx="minor">
+            <a:schemeClr val="lt1"/>
+          </a:fontRef>
+        </p:style>
+        <p:txBody>
+          <a:bodyPr rtlCol="0" anchor="ctr"/>
+          <a:lstStyle/>
+          <a:p>
+            <a:pPr algn="ctr"/>
+            <a:r>
+              <a:rPr lang="en-US" altLang="zh-TW" sz="1000" dirty="0">
+                <a:solidFill>
+                  <a:schemeClr val="tx1"/>
+                </a:solidFill>
+              </a:rPr>
+              <a:t>1</a:t>
+            </a:r>
+            <a:endParaRPr lang="zh-TW" altLang="en-US" sz="1000" dirty="0">
+              <a:solidFill>
+                <a:schemeClr val="tx1"/>
+              </a:solidFill>
+            </a:endParaRPr>
+          </a:p>
+        </p:txBody>
+      </p:sp>
+      <p:sp>
+        <p:nvSpPr>
+          <p:cNvPr id="38" name="橢圓 37">
+            <a:extLst>
+              <a:ext uri="{FF2B5EF4-FFF2-40B4-BE49-F238E27FC236}">
+                <a16:creationId xmlns:a16="http://schemas.microsoft.com/office/drawing/2014/main" id="{57B3E2B1-0252-B5C6-FF44-81A5EF323A3F}"/>
+              </a:ext>
+            </a:extLst>
+          </p:cNvPr>
+          <p:cNvSpPr/>
+          <p:nvPr/>
+        </p:nvSpPr>
+        <p:spPr>
+          <a:xfrm>
+            <a:off x="5198173" y="4151302"/>
+            <a:ext cx="475230" cy="180000"/>
+          </a:xfrm>
+          <a:prstGeom prst="ellipse">
+            <a:avLst/>
+          </a:prstGeom>
+          <a:noFill/>
+          <a:ln>
+            <a:noFill/>
+          </a:ln>
+        </p:spPr>
+        <p:style>
+          <a:lnRef idx="2">
+            <a:schemeClr val="accent1">
+              <a:shade val="15000"/>
+            </a:schemeClr>
+          </a:lnRef>
+          <a:fillRef idx="1">
+            <a:schemeClr val="accent1"/>
+          </a:fillRef>
+          <a:effectRef idx="0">
+            <a:schemeClr val="accent1"/>
+          </a:effectRef>
+          <a:fontRef idx="minor">
+            <a:schemeClr val="lt1"/>
+          </a:fontRef>
+        </p:style>
+        <p:txBody>
+          <a:bodyPr rtlCol="0" anchor="ctr"/>
+          <a:lstStyle/>
+          <a:p>
+            <a:pPr algn="ctr"/>
+            <a:r>
+              <a:rPr lang="en-US" altLang="zh-TW" sz="1000" dirty="0">
+                <a:solidFill>
+                  <a:schemeClr val="tx1"/>
+                </a:solidFill>
+              </a:rPr>
+              <a:t>2</a:t>
+            </a:r>
+            <a:endParaRPr lang="zh-TW" altLang="en-US" sz="1000" dirty="0">
+              <a:solidFill>
+                <a:schemeClr val="tx1"/>
+              </a:solidFill>
+            </a:endParaRPr>
+          </a:p>
+        </p:txBody>
+      </p:sp>
+      <p:sp>
+        <p:nvSpPr>
+          <p:cNvPr id="39" name="橢圓 38">
+            <a:extLst>
+              <a:ext uri="{FF2B5EF4-FFF2-40B4-BE49-F238E27FC236}">
+                <a16:creationId xmlns:a16="http://schemas.microsoft.com/office/drawing/2014/main" id="{F2BE08D3-F12A-AB5C-341A-AB0771C4D958}"/>
+              </a:ext>
+            </a:extLst>
+          </p:cNvPr>
+          <p:cNvSpPr/>
+          <p:nvPr/>
+        </p:nvSpPr>
+        <p:spPr>
+          <a:xfrm>
+            <a:off x="5350573" y="4303702"/>
+            <a:ext cx="475230" cy="180000"/>
+          </a:xfrm>
+          <a:prstGeom prst="ellipse">
+            <a:avLst/>
+          </a:prstGeom>
+          <a:noFill/>
+          <a:ln>
+            <a:noFill/>
+          </a:ln>
+        </p:spPr>
+        <p:style>
+          <a:lnRef idx="2">
+            <a:schemeClr val="accent1">
+              <a:shade val="15000"/>
+            </a:schemeClr>
+          </a:lnRef>
+          <a:fillRef idx="1">
+            <a:schemeClr val="accent1"/>
+          </a:fillRef>
+          <a:effectRef idx="0">
+            <a:schemeClr val="accent1"/>
+          </a:effectRef>
+          <a:fontRef idx="minor">
+            <a:schemeClr val="lt1"/>
+          </a:fontRef>
+        </p:style>
+        <p:txBody>
+          <a:bodyPr rtlCol="0" anchor="ctr"/>
+          <a:lstStyle/>
+          <a:p>
+            <a:pPr algn="ctr"/>
+            <a:r>
+              <a:rPr lang="en-US" altLang="zh-TW" sz="1000" dirty="0">
+                <a:solidFill>
+                  <a:schemeClr val="tx1"/>
+                </a:solidFill>
+              </a:rPr>
+              <a:t>3</a:t>
+            </a:r>
+            <a:endParaRPr lang="zh-TW" altLang="en-US" sz="1000" dirty="0">
+              <a:solidFill>
+                <a:schemeClr val="tx1"/>
+              </a:solidFill>
+            </a:endParaRPr>
+          </a:p>
+        </p:txBody>
+      </p:sp>
+      <p:sp>
+        <p:nvSpPr>
+          <p:cNvPr id="40" name="橢圓 39">
+            <a:extLst>
+              <a:ext uri="{FF2B5EF4-FFF2-40B4-BE49-F238E27FC236}">
+                <a16:creationId xmlns:a16="http://schemas.microsoft.com/office/drawing/2014/main" id="{1181B87C-B100-C360-2959-CB70CDB89D42}"/>
+              </a:ext>
+            </a:extLst>
+          </p:cNvPr>
+          <p:cNvSpPr/>
+          <p:nvPr/>
+        </p:nvSpPr>
+        <p:spPr>
+          <a:xfrm>
+            <a:off x="5502973" y="4456102"/>
+            <a:ext cx="475230" cy="180000"/>
+          </a:xfrm>
+          <a:prstGeom prst="ellipse">
+            <a:avLst/>
+          </a:prstGeom>
+          <a:noFill/>
+          <a:ln>
+            <a:noFill/>
+          </a:ln>
+        </p:spPr>
+        <p:style>
+          <a:lnRef idx="2">
+            <a:schemeClr val="accent1">
+              <a:shade val="15000"/>
+            </a:schemeClr>
+          </a:lnRef>
+          <a:fillRef idx="1">
+            <a:schemeClr val="accent1"/>
+          </a:fillRef>
+          <a:effectRef idx="0">
+            <a:schemeClr val="accent1"/>
+          </a:effectRef>
+          <a:fontRef idx="minor">
+            <a:schemeClr val="lt1"/>
+          </a:fontRef>
+        </p:style>
+        <p:txBody>
+          <a:bodyPr rtlCol="0" anchor="ctr"/>
+          <a:lstStyle/>
+          <a:p>
+            <a:pPr algn="ctr"/>
+            <a:r>
+              <a:rPr lang="en-US" altLang="zh-TW" sz="1000" dirty="0">
+                <a:solidFill>
+                  <a:schemeClr val="tx1"/>
+                </a:solidFill>
+              </a:rPr>
+              <a:t>4</a:t>
+            </a:r>
+            <a:endParaRPr lang="zh-TW" altLang="en-US" sz="1000" dirty="0">
+              <a:solidFill>
+                <a:schemeClr val="tx1"/>
+              </a:solidFill>
+            </a:endParaRPr>
+          </a:p>
+        </p:txBody>
+      </p:sp>
+      <p:sp>
+        <p:nvSpPr>
+          <p:cNvPr id="41" name="橢圓 40">
+            <a:extLst>
+              <a:ext uri="{FF2B5EF4-FFF2-40B4-BE49-F238E27FC236}">
+                <a16:creationId xmlns:a16="http://schemas.microsoft.com/office/drawing/2014/main" id="{ADAA199B-419F-32A1-B143-CBA5D2F96F68}"/>
+              </a:ext>
+            </a:extLst>
+          </p:cNvPr>
+          <p:cNvSpPr/>
+          <p:nvPr/>
+        </p:nvSpPr>
+        <p:spPr>
+          <a:xfrm>
+            <a:off x="5655373" y="4608502"/>
+            <a:ext cx="475230" cy="180000"/>
+          </a:xfrm>
+          <a:prstGeom prst="ellipse">
+            <a:avLst/>
+          </a:prstGeom>
+          <a:noFill/>
+          <a:ln>
+            <a:noFill/>
+          </a:ln>
+        </p:spPr>
+        <p:style>
+          <a:lnRef idx="2">
+            <a:schemeClr val="accent1">
+              <a:shade val="15000"/>
+            </a:schemeClr>
+          </a:lnRef>
+          <a:fillRef idx="1">
+            <a:schemeClr val="accent1"/>
+          </a:fillRef>
+          <a:effectRef idx="0">
+            <a:schemeClr val="accent1"/>
+          </a:effectRef>
+          <a:fontRef idx="minor">
+            <a:schemeClr val="lt1"/>
+          </a:fontRef>
+        </p:style>
+        <p:txBody>
+          <a:bodyPr rtlCol="0" anchor="ctr"/>
+          <a:lstStyle/>
+          <a:p>
+            <a:pPr algn="ctr"/>
+            <a:r>
+              <a:rPr lang="en-US" altLang="zh-TW" sz="1000" dirty="0">
+                <a:solidFill>
+                  <a:schemeClr val="tx1"/>
+                </a:solidFill>
+              </a:rPr>
+              <a:t>5</a:t>
+            </a:r>
+            <a:endParaRPr lang="zh-TW" altLang="en-US" sz="1000" dirty="0">
+              <a:solidFill>
+                <a:schemeClr val="tx1"/>
+              </a:solidFill>
+            </a:endParaRPr>
+          </a:p>
+        </p:txBody>
+      </p:sp>
+      <p:sp>
+        <p:nvSpPr>
+          <p:cNvPr id="42" name="橢圓 41">
+            <a:extLst>
+              <a:ext uri="{FF2B5EF4-FFF2-40B4-BE49-F238E27FC236}">
+                <a16:creationId xmlns:a16="http://schemas.microsoft.com/office/drawing/2014/main" id="{22CB717F-DF88-390D-8463-252E684B7F30}"/>
+              </a:ext>
+            </a:extLst>
+          </p:cNvPr>
+          <p:cNvSpPr/>
+          <p:nvPr/>
+        </p:nvSpPr>
+        <p:spPr>
+          <a:xfrm>
+            <a:off x="5807773" y="4760902"/>
+            <a:ext cx="475230" cy="180000"/>
+          </a:xfrm>
+          <a:prstGeom prst="ellipse">
+            <a:avLst/>
+          </a:prstGeom>
+          <a:noFill/>
+          <a:ln>
+            <a:noFill/>
+          </a:ln>
+        </p:spPr>
+        <p:style>
+          <a:lnRef idx="2">
+            <a:schemeClr val="accent1">
+              <a:shade val="15000"/>
+            </a:schemeClr>
+          </a:lnRef>
+          <a:fillRef idx="1">
+            <a:schemeClr val="accent1"/>
+          </a:fillRef>
+          <a:effectRef idx="0">
+            <a:schemeClr val="accent1"/>
+          </a:effectRef>
+          <a:fontRef idx="minor">
+            <a:schemeClr val="lt1"/>
+          </a:fontRef>
+        </p:style>
+        <p:txBody>
+          <a:bodyPr rtlCol="0" anchor="ctr"/>
+          <a:lstStyle/>
+          <a:p>
+            <a:pPr algn="ctr"/>
+            <a:r>
+              <a:rPr lang="en-US" altLang="zh-TW" sz="1000" dirty="0">
+                <a:solidFill>
+                  <a:schemeClr val="tx1"/>
+                </a:solidFill>
+              </a:rPr>
+              <a:t>6</a:t>
+            </a:r>
+            <a:endParaRPr lang="zh-TW" altLang="en-US" sz="1000" dirty="0">
+              <a:solidFill>
+                <a:schemeClr val="tx1"/>
+              </a:solidFill>
+            </a:endParaRPr>
+          </a:p>
+        </p:txBody>
+      </p:sp>
+      <p:sp>
+        <p:nvSpPr>
+          <p:cNvPr id="43" name="橢圓 42">
+            <a:extLst>
+              <a:ext uri="{FF2B5EF4-FFF2-40B4-BE49-F238E27FC236}">
+                <a16:creationId xmlns:a16="http://schemas.microsoft.com/office/drawing/2014/main" id="{E6F6BA63-ABCB-4003-E5E2-85A252F964FA}"/>
+              </a:ext>
+            </a:extLst>
+          </p:cNvPr>
+          <p:cNvSpPr/>
+          <p:nvPr/>
+        </p:nvSpPr>
+        <p:spPr>
+          <a:xfrm>
+            <a:off x="5960173" y="4913302"/>
+            <a:ext cx="475230" cy="180000"/>
+          </a:xfrm>
+          <a:prstGeom prst="ellipse">
+            <a:avLst/>
+          </a:prstGeom>
+          <a:noFill/>
+          <a:ln>
+            <a:noFill/>
+          </a:ln>
+        </p:spPr>
+        <p:style>
+          <a:lnRef idx="2">
+            <a:schemeClr val="accent1">
+              <a:shade val="15000"/>
+            </a:schemeClr>
+          </a:lnRef>
+          <a:fillRef idx="1">
+            <a:schemeClr val="accent1"/>
+          </a:fillRef>
+          <a:effectRef idx="0">
+            <a:schemeClr val="accent1"/>
+          </a:effectRef>
+          <a:fontRef idx="minor">
+            <a:schemeClr val="lt1"/>
+          </a:fontRef>
+        </p:style>
+        <p:txBody>
+          <a:bodyPr rtlCol="0" anchor="ctr"/>
+          <a:lstStyle/>
+          <a:p>
+            <a:pPr algn="ctr"/>
+            <a:r>
+              <a:rPr lang="en-US" altLang="zh-TW" sz="1000" dirty="0">
+                <a:solidFill>
+                  <a:schemeClr val="tx1"/>
+                </a:solidFill>
+              </a:rPr>
+              <a:t>7</a:t>
+            </a:r>
+            <a:endParaRPr lang="zh-TW" altLang="en-US" sz="1000" dirty="0">
+              <a:solidFill>
+                <a:schemeClr val="tx1"/>
+              </a:solidFill>
+            </a:endParaRPr>
+          </a:p>
+        </p:txBody>
+      </p:sp>
+      <p:sp>
+        <p:nvSpPr>
+          <p:cNvPr id="44" name="橢圓 43">
+            <a:extLst>
+              <a:ext uri="{FF2B5EF4-FFF2-40B4-BE49-F238E27FC236}">
+                <a16:creationId xmlns:a16="http://schemas.microsoft.com/office/drawing/2014/main" id="{1E93EE45-BBB4-332F-A57C-C9CDA5FA5F18}"/>
+              </a:ext>
+            </a:extLst>
+          </p:cNvPr>
+          <p:cNvSpPr/>
+          <p:nvPr/>
+        </p:nvSpPr>
+        <p:spPr>
+          <a:xfrm>
+            <a:off x="6112573" y="5065702"/>
+            <a:ext cx="475230" cy="180000"/>
+          </a:xfrm>
+          <a:prstGeom prst="ellipse">
+            <a:avLst/>
+          </a:prstGeom>
+          <a:noFill/>
+          <a:ln>
+            <a:noFill/>
+          </a:ln>
+        </p:spPr>
+        <p:style>
+          <a:lnRef idx="2">
+            <a:schemeClr val="accent1">
+              <a:shade val="15000"/>
+            </a:schemeClr>
+          </a:lnRef>
+          <a:fillRef idx="1">
+            <a:schemeClr val="accent1"/>
+          </a:fillRef>
+          <a:effectRef idx="0">
+            <a:schemeClr val="accent1"/>
+          </a:effectRef>
+          <a:fontRef idx="minor">
+            <a:schemeClr val="lt1"/>
+          </a:fontRef>
+        </p:style>
+        <p:txBody>
+          <a:bodyPr rtlCol="0" anchor="ctr"/>
+          <a:lstStyle/>
+          <a:p>
+            <a:pPr algn="ctr"/>
+            <a:r>
+              <a:rPr lang="en-US" altLang="zh-TW" sz="1000" dirty="0">
+                <a:solidFill>
+                  <a:schemeClr val="tx1"/>
+                </a:solidFill>
+              </a:rPr>
+              <a:t>8</a:t>
+            </a:r>
+          </a:p>
+        </p:txBody>
+      </p:sp>
+      <p:sp>
+        <p:nvSpPr>
+          <p:cNvPr id="45" name="橢圓 44">
+            <a:extLst>
+              <a:ext uri="{FF2B5EF4-FFF2-40B4-BE49-F238E27FC236}">
+                <a16:creationId xmlns:a16="http://schemas.microsoft.com/office/drawing/2014/main" id="{2A4BC1C2-FADC-75C5-D647-831173AECA45}"/>
+              </a:ext>
+            </a:extLst>
+          </p:cNvPr>
+          <p:cNvSpPr/>
+          <p:nvPr/>
+        </p:nvSpPr>
+        <p:spPr>
+          <a:xfrm>
+            <a:off x="6264973" y="5218102"/>
+            <a:ext cx="475230" cy="180000"/>
+          </a:xfrm>
+          <a:prstGeom prst="ellipse">
+            <a:avLst/>
+          </a:prstGeom>
+          <a:noFill/>
+          <a:ln>
+            <a:noFill/>
+          </a:ln>
+        </p:spPr>
+        <p:style>
+          <a:lnRef idx="2">
+            <a:schemeClr val="accent1">
+              <a:shade val="15000"/>
+            </a:schemeClr>
+          </a:lnRef>
+          <a:fillRef idx="1">
+            <a:schemeClr val="accent1"/>
+          </a:fillRef>
+          <a:effectRef idx="0">
+            <a:schemeClr val="accent1"/>
+          </a:effectRef>
+          <a:fontRef idx="minor">
+            <a:schemeClr val="lt1"/>
+          </a:fontRef>
+        </p:style>
+        <p:txBody>
+          <a:bodyPr rtlCol="0" anchor="ctr"/>
+          <a:lstStyle/>
+          <a:p>
+            <a:pPr algn="ctr"/>
+            <a:r>
+              <a:rPr lang="en-US" altLang="zh-TW" sz="1000" dirty="0">
+                <a:solidFill>
+                  <a:schemeClr val="tx1"/>
+                </a:solidFill>
+              </a:rPr>
+              <a:t>9</a:t>
+            </a:r>
+            <a:endParaRPr lang="zh-TW" altLang="en-US" sz="1000" dirty="0">
+              <a:solidFill>
+                <a:schemeClr val="tx1"/>
+              </a:solidFill>
+            </a:endParaRPr>
+          </a:p>
+        </p:txBody>
+      </p:sp>
+      <p:sp>
+        <p:nvSpPr>
+          <p:cNvPr id="48" name="橢圓 47">
+            <a:extLst>
+              <a:ext uri="{FF2B5EF4-FFF2-40B4-BE49-F238E27FC236}">
+                <a16:creationId xmlns:a16="http://schemas.microsoft.com/office/drawing/2014/main" id="{D965C5B2-5BE9-8F88-4473-AE2BFD434B1E}"/>
+              </a:ext>
+            </a:extLst>
+          </p:cNvPr>
+          <p:cNvSpPr/>
+          <p:nvPr/>
+        </p:nvSpPr>
+        <p:spPr>
+          <a:xfrm>
+            <a:off x="6417373" y="5370502"/>
+            <a:ext cx="475230" cy="180000"/>
+          </a:xfrm>
+          <a:prstGeom prst="ellipse">
+            <a:avLst/>
+          </a:prstGeom>
+          <a:noFill/>
+          <a:ln>
+            <a:noFill/>
+          </a:ln>
+        </p:spPr>
+        <p:style>
+          <a:lnRef idx="2">
+            <a:schemeClr val="accent1">
+              <a:shade val="15000"/>
+            </a:schemeClr>
+          </a:lnRef>
+          <a:fillRef idx="1">
+            <a:schemeClr val="accent1"/>
+          </a:fillRef>
+          <a:effectRef idx="0">
+            <a:schemeClr val="accent1"/>
+          </a:effectRef>
+          <a:fontRef idx="minor">
+            <a:schemeClr val="lt1"/>
+          </a:fontRef>
+        </p:style>
+        <p:txBody>
+          <a:bodyPr rtlCol="0" anchor="ctr"/>
+          <a:lstStyle/>
+          <a:p>
+            <a:pPr algn="ctr"/>
+            <a:r>
+              <a:rPr lang="en-US" altLang="zh-TW" sz="1000" dirty="0">
+                <a:solidFill>
+                  <a:schemeClr val="tx1"/>
+                </a:solidFill>
+              </a:rPr>
+              <a:t>10</a:t>
+            </a:r>
+            <a:endParaRPr lang="zh-TW" altLang="en-US" sz="1000" dirty="0">
+              <a:solidFill>
+                <a:schemeClr val="tx1"/>
+              </a:solidFill>
+            </a:endParaRPr>
+          </a:p>
+        </p:txBody>
+      </p:sp>
+      <p:sp>
+        <p:nvSpPr>
+          <p:cNvPr id="49" name="橢圓 48">
+            <a:extLst>
+              <a:ext uri="{FF2B5EF4-FFF2-40B4-BE49-F238E27FC236}">
+                <a16:creationId xmlns:a16="http://schemas.microsoft.com/office/drawing/2014/main" id="{A0BDD8A2-DE4C-1F91-B519-2B156B6932F4}"/>
+              </a:ext>
+            </a:extLst>
+          </p:cNvPr>
+          <p:cNvSpPr/>
+          <p:nvPr/>
+        </p:nvSpPr>
+        <p:spPr>
+          <a:xfrm>
+            <a:off x="6569773" y="5522902"/>
+            <a:ext cx="475230" cy="180000"/>
+          </a:xfrm>
+          <a:prstGeom prst="ellipse">
+            <a:avLst/>
+          </a:prstGeom>
+          <a:noFill/>
+          <a:ln>
+            <a:noFill/>
+          </a:ln>
+        </p:spPr>
+        <p:style>
+          <a:lnRef idx="2">
+            <a:schemeClr val="accent1">
+              <a:shade val="15000"/>
+            </a:schemeClr>
+          </a:lnRef>
+          <a:fillRef idx="1">
+            <a:schemeClr val="accent1"/>
+          </a:fillRef>
+          <a:effectRef idx="0">
+            <a:schemeClr val="accent1"/>
+          </a:effectRef>
+          <a:fontRef idx="minor">
+            <a:schemeClr val="lt1"/>
+          </a:fontRef>
+        </p:style>
+        <p:txBody>
+          <a:bodyPr rtlCol="0" anchor="ctr"/>
+          <a:lstStyle/>
+          <a:p>
+            <a:pPr algn="ctr"/>
+            <a:r>
+              <a:rPr lang="en-US" altLang="zh-TW" sz="1000" dirty="0">
+                <a:solidFill>
+                  <a:schemeClr val="tx1"/>
+                </a:solidFill>
+              </a:rPr>
+              <a:t>11</a:t>
+            </a:r>
+            <a:endParaRPr lang="zh-TW" altLang="en-US" sz="1000" dirty="0">
+              <a:solidFill>
+                <a:schemeClr val="tx1"/>
+              </a:solidFill>
+            </a:endParaRPr>
+          </a:p>
+        </p:txBody>
+      </p:sp>
+      <p:sp>
+        <p:nvSpPr>
+          <p:cNvPr id="50" name="橢圓 49">
+            <a:extLst>
+              <a:ext uri="{FF2B5EF4-FFF2-40B4-BE49-F238E27FC236}">
+                <a16:creationId xmlns:a16="http://schemas.microsoft.com/office/drawing/2014/main" id="{CAA6B2D1-A393-D036-FC18-68B3FDB65FC0}"/>
+              </a:ext>
+            </a:extLst>
+          </p:cNvPr>
+          <p:cNvSpPr/>
+          <p:nvPr/>
+        </p:nvSpPr>
+        <p:spPr>
+          <a:xfrm>
+            <a:off x="6722173" y="5675302"/>
+            <a:ext cx="475230" cy="180000"/>
+          </a:xfrm>
+          <a:prstGeom prst="ellipse">
+            <a:avLst/>
+          </a:prstGeom>
+          <a:noFill/>
+          <a:ln>
+            <a:noFill/>
+          </a:ln>
+        </p:spPr>
+        <p:style>
+          <a:lnRef idx="2">
+            <a:schemeClr val="accent1">
+              <a:shade val="15000"/>
+            </a:schemeClr>
+          </a:lnRef>
+          <a:fillRef idx="1">
+            <a:schemeClr val="accent1"/>
+          </a:fillRef>
+          <a:effectRef idx="0">
+            <a:schemeClr val="accent1"/>
+          </a:effectRef>
+          <a:fontRef idx="minor">
+            <a:schemeClr val="lt1"/>
+          </a:fontRef>
+        </p:style>
+        <p:txBody>
+          <a:bodyPr rtlCol="0" anchor="ctr"/>
+          <a:lstStyle/>
+          <a:p>
+            <a:pPr algn="ctr"/>
+            <a:r>
+              <a:rPr lang="en-US" altLang="zh-TW" sz="1000" dirty="0">
+                <a:solidFill>
+                  <a:schemeClr val="tx1"/>
+                </a:solidFill>
+              </a:rPr>
+              <a:t>12</a:t>
+            </a:r>
+            <a:endParaRPr lang="zh-TW" altLang="en-US" sz="1000" dirty="0">
+              <a:solidFill>
+                <a:schemeClr val="tx1"/>
+              </a:solidFill>
+            </a:endParaRPr>
+          </a:p>
+        </p:txBody>
+      </p:sp>
+      <p:sp>
+        <p:nvSpPr>
+          <p:cNvPr id="51" name="橢圓 50">
+            <a:extLst>
+              <a:ext uri="{FF2B5EF4-FFF2-40B4-BE49-F238E27FC236}">
+                <a16:creationId xmlns:a16="http://schemas.microsoft.com/office/drawing/2014/main" id="{80980654-AFF0-8745-6995-9C154ACA1812}"/>
+              </a:ext>
+            </a:extLst>
+          </p:cNvPr>
+          <p:cNvSpPr/>
+          <p:nvPr/>
+        </p:nvSpPr>
+        <p:spPr>
+          <a:xfrm>
+            <a:off x="6874573" y="5827702"/>
+            <a:ext cx="475230" cy="180000"/>
+          </a:xfrm>
+          <a:prstGeom prst="ellipse">
+            <a:avLst/>
+          </a:prstGeom>
+          <a:noFill/>
+          <a:ln>
+            <a:noFill/>
+          </a:ln>
+        </p:spPr>
+        <p:style>
+          <a:lnRef idx="2">
+            <a:schemeClr val="accent1">
+              <a:shade val="15000"/>
+            </a:schemeClr>
+          </a:lnRef>
+          <a:fillRef idx="1">
+            <a:schemeClr val="accent1"/>
+          </a:fillRef>
+          <a:effectRef idx="0">
+            <a:schemeClr val="accent1"/>
+          </a:effectRef>
+          <a:fontRef idx="minor">
+            <a:schemeClr val="lt1"/>
+          </a:fontRef>
+        </p:style>
+        <p:txBody>
+          <a:bodyPr rtlCol="0" anchor="ctr"/>
+          <a:lstStyle/>
+          <a:p>
+            <a:pPr algn="ctr"/>
+            <a:r>
+              <a:rPr lang="en-US" altLang="zh-TW" sz="1000" dirty="0">
+                <a:solidFill>
+                  <a:schemeClr val="tx1"/>
+                </a:solidFill>
+              </a:rPr>
+              <a:t>13</a:t>
+            </a:r>
+            <a:endParaRPr lang="zh-TW" altLang="en-US" sz="1000" dirty="0">
+              <a:solidFill>
+                <a:schemeClr val="tx1"/>
+              </a:solidFill>
+            </a:endParaRPr>
+          </a:p>
+        </p:txBody>
+      </p:sp>
+      <p:sp>
+        <p:nvSpPr>
+          <p:cNvPr id="52" name="橢圓 51">
+            <a:extLst>
+              <a:ext uri="{FF2B5EF4-FFF2-40B4-BE49-F238E27FC236}">
+                <a16:creationId xmlns:a16="http://schemas.microsoft.com/office/drawing/2014/main" id="{CDB61B1E-D198-45D3-7755-3F5D0F8F464C}"/>
+              </a:ext>
+            </a:extLst>
+          </p:cNvPr>
+          <p:cNvSpPr/>
+          <p:nvPr/>
+        </p:nvSpPr>
+        <p:spPr>
+          <a:xfrm>
+            <a:off x="7026973" y="5980102"/>
+            <a:ext cx="475230" cy="180000"/>
+          </a:xfrm>
+          <a:prstGeom prst="ellipse">
+            <a:avLst/>
+          </a:prstGeom>
+          <a:noFill/>
+          <a:ln>
+            <a:noFill/>
+          </a:ln>
+        </p:spPr>
+        <p:style>
+          <a:lnRef idx="2">
+            <a:schemeClr val="accent1">
+              <a:shade val="15000"/>
+            </a:schemeClr>
+          </a:lnRef>
+          <a:fillRef idx="1">
+            <a:schemeClr val="accent1"/>
+          </a:fillRef>
+          <a:effectRef idx="0">
+            <a:schemeClr val="accent1"/>
+          </a:effectRef>
+          <a:fontRef idx="minor">
+            <a:schemeClr val="lt1"/>
+          </a:fontRef>
+        </p:style>
+        <p:txBody>
+          <a:bodyPr rtlCol="0" anchor="ctr"/>
+          <a:lstStyle/>
+          <a:p>
+            <a:pPr algn="ctr"/>
+            <a:r>
+              <a:rPr lang="en-US" altLang="zh-TW" sz="1000" dirty="0">
+                <a:solidFill>
+                  <a:schemeClr val="tx1"/>
+                </a:solidFill>
+              </a:rPr>
+              <a:t>14</a:t>
+            </a:r>
+            <a:endParaRPr lang="zh-TW" altLang="en-US" sz="1000" dirty="0">
+              <a:solidFill>
+                <a:schemeClr val="tx1"/>
+              </a:solidFill>
+            </a:endParaRPr>
+          </a:p>
+        </p:txBody>
+      </p:sp>
+      <p:sp>
+        <p:nvSpPr>
+          <p:cNvPr id="53" name="橢圓 52">
+            <a:extLst>
+              <a:ext uri="{FF2B5EF4-FFF2-40B4-BE49-F238E27FC236}">
+                <a16:creationId xmlns:a16="http://schemas.microsoft.com/office/drawing/2014/main" id="{8FC638ED-3808-1DFB-A5DC-87EA37931CB8}"/>
+              </a:ext>
+            </a:extLst>
+          </p:cNvPr>
+          <p:cNvSpPr/>
+          <p:nvPr/>
+        </p:nvSpPr>
+        <p:spPr>
+          <a:xfrm>
+            <a:off x="7093003" y="3068999"/>
+            <a:ext cx="475230" cy="180000"/>
+          </a:xfrm>
+          <a:prstGeom prst="ellipse">
+            <a:avLst/>
+          </a:prstGeom>
+          <a:noFill/>
+          <a:ln>
+            <a:noFill/>
+          </a:ln>
+        </p:spPr>
+        <p:style>
+          <a:lnRef idx="2">
+            <a:schemeClr val="accent1">
+              <a:shade val="15000"/>
+            </a:schemeClr>
+          </a:lnRef>
+          <a:fillRef idx="1">
+            <a:schemeClr val="accent1"/>
+          </a:fillRef>
+          <a:effectRef idx="0">
+            <a:schemeClr val="accent1"/>
+          </a:effectRef>
+          <a:fontRef idx="minor">
+            <a:schemeClr val="lt1"/>
+          </a:fontRef>
+        </p:style>
+        <p:txBody>
+          <a:bodyPr rtlCol="0" anchor="ctr"/>
+          <a:lstStyle/>
+          <a:p>
+            <a:pPr algn="ctr"/>
+            <a:r>
+              <a:rPr lang="en-US" altLang="zh-TW" sz="1000" dirty="0">
+                <a:solidFill>
+                  <a:schemeClr val="tx1"/>
+                </a:solidFill>
+              </a:rPr>
+              <a:t>15</a:t>
+            </a:r>
+            <a:endParaRPr lang="zh-TW" altLang="en-US" sz="1000" dirty="0">
+              <a:solidFill>
+                <a:schemeClr val="tx1"/>
+              </a:solidFill>
+            </a:endParaRPr>
+          </a:p>
+        </p:txBody>
+      </p:sp>
+      <p:sp>
+        <p:nvSpPr>
+          <p:cNvPr id="55" name="橢圓 54">
+            <a:extLst>
+              <a:ext uri="{FF2B5EF4-FFF2-40B4-BE49-F238E27FC236}">
+                <a16:creationId xmlns:a16="http://schemas.microsoft.com/office/drawing/2014/main" id="{A9DBD365-BB9B-AECB-B4DD-D08A6AE5DFD6}"/>
+              </a:ext>
+            </a:extLst>
+          </p:cNvPr>
+          <p:cNvSpPr/>
+          <p:nvPr/>
+        </p:nvSpPr>
+        <p:spPr>
+          <a:xfrm>
+            <a:off x="7245403" y="3221399"/>
+            <a:ext cx="475230" cy="180000"/>
+          </a:xfrm>
+          <a:prstGeom prst="ellipse">
+            <a:avLst/>
+          </a:prstGeom>
+          <a:noFill/>
+          <a:ln>
+            <a:noFill/>
+          </a:ln>
+        </p:spPr>
+        <p:style>
+          <a:lnRef idx="2">
+            <a:schemeClr val="accent1">
+              <a:shade val="15000"/>
+            </a:schemeClr>
+          </a:lnRef>
+          <a:fillRef idx="1">
+            <a:schemeClr val="accent1"/>
+          </a:fillRef>
+          <a:effectRef idx="0">
+            <a:schemeClr val="accent1"/>
+          </a:effectRef>
+          <a:fontRef idx="minor">
+            <a:schemeClr val="lt1"/>
+          </a:fontRef>
+        </p:style>
+        <p:txBody>
+          <a:bodyPr rtlCol="0" anchor="ctr"/>
+          <a:lstStyle/>
+          <a:p>
+            <a:pPr algn="ctr"/>
+            <a:r>
+              <a:rPr lang="en-US" altLang="zh-TW" sz="1000" dirty="0">
+                <a:solidFill>
+                  <a:schemeClr val="tx1"/>
+                </a:solidFill>
+              </a:rPr>
+              <a:t>16</a:t>
+            </a:r>
+            <a:endParaRPr lang="zh-TW" altLang="en-US" sz="1000" dirty="0">
+              <a:solidFill>
+                <a:schemeClr val="tx1"/>
+              </a:solidFill>
+            </a:endParaRPr>
+          </a:p>
+        </p:txBody>
+      </p:sp>
+      <p:sp>
+        <p:nvSpPr>
+          <p:cNvPr id="56" name="橢圓 55">
+            <a:extLst>
+              <a:ext uri="{FF2B5EF4-FFF2-40B4-BE49-F238E27FC236}">
+                <a16:creationId xmlns:a16="http://schemas.microsoft.com/office/drawing/2014/main" id="{A3CBACFA-A627-DABC-98A2-54096F6BF00F}"/>
+              </a:ext>
+            </a:extLst>
+          </p:cNvPr>
+          <p:cNvSpPr/>
+          <p:nvPr/>
+        </p:nvSpPr>
+        <p:spPr>
+          <a:xfrm>
+            <a:off x="7397803" y="3373799"/>
+            <a:ext cx="475230" cy="180000"/>
+          </a:xfrm>
+          <a:prstGeom prst="ellipse">
+            <a:avLst/>
+          </a:prstGeom>
+          <a:noFill/>
+          <a:ln>
+            <a:noFill/>
+          </a:ln>
+        </p:spPr>
+        <p:style>
+          <a:lnRef idx="2">
+            <a:schemeClr val="accent1">
+              <a:shade val="15000"/>
+            </a:schemeClr>
+          </a:lnRef>
+          <a:fillRef idx="1">
+            <a:schemeClr val="accent1"/>
+          </a:fillRef>
+          <a:effectRef idx="0">
+            <a:schemeClr val="accent1"/>
+          </a:effectRef>
+          <a:fontRef idx="minor">
+            <a:schemeClr val="lt1"/>
+          </a:fontRef>
+        </p:style>
+        <p:txBody>
+          <a:bodyPr rtlCol="0" anchor="ctr"/>
+          <a:lstStyle/>
+          <a:p>
+            <a:pPr algn="ctr"/>
+            <a:r>
+              <a:rPr lang="en-US" altLang="zh-TW" sz="1000" dirty="0">
+                <a:solidFill>
+                  <a:schemeClr val="tx1"/>
+                </a:solidFill>
+              </a:rPr>
+              <a:t>17</a:t>
+            </a:r>
+            <a:endParaRPr lang="zh-TW" altLang="en-US" sz="1000" dirty="0">
+              <a:solidFill>
+                <a:schemeClr val="tx1"/>
+              </a:solidFill>
+            </a:endParaRPr>
+          </a:p>
+        </p:txBody>
+      </p:sp>
+      <p:sp>
+        <p:nvSpPr>
+          <p:cNvPr id="57" name="橢圓 56">
+            <a:extLst>
+              <a:ext uri="{FF2B5EF4-FFF2-40B4-BE49-F238E27FC236}">
+                <a16:creationId xmlns:a16="http://schemas.microsoft.com/office/drawing/2014/main" id="{D7EA886B-13D3-4A9E-B970-592EEB7C7719}"/>
+              </a:ext>
+            </a:extLst>
+          </p:cNvPr>
+          <p:cNvSpPr/>
+          <p:nvPr/>
+        </p:nvSpPr>
+        <p:spPr>
+          <a:xfrm>
+            <a:off x="7550203" y="3526199"/>
+            <a:ext cx="475230" cy="180000"/>
+          </a:xfrm>
+          <a:prstGeom prst="ellipse">
+            <a:avLst/>
+          </a:prstGeom>
+          <a:noFill/>
+          <a:ln>
+            <a:noFill/>
+          </a:ln>
+        </p:spPr>
+        <p:style>
+          <a:lnRef idx="2">
+            <a:schemeClr val="accent1">
+              <a:shade val="15000"/>
+            </a:schemeClr>
+          </a:lnRef>
+          <a:fillRef idx="1">
+            <a:schemeClr val="accent1"/>
+          </a:fillRef>
+          <a:effectRef idx="0">
+            <a:schemeClr val="accent1"/>
+          </a:effectRef>
+          <a:fontRef idx="minor">
+            <a:schemeClr val="lt1"/>
+          </a:fontRef>
+        </p:style>
+        <p:txBody>
+          <a:bodyPr rtlCol="0" anchor="ctr"/>
+          <a:lstStyle/>
+          <a:p>
+            <a:pPr algn="ctr"/>
+            <a:r>
+              <a:rPr lang="en-US" altLang="zh-TW" sz="1000" dirty="0">
+                <a:solidFill>
+                  <a:schemeClr val="tx1"/>
+                </a:solidFill>
+              </a:rPr>
+              <a:t>18</a:t>
+            </a:r>
+            <a:endParaRPr lang="zh-TW" altLang="en-US" sz="1000" dirty="0">
+              <a:solidFill>
+                <a:schemeClr val="tx1"/>
+              </a:solidFill>
+            </a:endParaRPr>
+          </a:p>
+        </p:txBody>
+      </p:sp>
+      <p:sp>
+        <p:nvSpPr>
+          <p:cNvPr id="58" name="橢圓 57">
+            <a:extLst>
+              <a:ext uri="{FF2B5EF4-FFF2-40B4-BE49-F238E27FC236}">
+                <a16:creationId xmlns:a16="http://schemas.microsoft.com/office/drawing/2014/main" id="{4D1DC418-80A2-8315-0A6A-584B00464A33}"/>
+              </a:ext>
+            </a:extLst>
+          </p:cNvPr>
+          <p:cNvSpPr/>
+          <p:nvPr/>
+        </p:nvSpPr>
+        <p:spPr>
+          <a:xfrm>
+            <a:off x="7702603" y="3678599"/>
+            <a:ext cx="475230" cy="180000"/>
+          </a:xfrm>
+          <a:prstGeom prst="ellipse">
+            <a:avLst/>
+          </a:prstGeom>
+          <a:noFill/>
+          <a:ln>
+            <a:noFill/>
+          </a:ln>
+        </p:spPr>
+        <p:style>
+          <a:lnRef idx="2">
+            <a:schemeClr val="accent1">
+              <a:shade val="15000"/>
+            </a:schemeClr>
+          </a:lnRef>
+          <a:fillRef idx="1">
+            <a:schemeClr val="accent1"/>
+          </a:fillRef>
+          <a:effectRef idx="0">
+            <a:schemeClr val="accent1"/>
+          </a:effectRef>
+          <a:fontRef idx="minor">
+            <a:schemeClr val="lt1"/>
+          </a:fontRef>
+        </p:style>
+        <p:txBody>
+          <a:bodyPr rtlCol="0" anchor="ctr"/>
+          <a:lstStyle/>
+          <a:p>
+            <a:pPr algn="ctr"/>
+            <a:r>
+              <a:rPr lang="en-US" altLang="zh-TW" sz="1000" dirty="0">
+                <a:solidFill>
+                  <a:schemeClr val="tx1"/>
+                </a:solidFill>
+              </a:rPr>
+              <a:t>19</a:t>
+            </a:r>
+            <a:endParaRPr lang="zh-TW" altLang="en-US" sz="1000" dirty="0">
+              <a:solidFill>
+                <a:schemeClr val="tx1"/>
+              </a:solidFill>
+            </a:endParaRPr>
+          </a:p>
+        </p:txBody>
+      </p:sp>
+      <p:sp>
+        <p:nvSpPr>
+          <p:cNvPr id="59" name="橢圓 58">
+            <a:extLst>
+              <a:ext uri="{FF2B5EF4-FFF2-40B4-BE49-F238E27FC236}">
+                <a16:creationId xmlns:a16="http://schemas.microsoft.com/office/drawing/2014/main" id="{7FF9ADC3-8AB1-D041-FEFE-00FF30360C6D}"/>
+              </a:ext>
+            </a:extLst>
+          </p:cNvPr>
+          <p:cNvSpPr/>
+          <p:nvPr/>
+        </p:nvSpPr>
+        <p:spPr>
+          <a:xfrm>
+            <a:off x="7855003" y="3830999"/>
+            <a:ext cx="475230" cy="180000"/>
+          </a:xfrm>
+          <a:prstGeom prst="ellipse">
+            <a:avLst/>
+          </a:prstGeom>
+          <a:noFill/>
+          <a:ln>
+            <a:noFill/>
+          </a:ln>
+        </p:spPr>
+        <p:style>
+          <a:lnRef idx="2">
+            <a:schemeClr val="accent1">
+              <a:shade val="15000"/>
+            </a:schemeClr>
+          </a:lnRef>
+          <a:fillRef idx="1">
+            <a:schemeClr val="accent1"/>
+          </a:fillRef>
+          <a:effectRef idx="0">
+            <a:schemeClr val="accent1"/>
+          </a:effectRef>
+          <a:fontRef idx="minor">
+            <a:schemeClr val="lt1"/>
+          </a:fontRef>
+        </p:style>
+        <p:txBody>
+          <a:bodyPr rtlCol="0" anchor="ctr"/>
+          <a:lstStyle/>
+          <a:p>
+            <a:pPr algn="ctr"/>
+            <a:r>
+              <a:rPr lang="en-US" altLang="zh-TW" sz="1000" dirty="0">
+                <a:solidFill>
+                  <a:schemeClr val="tx1"/>
+                </a:solidFill>
+              </a:rPr>
+              <a:t>20</a:t>
+            </a:r>
+            <a:endParaRPr lang="zh-TW" altLang="en-US" sz="1000" dirty="0">
+              <a:solidFill>
+                <a:schemeClr val="tx1"/>
+              </a:solidFill>
+            </a:endParaRPr>
+          </a:p>
+        </p:txBody>
+      </p:sp>
+      <p:sp>
+        <p:nvSpPr>
+          <p:cNvPr id="60" name="橢圓 59">
+            <a:extLst>
+              <a:ext uri="{FF2B5EF4-FFF2-40B4-BE49-F238E27FC236}">
+                <a16:creationId xmlns:a16="http://schemas.microsoft.com/office/drawing/2014/main" id="{7C358719-0183-97B3-94A3-13BBDAFC7B00}"/>
+              </a:ext>
+            </a:extLst>
+          </p:cNvPr>
+          <p:cNvSpPr/>
+          <p:nvPr/>
+        </p:nvSpPr>
+        <p:spPr>
+          <a:xfrm>
+            <a:off x="8007403" y="3983399"/>
+            <a:ext cx="475230" cy="180000"/>
+          </a:xfrm>
+          <a:prstGeom prst="ellipse">
+            <a:avLst/>
+          </a:prstGeom>
+          <a:noFill/>
+          <a:ln>
+            <a:noFill/>
+          </a:ln>
+        </p:spPr>
+        <p:style>
+          <a:lnRef idx="2">
+            <a:schemeClr val="accent1">
+              <a:shade val="15000"/>
+            </a:schemeClr>
+          </a:lnRef>
+          <a:fillRef idx="1">
+            <a:schemeClr val="accent1"/>
+          </a:fillRef>
+          <a:effectRef idx="0">
+            <a:schemeClr val="accent1"/>
+          </a:effectRef>
+          <a:fontRef idx="minor">
+            <a:schemeClr val="lt1"/>
+          </a:fontRef>
+        </p:style>
+        <p:txBody>
+          <a:bodyPr rtlCol="0" anchor="ctr"/>
+          <a:lstStyle/>
+          <a:p>
+            <a:pPr algn="ctr"/>
+            <a:r>
+              <a:rPr lang="en-US" altLang="zh-TW" sz="1000" dirty="0">
+                <a:solidFill>
+                  <a:schemeClr val="tx1"/>
+                </a:solidFill>
+              </a:rPr>
+              <a:t>21</a:t>
+            </a:r>
+            <a:endParaRPr lang="zh-TW" altLang="en-US" sz="1000" dirty="0">
+              <a:solidFill>
+                <a:schemeClr val="tx1"/>
+              </a:solidFill>
+            </a:endParaRPr>
+          </a:p>
+        </p:txBody>
+      </p:sp>
+      <p:sp>
+        <p:nvSpPr>
+          <p:cNvPr id="61" name="橢圓 60">
+            <a:extLst>
+              <a:ext uri="{FF2B5EF4-FFF2-40B4-BE49-F238E27FC236}">
+                <a16:creationId xmlns:a16="http://schemas.microsoft.com/office/drawing/2014/main" id="{702D6D32-700B-1317-2E7D-79FF087E4D36}"/>
+              </a:ext>
+            </a:extLst>
+          </p:cNvPr>
+          <p:cNvSpPr/>
+          <p:nvPr/>
+        </p:nvSpPr>
+        <p:spPr>
+          <a:xfrm>
+            <a:off x="8159803" y="4135799"/>
+            <a:ext cx="475230" cy="180000"/>
+          </a:xfrm>
+          <a:prstGeom prst="ellipse">
+            <a:avLst/>
+          </a:prstGeom>
+          <a:noFill/>
+          <a:ln>
+            <a:noFill/>
+          </a:ln>
+        </p:spPr>
+        <p:style>
+          <a:lnRef idx="2">
+            <a:schemeClr val="accent1">
+              <a:shade val="15000"/>
+            </a:schemeClr>
+          </a:lnRef>
+          <a:fillRef idx="1">
+            <a:schemeClr val="accent1"/>
+          </a:fillRef>
+          <a:effectRef idx="0">
+            <a:schemeClr val="accent1"/>
+          </a:effectRef>
+          <a:fontRef idx="minor">
+            <a:schemeClr val="lt1"/>
+          </a:fontRef>
+        </p:style>
+        <p:txBody>
+          <a:bodyPr rtlCol="0" anchor="ctr"/>
+          <a:lstStyle/>
+          <a:p>
+            <a:pPr algn="ctr"/>
+            <a:r>
+              <a:rPr lang="en-US" altLang="zh-TW" sz="1000" dirty="0">
+                <a:solidFill>
+                  <a:schemeClr val="tx1"/>
+                </a:solidFill>
+              </a:rPr>
+              <a:t>22</a:t>
+            </a:r>
+            <a:endParaRPr lang="zh-TW" altLang="en-US" sz="1000" dirty="0">
+              <a:solidFill>
+                <a:schemeClr val="tx1"/>
+              </a:solidFill>
+            </a:endParaRPr>
+          </a:p>
+        </p:txBody>
+      </p:sp>
+      <p:sp>
+        <p:nvSpPr>
+          <p:cNvPr id="62" name="橢圓 61">
+            <a:extLst>
+              <a:ext uri="{FF2B5EF4-FFF2-40B4-BE49-F238E27FC236}">
+                <a16:creationId xmlns:a16="http://schemas.microsoft.com/office/drawing/2014/main" id="{CE10A8AF-642A-6745-0512-7BD9A0E8974A}"/>
+              </a:ext>
+            </a:extLst>
+          </p:cNvPr>
+          <p:cNvSpPr/>
+          <p:nvPr/>
+        </p:nvSpPr>
+        <p:spPr>
+          <a:xfrm>
+            <a:off x="8312203" y="4288199"/>
+            <a:ext cx="475230" cy="180000"/>
+          </a:xfrm>
+          <a:prstGeom prst="ellipse">
+            <a:avLst/>
+          </a:prstGeom>
+          <a:noFill/>
+          <a:ln>
+            <a:noFill/>
+          </a:ln>
+        </p:spPr>
+        <p:style>
+          <a:lnRef idx="2">
+            <a:schemeClr val="accent1">
+              <a:shade val="15000"/>
+            </a:schemeClr>
+          </a:lnRef>
+          <a:fillRef idx="1">
+            <a:schemeClr val="accent1"/>
+          </a:fillRef>
+          <a:effectRef idx="0">
+            <a:schemeClr val="accent1"/>
+          </a:effectRef>
+          <a:fontRef idx="minor">
+            <a:schemeClr val="lt1"/>
+          </a:fontRef>
+        </p:style>
+        <p:txBody>
+          <a:bodyPr rtlCol="0" anchor="ctr"/>
+          <a:lstStyle/>
+          <a:p>
+            <a:pPr algn="ctr"/>
+            <a:r>
+              <a:rPr lang="en-US" altLang="zh-TW" sz="1000" dirty="0">
+                <a:solidFill>
+                  <a:schemeClr val="tx1"/>
+                </a:solidFill>
+              </a:rPr>
+              <a:t>23</a:t>
+            </a:r>
+            <a:endParaRPr lang="zh-TW" altLang="en-US" sz="1000" dirty="0">
+              <a:solidFill>
+                <a:schemeClr val="tx1"/>
+              </a:solidFill>
+            </a:endParaRPr>
+          </a:p>
+        </p:txBody>
+      </p:sp>
+      <p:sp>
+        <p:nvSpPr>
+          <p:cNvPr id="63" name="橢圓 62">
+            <a:extLst>
+              <a:ext uri="{FF2B5EF4-FFF2-40B4-BE49-F238E27FC236}">
+                <a16:creationId xmlns:a16="http://schemas.microsoft.com/office/drawing/2014/main" id="{A0C9CA36-66BA-AE89-6A69-863A084560E3}"/>
+              </a:ext>
+            </a:extLst>
+          </p:cNvPr>
+          <p:cNvSpPr/>
+          <p:nvPr/>
+        </p:nvSpPr>
+        <p:spPr>
+          <a:xfrm>
+            <a:off x="8464603" y="4440599"/>
+            <a:ext cx="475230" cy="180000"/>
+          </a:xfrm>
+          <a:prstGeom prst="ellipse">
+            <a:avLst/>
+          </a:prstGeom>
+          <a:noFill/>
+          <a:ln>
+            <a:noFill/>
+          </a:ln>
+        </p:spPr>
+        <p:style>
+          <a:lnRef idx="2">
+            <a:schemeClr val="accent1">
+              <a:shade val="15000"/>
+            </a:schemeClr>
+          </a:lnRef>
+          <a:fillRef idx="1">
+            <a:schemeClr val="accent1"/>
+          </a:fillRef>
+          <a:effectRef idx="0">
+            <a:schemeClr val="accent1"/>
+          </a:effectRef>
+          <a:fontRef idx="minor">
+            <a:schemeClr val="lt1"/>
+          </a:fontRef>
+        </p:style>
+        <p:txBody>
+          <a:bodyPr rtlCol="0" anchor="ctr"/>
+          <a:lstStyle/>
+          <a:p>
+            <a:pPr algn="ctr"/>
+            <a:r>
+              <a:rPr lang="en-US" altLang="zh-TW" sz="1000" dirty="0">
+                <a:solidFill>
+                  <a:schemeClr val="tx1"/>
+                </a:solidFill>
+              </a:rPr>
+              <a:t>24</a:t>
+            </a:r>
+            <a:endParaRPr lang="zh-TW" altLang="en-US" sz="1000" dirty="0">
+              <a:solidFill>
+                <a:schemeClr val="tx1"/>
+              </a:solidFill>
+            </a:endParaRPr>
+          </a:p>
+        </p:txBody>
+      </p:sp>
+      <p:sp>
+        <p:nvSpPr>
+          <p:cNvPr id="64" name="橢圓 63">
+            <a:extLst>
+              <a:ext uri="{FF2B5EF4-FFF2-40B4-BE49-F238E27FC236}">
+                <a16:creationId xmlns:a16="http://schemas.microsoft.com/office/drawing/2014/main" id="{71FB0F76-AC39-52BE-55C4-89A8DF1C3F1A}"/>
+              </a:ext>
+            </a:extLst>
+          </p:cNvPr>
+          <p:cNvSpPr/>
+          <p:nvPr/>
+        </p:nvSpPr>
+        <p:spPr>
+          <a:xfrm>
+            <a:off x="8617003" y="4592999"/>
+            <a:ext cx="475230" cy="180000"/>
+          </a:xfrm>
+          <a:prstGeom prst="ellipse">
+            <a:avLst/>
+          </a:prstGeom>
+          <a:noFill/>
+          <a:ln>
+            <a:noFill/>
+          </a:ln>
+        </p:spPr>
+        <p:style>
+          <a:lnRef idx="2">
+            <a:schemeClr val="accent1">
+              <a:shade val="15000"/>
+            </a:schemeClr>
+          </a:lnRef>
+          <a:fillRef idx="1">
+            <a:schemeClr val="accent1"/>
+          </a:fillRef>
+          <a:effectRef idx="0">
+            <a:schemeClr val="accent1"/>
+          </a:effectRef>
+          <a:fontRef idx="minor">
+            <a:schemeClr val="lt1"/>
+          </a:fontRef>
+        </p:style>
+        <p:txBody>
+          <a:bodyPr rtlCol="0" anchor="ctr"/>
+          <a:lstStyle/>
+          <a:p>
+            <a:pPr algn="ctr"/>
+            <a:r>
+              <a:rPr lang="en-US" altLang="zh-TW" sz="1000" dirty="0">
+                <a:solidFill>
+                  <a:schemeClr val="tx1"/>
+                </a:solidFill>
+              </a:rPr>
+              <a:t>25</a:t>
+            </a:r>
+            <a:endParaRPr lang="zh-TW" altLang="en-US" sz="1000" dirty="0">
+              <a:solidFill>
+                <a:schemeClr val="tx1"/>
+              </a:solidFill>
+            </a:endParaRPr>
+          </a:p>
+        </p:txBody>
+      </p:sp>
+      <p:sp>
+        <p:nvSpPr>
+          <p:cNvPr id="65" name="橢圓 64">
+            <a:extLst>
+              <a:ext uri="{FF2B5EF4-FFF2-40B4-BE49-F238E27FC236}">
+                <a16:creationId xmlns:a16="http://schemas.microsoft.com/office/drawing/2014/main" id="{2F5F5863-EC52-A3C1-61C2-458DB9EE10E8}"/>
+              </a:ext>
+            </a:extLst>
+          </p:cNvPr>
+          <p:cNvSpPr/>
+          <p:nvPr/>
+        </p:nvSpPr>
+        <p:spPr>
+          <a:xfrm>
+            <a:off x="8769403" y="4745399"/>
+            <a:ext cx="475230" cy="180000"/>
+          </a:xfrm>
+          <a:prstGeom prst="ellipse">
+            <a:avLst/>
+          </a:prstGeom>
+          <a:noFill/>
+          <a:ln>
+            <a:noFill/>
+          </a:ln>
+        </p:spPr>
+        <p:style>
+          <a:lnRef idx="2">
+            <a:schemeClr val="accent1">
+              <a:shade val="15000"/>
+            </a:schemeClr>
+          </a:lnRef>
+          <a:fillRef idx="1">
+            <a:schemeClr val="accent1"/>
+          </a:fillRef>
+          <a:effectRef idx="0">
+            <a:schemeClr val="accent1"/>
+          </a:effectRef>
+          <a:fontRef idx="minor">
+            <a:schemeClr val="lt1"/>
+          </a:fontRef>
+        </p:style>
+        <p:txBody>
+          <a:bodyPr rtlCol="0" anchor="ctr"/>
+          <a:lstStyle/>
+          <a:p>
+            <a:pPr algn="ctr"/>
+            <a:r>
+              <a:rPr lang="en-US" altLang="zh-TW" sz="1000" dirty="0">
+                <a:solidFill>
+                  <a:schemeClr val="tx1"/>
+                </a:solidFill>
+              </a:rPr>
+              <a:t>26</a:t>
+            </a:r>
+            <a:endParaRPr lang="zh-TW" altLang="en-US" sz="1000" dirty="0">
+              <a:solidFill>
+                <a:schemeClr val="tx1"/>
+              </a:solidFill>
+            </a:endParaRPr>
+          </a:p>
+        </p:txBody>
+      </p:sp>
+      <p:sp>
+        <p:nvSpPr>
+          <p:cNvPr id="66" name="橢圓 65">
+            <a:extLst>
+              <a:ext uri="{FF2B5EF4-FFF2-40B4-BE49-F238E27FC236}">
+                <a16:creationId xmlns:a16="http://schemas.microsoft.com/office/drawing/2014/main" id="{BE9F3DDA-C404-24D2-2765-7FF823C4ED7E}"/>
+              </a:ext>
+            </a:extLst>
+          </p:cNvPr>
+          <p:cNvSpPr/>
+          <p:nvPr/>
+        </p:nvSpPr>
+        <p:spPr>
+          <a:xfrm>
+            <a:off x="8921803" y="4897799"/>
+            <a:ext cx="475230" cy="180000"/>
+          </a:xfrm>
+          <a:prstGeom prst="ellipse">
+            <a:avLst/>
+          </a:prstGeom>
+          <a:noFill/>
+          <a:ln>
+            <a:noFill/>
+          </a:ln>
+        </p:spPr>
+        <p:style>
+          <a:lnRef idx="2">
+            <a:schemeClr val="accent1">
+              <a:shade val="15000"/>
+            </a:schemeClr>
+          </a:lnRef>
+          <a:fillRef idx="1">
+            <a:schemeClr val="accent1"/>
+          </a:fillRef>
+          <a:effectRef idx="0">
+            <a:schemeClr val="accent1"/>
+          </a:effectRef>
+          <a:fontRef idx="minor">
+            <a:schemeClr val="lt1"/>
+          </a:fontRef>
+        </p:style>
+        <p:txBody>
+          <a:bodyPr rtlCol="0" anchor="ctr"/>
+          <a:lstStyle/>
+          <a:p>
+            <a:pPr algn="ctr"/>
+            <a:r>
+              <a:rPr lang="en-US" altLang="zh-TW" sz="1000" dirty="0">
+                <a:solidFill>
+                  <a:schemeClr val="tx1"/>
+                </a:solidFill>
+              </a:rPr>
+              <a:t>27</a:t>
+            </a:r>
+            <a:endParaRPr lang="zh-TW" altLang="en-US" sz="1000" dirty="0">
+              <a:solidFill>
+                <a:schemeClr val="tx1"/>
+              </a:solidFill>
+            </a:endParaRPr>
+          </a:p>
+        </p:txBody>
+      </p:sp>
+      <p:sp>
+        <p:nvSpPr>
+          <p:cNvPr id="67" name="橢圓 66">
+            <a:extLst>
+              <a:ext uri="{FF2B5EF4-FFF2-40B4-BE49-F238E27FC236}">
+                <a16:creationId xmlns:a16="http://schemas.microsoft.com/office/drawing/2014/main" id="{6E796E07-8998-DA4B-56F1-2CCABEF90494}"/>
+              </a:ext>
+            </a:extLst>
+          </p:cNvPr>
+          <p:cNvSpPr/>
+          <p:nvPr/>
+        </p:nvSpPr>
+        <p:spPr>
+          <a:xfrm>
+            <a:off x="9074203" y="5050199"/>
+            <a:ext cx="475230" cy="180000"/>
+          </a:xfrm>
+          <a:prstGeom prst="ellipse">
+            <a:avLst/>
+          </a:prstGeom>
+          <a:noFill/>
+          <a:ln>
+            <a:noFill/>
+          </a:ln>
+        </p:spPr>
+        <p:style>
+          <a:lnRef idx="2">
+            <a:schemeClr val="accent1">
+              <a:shade val="15000"/>
+            </a:schemeClr>
+          </a:lnRef>
+          <a:fillRef idx="1">
+            <a:schemeClr val="accent1"/>
+          </a:fillRef>
+          <a:effectRef idx="0">
+            <a:schemeClr val="accent1"/>
+          </a:effectRef>
+          <a:fontRef idx="minor">
+            <a:schemeClr val="lt1"/>
+          </a:fontRef>
+        </p:style>
+        <p:txBody>
+          <a:bodyPr rtlCol="0" anchor="ctr"/>
+          <a:lstStyle/>
+          <a:p>
+            <a:pPr algn="ctr"/>
+            <a:r>
+              <a:rPr lang="en-US" altLang="zh-TW" sz="1000" dirty="0">
+                <a:solidFill>
+                  <a:schemeClr val="tx1"/>
+                </a:solidFill>
+              </a:rPr>
+              <a:t>28</a:t>
+            </a:r>
+            <a:endParaRPr lang="zh-TW" altLang="en-US" sz="1000" dirty="0">
+              <a:solidFill>
+                <a:schemeClr val="tx1"/>
+              </a:solidFill>
+            </a:endParaRPr>
+          </a:p>
+        </p:txBody>
+      </p:sp>
+      <p:sp>
+        <p:nvSpPr>
+          <p:cNvPr id="68" name="橢圓 67">
+            <a:extLst>
+              <a:ext uri="{FF2B5EF4-FFF2-40B4-BE49-F238E27FC236}">
+                <a16:creationId xmlns:a16="http://schemas.microsoft.com/office/drawing/2014/main" id="{60701423-9056-510F-F6AC-15967960C565}"/>
+              </a:ext>
+            </a:extLst>
+          </p:cNvPr>
+          <p:cNvSpPr/>
+          <p:nvPr/>
+        </p:nvSpPr>
+        <p:spPr>
+          <a:xfrm>
+            <a:off x="9226603" y="5202599"/>
+            <a:ext cx="475230" cy="180000"/>
+          </a:xfrm>
+          <a:prstGeom prst="ellipse">
+            <a:avLst/>
+          </a:prstGeom>
+          <a:noFill/>
+          <a:ln>
+            <a:noFill/>
+          </a:ln>
+        </p:spPr>
+        <p:style>
+          <a:lnRef idx="2">
+            <a:schemeClr val="accent1">
+              <a:shade val="15000"/>
+            </a:schemeClr>
+          </a:lnRef>
+          <a:fillRef idx="1">
+            <a:schemeClr val="accent1"/>
+          </a:fillRef>
+          <a:effectRef idx="0">
+            <a:schemeClr val="accent1"/>
+          </a:effectRef>
+          <a:fontRef idx="minor">
+            <a:schemeClr val="lt1"/>
+          </a:fontRef>
+        </p:style>
+        <p:txBody>
+          <a:bodyPr rtlCol="0" anchor="ctr"/>
+          <a:lstStyle/>
+          <a:p>
+            <a:pPr algn="ctr"/>
+            <a:r>
+              <a:rPr lang="en-US" altLang="zh-TW" sz="1000" dirty="0">
+                <a:solidFill>
+                  <a:schemeClr val="tx1"/>
+                </a:solidFill>
+              </a:rPr>
+              <a:t>29</a:t>
+            </a:r>
+            <a:endParaRPr lang="zh-TW" altLang="en-US" sz="1000" dirty="0">
+              <a:solidFill>
+                <a:schemeClr val="tx1"/>
+              </a:solidFill>
+            </a:endParaRPr>
+          </a:p>
+        </p:txBody>
+      </p:sp>
+      <p:sp>
+        <p:nvSpPr>
+          <p:cNvPr id="69" name="橢圓 68">
+            <a:extLst>
+              <a:ext uri="{FF2B5EF4-FFF2-40B4-BE49-F238E27FC236}">
+                <a16:creationId xmlns:a16="http://schemas.microsoft.com/office/drawing/2014/main" id="{D7D45188-7AAE-BEEC-CE58-981712CB5365}"/>
+              </a:ext>
+            </a:extLst>
+          </p:cNvPr>
+          <p:cNvSpPr/>
+          <p:nvPr/>
+        </p:nvSpPr>
+        <p:spPr>
+          <a:xfrm>
+            <a:off x="9379003" y="5354999"/>
+            <a:ext cx="475230" cy="180000"/>
+          </a:xfrm>
+          <a:prstGeom prst="ellipse">
+            <a:avLst/>
+          </a:prstGeom>
+          <a:noFill/>
+          <a:ln>
+            <a:noFill/>
+          </a:ln>
+        </p:spPr>
+        <p:style>
+          <a:lnRef idx="2">
+            <a:schemeClr val="accent1">
+              <a:shade val="15000"/>
+            </a:schemeClr>
+          </a:lnRef>
+          <a:fillRef idx="1">
+            <a:schemeClr val="accent1"/>
+          </a:fillRef>
+          <a:effectRef idx="0">
+            <a:schemeClr val="accent1"/>
+          </a:effectRef>
+          <a:fontRef idx="minor">
+            <a:schemeClr val="lt1"/>
+          </a:fontRef>
+        </p:style>
+        <p:txBody>
+          <a:bodyPr rtlCol="0" anchor="ctr"/>
+          <a:lstStyle/>
+          <a:p>
+            <a:pPr algn="ctr"/>
+            <a:r>
+              <a:rPr lang="en-US" altLang="zh-TW" sz="1000" dirty="0">
+                <a:solidFill>
+                  <a:schemeClr val="tx1"/>
+                </a:solidFill>
+              </a:rPr>
+              <a:t>30</a:t>
+            </a:r>
+            <a:endParaRPr lang="zh-TW" altLang="en-US" sz="1000" dirty="0">
+              <a:solidFill>
+                <a:schemeClr val="tx1"/>
+              </a:solidFill>
+            </a:endParaRPr>
+          </a:p>
+        </p:txBody>
+      </p:sp>
+      <p:sp>
+        <p:nvSpPr>
+          <p:cNvPr id="70" name="橢圓 69">
+            <a:extLst>
+              <a:ext uri="{FF2B5EF4-FFF2-40B4-BE49-F238E27FC236}">
+                <a16:creationId xmlns:a16="http://schemas.microsoft.com/office/drawing/2014/main" id="{87E45629-483E-0002-83C9-ABBBC5450B4E}"/>
+              </a:ext>
+            </a:extLst>
+          </p:cNvPr>
+          <p:cNvSpPr/>
+          <p:nvPr/>
+        </p:nvSpPr>
+        <p:spPr>
+          <a:xfrm>
+            <a:off x="9531403" y="5507399"/>
+            <a:ext cx="475230" cy="180000"/>
+          </a:xfrm>
+          <a:prstGeom prst="ellipse">
+            <a:avLst/>
+          </a:prstGeom>
+          <a:noFill/>
+          <a:ln>
+            <a:noFill/>
+          </a:ln>
+        </p:spPr>
+        <p:style>
+          <a:lnRef idx="2">
+            <a:schemeClr val="accent1">
+              <a:shade val="15000"/>
+            </a:schemeClr>
+          </a:lnRef>
+          <a:fillRef idx="1">
+            <a:schemeClr val="accent1"/>
+          </a:fillRef>
+          <a:effectRef idx="0">
+            <a:schemeClr val="accent1"/>
+          </a:effectRef>
+          <a:fontRef idx="minor">
+            <a:schemeClr val="lt1"/>
+          </a:fontRef>
+        </p:style>
+        <p:txBody>
+          <a:bodyPr rtlCol="0" anchor="ctr"/>
+          <a:lstStyle/>
+          <a:p>
+            <a:pPr algn="ctr"/>
+            <a:r>
+              <a:rPr lang="en-US" altLang="zh-TW" sz="1000" dirty="0">
+                <a:solidFill>
+                  <a:schemeClr val="tx1"/>
+                </a:solidFill>
+              </a:rPr>
+              <a:t>31</a:t>
+            </a:r>
+            <a:endParaRPr lang="zh-TW" altLang="en-US" sz="1000" dirty="0">
+              <a:solidFill>
+                <a:schemeClr val="tx1"/>
+              </a:solidFill>
+            </a:endParaRPr>
+          </a:p>
+        </p:txBody>
+      </p:sp>
     </p:spTree>
     <p:extLst>
       <p:ext uri="{BB962C8B-B14F-4D97-AF65-F5344CB8AC3E}">

--- a/Python/icon製作.pptx
+++ b/Python/icon製作.pptx
@@ -259,7 +259,7 @@
           <a:p>
             <a:fld id="{9C7867F6-2ECD-46D7-8428-E4750E86E3F3}" type="datetimeFigureOut">
               <a:rPr lang="zh-TW" altLang="en-US" smtClean="0"/>
-              <a:t>2024/7/29</a:t>
+              <a:t>2024/7/31</a:t>
             </a:fld>
             <a:endParaRPr lang="zh-TW" altLang="en-US"/>
           </a:p>
@@ -457,7 +457,7 @@
           <a:p>
             <a:fld id="{9C7867F6-2ECD-46D7-8428-E4750E86E3F3}" type="datetimeFigureOut">
               <a:rPr lang="zh-TW" altLang="en-US" smtClean="0"/>
-              <a:t>2024/7/29</a:t>
+              <a:t>2024/7/31</a:t>
             </a:fld>
             <a:endParaRPr lang="zh-TW" altLang="en-US"/>
           </a:p>
@@ -665,7 +665,7 @@
           <a:p>
             <a:fld id="{9C7867F6-2ECD-46D7-8428-E4750E86E3F3}" type="datetimeFigureOut">
               <a:rPr lang="zh-TW" altLang="en-US" smtClean="0"/>
-              <a:t>2024/7/29</a:t>
+              <a:t>2024/7/31</a:t>
             </a:fld>
             <a:endParaRPr lang="zh-TW" altLang="en-US"/>
           </a:p>
@@ -863,7 +863,7 @@
           <a:p>
             <a:fld id="{9C7867F6-2ECD-46D7-8428-E4750E86E3F3}" type="datetimeFigureOut">
               <a:rPr lang="zh-TW" altLang="en-US" smtClean="0"/>
-              <a:t>2024/7/29</a:t>
+              <a:t>2024/7/31</a:t>
             </a:fld>
             <a:endParaRPr lang="zh-TW" altLang="en-US"/>
           </a:p>
@@ -1138,7 +1138,7 @@
           <a:p>
             <a:fld id="{9C7867F6-2ECD-46D7-8428-E4750E86E3F3}" type="datetimeFigureOut">
               <a:rPr lang="zh-TW" altLang="en-US" smtClean="0"/>
-              <a:t>2024/7/29</a:t>
+              <a:t>2024/7/31</a:t>
             </a:fld>
             <a:endParaRPr lang="zh-TW" altLang="en-US"/>
           </a:p>
@@ -1403,7 +1403,7 @@
           <a:p>
             <a:fld id="{9C7867F6-2ECD-46D7-8428-E4750E86E3F3}" type="datetimeFigureOut">
               <a:rPr lang="zh-TW" altLang="en-US" smtClean="0"/>
-              <a:t>2024/7/29</a:t>
+              <a:t>2024/7/31</a:t>
             </a:fld>
             <a:endParaRPr lang="zh-TW" altLang="en-US"/>
           </a:p>
@@ -1815,7 +1815,7 @@
           <a:p>
             <a:fld id="{9C7867F6-2ECD-46D7-8428-E4750E86E3F3}" type="datetimeFigureOut">
               <a:rPr lang="zh-TW" altLang="en-US" smtClean="0"/>
-              <a:t>2024/7/29</a:t>
+              <a:t>2024/7/31</a:t>
             </a:fld>
             <a:endParaRPr lang="zh-TW" altLang="en-US"/>
           </a:p>
@@ -1956,7 +1956,7 @@
           <a:p>
             <a:fld id="{9C7867F6-2ECD-46D7-8428-E4750E86E3F3}" type="datetimeFigureOut">
               <a:rPr lang="zh-TW" altLang="en-US" smtClean="0"/>
-              <a:t>2024/7/29</a:t>
+              <a:t>2024/7/31</a:t>
             </a:fld>
             <a:endParaRPr lang="zh-TW" altLang="en-US"/>
           </a:p>
@@ -2069,7 +2069,7 @@
           <a:p>
             <a:fld id="{9C7867F6-2ECD-46D7-8428-E4750E86E3F3}" type="datetimeFigureOut">
               <a:rPr lang="zh-TW" altLang="en-US" smtClean="0"/>
-              <a:t>2024/7/29</a:t>
+              <a:t>2024/7/31</a:t>
             </a:fld>
             <a:endParaRPr lang="zh-TW" altLang="en-US"/>
           </a:p>
@@ -2380,7 +2380,7 @@
           <a:p>
             <a:fld id="{9C7867F6-2ECD-46D7-8428-E4750E86E3F3}" type="datetimeFigureOut">
               <a:rPr lang="zh-TW" altLang="en-US" smtClean="0"/>
-              <a:t>2024/7/29</a:t>
+              <a:t>2024/7/31</a:t>
             </a:fld>
             <a:endParaRPr lang="zh-TW" altLang="en-US"/>
           </a:p>
@@ -2668,7 +2668,7 @@
           <a:p>
             <a:fld id="{9C7867F6-2ECD-46D7-8428-E4750E86E3F3}" type="datetimeFigureOut">
               <a:rPr lang="zh-TW" altLang="en-US" smtClean="0"/>
-              <a:t>2024/7/29</a:t>
+              <a:t>2024/7/31</a:t>
             </a:fld>
             <a:endParaRPr lang="zh-TW" altLang="en-US"/>
           </a:p>
@@ -2909,7 +2909,7 @@
           <a:p>
             <a:fld id="{9C7867F6-2ECD-46D7-8428-E4750E86E3F3}" type="datetimeFigureOut">
               <a:rPr lang="zh-TW" altLang="en-US" smtClean="0"/>
-              <a:t>2024/7/29</a:t>
+              <a:t>2024/7/31</a:t>
             </a:fld>
             <a:endParaRPr lang="zh-TW" altLang="en-US"/>
           </a:p>
@@ -3340,7 +3340,7 @@
         </p:nvSpPr>
         <p:spPr>
           <a:xfrm>
-            <a:off x="1009934" y="1187355"/>
+            <a:off x="789978" y="3725885"/>
             <a:ext cx="180000" cy="180000"/>
           </a:xfrm>
           <a:prstGeom prst="ellipse">
@@ -4793,7 +4793,7 @@
         </p:nvSpPr>
         <p:spPr>
           <a:xfrm>
-            <a:off x="3095182" y="3638902"/>
+            <a:off x="5717773" y="1272510"/>
             <a:ext cx="180000" cy="180000"/>
           </a:xfrm>
           <a:prstGeom prst="diamond">
@@ -4960,7 +4960,7 @@
         </p:nvCxnSpPr>
         <p:spPr>
           <a:xfrm>
-            <a:off x="3185182" y="3638902"/>
+            <a:off x="5807773" y="1272510"/>
             <a:ext cx="0" cy="180000"/>
           </a:xfrm>
           <a:prstGeom prst="line">
@@ -5978,10 +5978,10 @@
       </p:sp>
       <p:sp>
         <p:nvSpPr>
-          <p:cNvPr id="52" name="橢圓 51">
-            <a:extLst>
-              <a:ext uri="{FF2B5EF4-FFF2-40B4-BE49-F238E27FC236}">
-                <a16:creationId xmlns:a16="http://schemas.microsoft.com/office/drawing/2014/main" id="{CDB61B1E-D198-45D3-7755-3F5D0F8F464C}"/>
+          <p:cNvPr id="53" name="橢圓 52">
+            <a:extLst>
+              <a:ext uri="{FF2B5EF4-FFF2-40B4-BE49-F238E27FC236}">
+                <a16:creationId xmlns:a16="http://schemas.microsoft.com/office/drawing/2014/main" id="{8FC638ED-3808-1DFB-A5DC-87EA37931CB8}"/>
               </a:ext>
             </a:extLst>
           </p:cNvPr>
@@ -5990,7 +5990,7 @@
         </p:nvSpPr>
         <p:spPr>
           <a:xfrm>
-            <a:off x="7026973" y="5980102"/>
+            <a:off x="7093003" y="3068999"/>
             <a:ext cx="475230" cy="180000"/>
           </a:xfrm>
           <a:prstGeom prst="ellipse">
@@ -6028,7 +6028,7 @@
                   <a:schemeClr val="tx1"/>
                 </a:solidFill>
               </a:rPr>
-              <a:t>14</a:t>
+              <a:t>15</a:t>
             </a:r>
             <a:endParaRPr lang="zh-TW" altLang="en-US" sz="1000" dirty="0">
               <a:solidFill>
@@ -6040,10 +6040,10 @@
       </p:sp>
       <p:sp>
         <p:nvSpPr>
-          <p:cNvPr id="53" name="橢圓 52">
-            <a:extLst>
-              <a:ext uri="{FF2B5EF4-FFF2-40B4-BE49-F238E27FC236}">
-                <a16:creationId xmlns:a16="http://schemas.microsoft.com/office/drawing/2014/main" id="{8FC638ED-3808-1DFB-A5DC-87EA37931CB8}"/>
+          <p:cNvPr id="55" name="橢圓 54">
+            <a:extLst>
+              <a:ext uri="{FF2B5EF4-FFF2-40B4-BE49-F238E27FC236}">
+                <a16:creationId xmlns:a16="http://schemas.microsoft.com/office/drawing/2014/main" id="{A9DBD365-BB9B-AECB-B4DD-D08A6AE5DFD6}"/>
               </a:ext>
             </a:extLst>
           </p:cNvPr>
@@ -6052,7 +6052,7 @@
         </p:nvSpPr>
         <p:spPr>
           <a:xfrm>
-            <a:off x="7093003" y="3068999"/>
+            <a:off x="7245403" y="3221399"/>
             <a:ext cx="475230" cy="180000"/>
           </a:xfrm>
           <a:prstGeom prst="ellipse">
@@ -6090,7 +6090,7 @@
                   <a:schemeClr val="tx1"/>
                 </a:solidFill>
               </a:rPr>
-              <a:t>15</a:t>
+              <a:t>16</a:t>
             </a:r>
             <a:endParaRPr lang="zh-TW" altLang="en-US" sz="1000" dirty="0">
               <a:solidFill>
@@ -6102,10 +6102,10 @@
       </p:sp>
       <p:sp>
         <p:nvSpPr>
-          <p:cNvPr id="55" name="橢圓 54">
-            <a:extLst>
-              <a:ext uri="{FF2B5EF4-FFF2-40B4-BE49-F238E27FC236}">
-                <a16:creationId xmlns:a16="http://schemas.microsoft.com/office/drawing/2014/main" id="{A9DBD365-BB9B-AECB-B4DD-D08A6AE5DFD6}"/>
+          <p:cNvPr id="56" name="橢圓 55">
+            <a:extLst>
+              <a:ext uri="{FF2B5EF4-FFF2-40B4-BE49-F238E27FC236}">
+                <a16:creationId xmlns:a16="http://schemas.microsoft.com/office/drawing/2014/main" id="{A3CBACFA-A627-DABC-98A2-54096F6BF00F}"/>
               </a:ext>
             </a:extLst>
           </p:cNvPr>
@@ -6114,7 +6114,7 @@
         </p:nvSpPr>
         <p:spPr>
           <a:xfrm>
-            <a:off x="7245403" y="3221399"/>
+            <a:off x="7397803" y="3373799"/>
             <a:ext cx="475230" cy="180000"/>
           </a:xfrm>
           <a:prstGeom prst="ellipse">
@@ -6152,7 +6152,7 @@
                   <a:schemeClr val="tx1"/>
                 </a:solidFill>
               </a:rPr>
-              <a:t>16</a:t>
+              <a:t>17</a:t>
             </a:r>
             <a:endParaRPr lang="zh-TW" altLang="en-US" sz="1000" dirty="0">
               <a:solidFill>
@@ -6164,10 +6164,10 @@
       </p:sp>
       <p:sp>
         <p:nvSpPr>
-          <p:cNvPr id="56" name="橢圓 55">
-            <a:extLst>
-              <a:ext uri="{FF2B5EF4-FFF2-40B4-BE49-F238E27FC236}">
-                <a16:creationId xmlns:a16="http://schemas.microsoft.com/office/drawing/2014/main" id="{A3CBACFA-A627-DABC-98A2-54096F6BF00F}"/>
+          <p:cNvPr id="57" name="橢圓 56">
+            <a:extLst>
+              <a:ext uri="{FF2B5EF4-FFF2-40B4-BE49-F238E27FC236}">
+                <a16:creationId xmlns:a16="http://schemas.microsoft.com/office/drawing/2014/main" id="{D7EA886B-13D3-4A9E-B970-592EEB7C7719}"/>
               </a:ext>
             </a:extLst>
           </p:cNvPr>
@@ -6176,7 +6176,7 @@
         </p:nvSpPr>
         <p:spPr>
           <a:xfrm>
-            <a:off x="7397803" y="3373799"/>
+            <a:off x="7550203" y="3526199"/>
             <a:ext cx="475230" cy="180000"/>
           </a:xfrm>
           <a:prstGeom prst="ellipse">
@@ -6214,7 +6214,7 @@
                   <a:schemeClr val="tx1"/>
                 </a:solidFill>
               </a:rPr>
-              <a:t>17</a:t>
+              <a:t>18</a:t>
             </a:r>
             <a:endParaRPr lang="zh-TW" altLang="en-US" sz="1000" dirty="0">
               <a:solidFill>
@@ -6226,10 +6226,10 @@
       </p:sp>
       <p:sp>
         <p:nvSpPr>
-          <p:cNvPr id="57" name="橢圓 56">
-            <a:extLst>
-              <a:ext uri="{FF2B5EF4-FFF2-40B4-BE49-F238E27FC236}">
-                <a16:creationId xmlns:a16="http://schemas.microsoft.com/office/drawing/2014/main" id="{D7EA886B-13D3-4A9E-B970-592EEB7C7719}"/>
+          <p:cNvPr id="58" name="橢圓 57">
+            <a:extLst>
+              <a:ext uri="{FF2B5EF4-FFF2-40B4-BE49-F238E27FC236}">
+                <a16:creationId xmlns:a16="http://schemas.microsoft.com/office/drawing/2014/main" id="{4D1DC418-80A2-8315-0A6A-584B00464A33}"/>
               </a:ext>
             </a:extLst>
           </p:cNvPr>
@@ -6238,7 +6238,7 @@
         </p:nvSpPr>
         <p:spPr>
           <a:xfrm>
-            <a:off x="7550203" y="3526199"/>
+            <a:off x="7702603" y="3678599"/>
             <a:ext cx="475230" cy="180000"/>
           </a:xfrm>
           <a:prstGeom prst="ellipse">
@@ -6276,7 +6276,7 @@
                   <a:schemeClr val="tx1"/>
                 </a:solidFill>
               </a:rPr>
-              <a:t>18</a:t>
+              <a:t>19</a:t>
             </a:r>
             <a:endParaRPr lang="zh-TW" altLang="en-US" sz="1000" dirty="0">
               <a:solidFill>
@@ -6288,10 +6288,10 @@
       </p:sp>
       <p:sp>
         <p:nvSpPr>
-          <p:cNvPr id="58" name="橢圓 57">
-            <a:extLst>
-              <a:ext uri="{FF2B5EF4-FFF2-40B4-BE49-F238E27FC236}">
-                <a16:creationId xmlns:a16="http://schemas.microsoft.com/office/drawing/2014/main" id="{4D1DC418-80A2-8315-0A6A-584B00464A33}"/>
+          <p:cNvPr id="59" name="橢圓 58">
+            <a:extLst>
+              <a:ext uri="{FF2B5EF4-FFF2-40B4-BE49-F238E27FC236}">
+                <a16:creationId xmlns:a16="http://schemas.microsoft.com/office/drawing/2014/main" id="{7FF9ADC3-8AB1-D041-FEFE-00FF30360C6D}"/>
               </a:ext>
             </a:extLst>
           </p:cNvPr>
@@ -6300,7 +6300,7 @@
         </p:nvSpPr>
         <p:spPr>
           <a:xfrm>
-            <a:off x="7702603" y="3678599"/>
+            <a:off x="7855003" y="3830999"/>
             <a:ext cx="475230" cy="180000"/>
           </a:xfrm>
           <a:prstGeom prst="ellipse">
@@ -6338,7 +6338,7 @@
                   <a:schemeClr val="tx1"/>
                 </a:solidFill>
               </a:rPr>
-              <a:t>19</a:t>
+              <a:t>20</a:t>
             </a:r>
             <a:endParaRPr lang="zh-TW" altLang="en-US" sz="1000" dirty="0">
               <a:solidFill>
@@ -6350,10 +6350,10 @@
       </p:sp>
       <p:sp>
         <p:nvSpPr>
-          <p:cNvPr id="59" name="橢圓 58">
-            <a:extLst>
-              <a:ext uri="{FF2B5EF4-FFF2-40B4-BE49-F238E27FC236}">
-                <a16:creationId xmlns:a16="http://schemas.microsoft.com/office/drawing/2014/main" id="{7FF9ADC3-8AB1-D041-FEFE-00FF30360C6D}"/>
+          <p:cNvPr id="60" name="橢圓 59">
+            <a:extLst>
+              <a:ext uri="{FF2B5EF4-FFF2-40B4-BE49-F238E27FC236}">
+                <a16:creationId xmlns:a16="http://schemas.microsoft.com/office/drawing/2014/main" id="{7C358719-0183-97B3-94A3-13BBDAFC7B00}"/>
               </a:ext>
             </a:extLst>
           </p:cNvPr>
@@ -6362,7 +6362,7 @@
         </p:nvSpPr>
         <p:spPr>
           <a:xfrm>
-            <a:off x="7855003" y="3830999"/>
+            <a:off x="8007403" y="3983399"/>
             <a:ext cx="475230" cy="180000"/>
           </a:xfrm>
           <a:prstGeom prst="ellipse">
@@ -6400,7 +6400,7 @@
                   <a:schemeClr val="tx1"/>
                 </a:solidFill>
               </a:rPr>
-              <a:t>20</a:t>
+              <a:t>21</a:t>
             </a:r>
             <a:endParaRPr lang="zh-TW" altLang="en-US" sz="1000" dirty="0">
               <a:solidFill>
@@ -6412,10 +6412,10 @@
       </p:sp>
       <p:sp>
         <p:nvSpPr>
-          <p:cNvPr id="60" name="橢圓 59">
-            <a:extLst>
-              <a:ext uri="{FF2B5EF4-FFF2-40B4-BE49-F238E27FC236}">
-                <a16:creationId xmlns:a16="http://schemas.microsoft.com/office/drawing/2014/main" id="{7C358719-0183-97B3-94A3-13BBDAFC7B00}"/>
+          <p:cNvPr id="61" name="橢圓 60">
+            <a:extLst>
+              <a:ext uri="{FF2B5EF4-FFF2-40B4-BE49-F238E27FC236}">
+                <a16:creationId xmlns:a16="http://schemas.microsoft.com/office/drawing/2014/main" id="{702D6D32-700B-1317-2E7D-79FF087E4D36}"/>
               </a:ext>
             </a:extLst>
           </p:cNvPr>
@@ -6424,7 +6424,7 @@
         </p:nvSpPr>
         <p:spPr>
           <a:xfrm>
-            <a:off x="8007403" y="3983399"/>
+            <a:off x="8159803" y="4135799"/>
             <a:ext cx="475230" cy="180000"/>
           </a:xfrm>
           <a:prstGeom prst="ellipse">
@@ -6462,7 +6462,7 @@
                   <a:schemeClr val="tx1"/>
                 </a:solidFill>
               </a:rPr>
-              <a:t>21</a:t>
+              <a:t>22</a:t>
             </a:r>
             <a:endParaRPr lang="zh-TW" altLang="en-US" sz="1000" dirty="0">
               <a:solidFill>
@@ -6474,10 +6474,10 @@
       </p:sp>
       <p:sp>
         <p:nvSpPr>
-          <p:cNvPr id="61" name="橢圓 60">
-            <a:extLst>
-              <a:ext uri="{FF2B5EF4-FFF2-40B4-BE49-F238E27FC236}">
-                <a16:creationId xmlns:a16="http://schemas.microsoft.com/office/drawing/2014/main" id="{702D6D32-700B-1317-2E7D-79FF087E4D36}"/>
+          <p:cNvPr id="62" name="橢圓 61">
+            <a:extLst>
+              <a:ext uri="{FF2B5EF4-FFF2-40B4-BE49-F238E27FC236}">
+                <a16:creationId xmlns:a16="http://schemas.microsoft.com/office/drawing/2014/main" id="{CE10A8AF-642A-6745-0512-7BD9A0E8974A}"/>
               </a:ext>
             </a:extLst>
           </p:cNvPr>
@@ -6486,7 +6486,7 @@
         </p:nvSpPr>
         <p:spPr>
           <a:xfrm>
-            <a:off x="8159803" y="4135799"/>
+            <a:off x="8312203" y="4288199"/>
             <a:ext cx="475230" cy="180000"/>
           </a:xfrm>
           <a:prstGeom prst="ellipse">
@@ -6524,7 +6524,7 @@
                   <a:schemeClr val="tx1"/>
                 </a:solidFill>
               </a:rPr>
-              <a:t>22</a:t>
+              <a:t>23</a:t>
             </a:r>
             <a:endParaRPr lang="zh-TW" altLang="en-US" sz="1000" dirty="0">
               <a:solidFill>
@@ -6536,10 +6536,10 @@
       </p:sp>
       <p:sp>
         <p:nvSpPr>
-          <p:cNvPr id="62" name="橢圓 61">
-            <a:extLst>
-              <a:ext uri="{FF2B5EF4-FFF2-40B4-BE49-F238E27FC236}">
-                <a16:creationId xmlns:a16="http://schemas.microsoft.com/office/drawing/2014/main" id="{CE10A8AF-642A-6745-0512-7BD9A0E8974A}"/>
+          <p:cNvPr id="63" name="橢圓 62">
+            <a:extLst>
+              <a:ext uri="{FF2B5EF4-FFF2-40B4-BE49-F238E27FC236}">
+                <a16:creationId xmlns:a16="http://schemas.microsoft.com/office/drawing/2014/main" id="{A0C9CA36-66BA-AE89-6A69-863A084560E3}"/>
               </a:ext>
             </a:extLst>
           </p:cNvPr>
@@ -6548,7 +6548,7 @@
         </p:nvSpPr>
         <p:spPr>
           <a:xfrm>
-            <a:off x="8312203" y="4288199"/>
+            <a:off x="8464603" y="4440599"/>
             <a:ext cx="475230" cy="180000"/>
           </a:xfrm>
           <a:prstGeom prst="ellipse">
@@ -6586,7 +6586,7 @@
                   <a:schemeClr val="tx1"/>
                 </a:solidFill>
               </a:rPr>
-              <a:t>23</a:t>
+              <a:t>24</a:t>
             </a:r>
             <a:endParaRPr lang="zh-TW" altLang="en-US" sz="1000" dirty="0">
               <a:solidFill>
@@ -6598,10 +6598,10 @@
       </p:sp>
       <p:sp>
         <p:nvSpPr>
-          <p:cNvPr id="63" name="橢圓 62">
-            <a:extLst>
-              <a:ext uri="{FF2B5EF4-FFF2-40B4-BE49-F238E27FC236}">
-                <a16:creationId xmlns:a16="http://schemas.microsoft.com/office/drawing/2014/main" id="{A0C9CA36-66BA-AE89-6A69-863A084560E3}"/>
+          <p:cNvPr id="64" name="橢圓 63">
+            <a:extLst>
+              <a:ext uri="{FF2B5EF4-FFF2-40B4-BE49-F238E27FC236}">
+                <a16:creationId xmlns:a16="http://schemas.microsoft.com/office/drawing/2014/main" id="{71FB0F76-AC39-52BE-55C4-89A8DF1C3F1A}"/>
               </a:ext>
             </a:extLst>
           </p:cNvPr>
@@ -6610,7 +6610,7 @@
         </p:nvSpPr>
         <p:spPr>
           <a:xfrm>
-            <a:off x="8464603" y="4440599"/>
+            <a:off x="8617003" y="4592999"/>
             <a:ext cx="475230" cy="180000"/>
           </a:xfrm>
           <a:prstGeom prst="ellipse">
@@ -6648,7 +6648,7 @@
                   <a:schemeClr val="tx1"/>
                 </a:solidFill>
               </a:rPr>
-              <a:t>24</a:t>
+              <a:t>25</a:t>
             </a:r>
             <a:endParaRPr lang="zh-TW" altLang="en-US" sz="1000" dirty="0">
               <a:solidFill>
@@ -6660,10 +6660,10 @@
       </p:sp>
       <p:sp>
         <p:nvSpPr>
-          <p:cNvPr id="64" name="橢圓 63">
-            <a:extLst>
-              <a:ext uri="{FF2B5EF4-FFF2-40B4-BE49-F238E27FC236}">
-                <a16:creationId xmlns:a16="http://schemas.microsoft.com/office/drawing/2014/main" id="{71FB0F76-AC39-52BE-55C4-89A8DF1C3F1A}"/>
+          <p:cNvPr id="65" name="橢圓 64">
+            <a:extLst>
+              <a:ext uri="{FF2B5EF4-FFF2-40B4-BE49-F238E27FC236}">
+                <a16:creationId xmlns:a16="http://schemas.microsoft.com/office/drawing/2014/main" id="{2F5F5863-EC52-A3C1-61C2-458DB9EE10E8}"/>
               </a:ext>
             </a:extLst>
           </p:cNvPr>
@@ -6672,7 +6672,7 @@
         </p:nvSpPr>
         <p:spPr>
           <a:xfrm>
-            <a:off x="8617003" y="4592999"/>
+            <a:off x="8769403" y="4745399"/>
             <a:ext cx="475230" cy="180000"/>
           </a:xfrm>
           <a:prstGeom prst="ellipse">
@@ -6710,7 +6710,7 @@
                   <a:schemeClr val="tx1"/>
                 </a:solidFill>
               </a:rPr>
-              <a:t>25</a:t>
+              <a:t>26</a:t>
             </a:r>
             <a:endParaRPr lang="zh-TW" altLang="en-US" sz="1000" dirty="0">
               <a:solidFill>
@@ -6722,10 +6722,10 @@
       </p:sp>
       <p:sp>
         <p:nvSpPr>
-          <p:cNvPr id="65" name="橢圓 64">
-            <a:extLst>
-              <a:ext uri="{FF2B5EF4-FFF2-40B4-BE49-F238E27FC236}">
-                <a16:creationId xmlns:a16="http://schemas.microsoft.com/office/drawing/2014/main" id="{2F5F5863-EC52-A3C1-61C2-458DB9EE10E8}"/>
+          <p:cNvPr id="66" name="橢圓 65">
+            <a:extLst>
+              <a:ext uri="{FF2B5EF4-FFF2-40B4-BE49-F238E27FC236}">
+                <a16:creationId xmlns:a16="http://schemas.microsoft.com/office/drawing/2014/main" id="{BE9F3DDA-C404-24D2-2765-7FF823C4ED7E}"/>
               </a:ext>
             </a:extLst>
           </p:cNvPr>
@@ -6734,7 +6734,7 @@
         </p:nvSpPr>
         <p:spPr>
           <a:xfrm>
-            <a:off x="8769403" y="4745399"/>
+            <a:off x="8921803" y="4897799"/>
             <a:ext cx="475230" cy="180000"/>
           </a:xfrm>
           <a:prstGeom prst="ellipse">
@@ -6772,7 +6772,7 @@
                   <a:schemeClr val="tx1"/>
                 </a:solidFill>
               </a:rPr>
-              <a:t>26</a:t>
+              <a:t>27</a:t>
             </a:r>
             <a:endParaRPr lang="zh-TW" altLang="en-US" sz="1000" dirty="0">
               <a:solidFill>
@@ -6784,10 +6784,10 @@
       </p:sp>
       <p:sp>
         <p:nvSpPr>
-          <p:cNvPr id="66" name="橢圓 65">
-            <a:extLst>
-              <a:ext uri="{FF2B5EF4-FFF2-40B4-BE49-F238E27FC236}">
-                <a16:creationId xmlns:a16="http://schemas.microsoft.com/office/drawing/2014/main" id="{BE9F3DDA-C404-24D2-2765-7FF823C4ED7E}"/>
+          <p:cNvPr id="67" name="橢圓 66">
+            <a:extLst>
+              <a:ext uri="{FF2B5EF4-FFF2-40B4-BE49-F238E27FC236}">
+                <a16:creationId xmlns:a16="http://schemas.microsoft.com/office/drawing/2014/main" id="{6E796E07-8998-DA4B-56F1-2CCABEF90494}"/>
               </a:ext>
             </a:extLst>
           </p:cNvPr>
@@ -6796,7 +6796,7 @@
         </p:nvSpPr>
         <p:spPr>
           <a:xfrm>
-            <a:off x="8921803" y="4897799"/>
+            <a:off x="9074203" y="5050199"/>
             <a:ext cx="475230" cy="180000"/>
           </a:xfrm>
           <a:prstGeom prst="ellipse">
@@ -6834,7 +6834,7 @@
                   <a:schemeClr val="tx1"/>
                 </a:solidFill>
               </a:rPr>
-              <a:t>27</a:t>
+              <a:t>28</a:t>
             </a:r>
             <a:endParaRPr lang="zh-TW" altLang="en-US" sz="1000" dirty="0">
               <a:solidFill>
@@ -6846,10 +6846,10 @@
       </p:sp>
       <p:sp>
         <p:nvSpPr>
-          <p:cNvPr id="67" name="橢圓 66">
-            <a:extLst>
-              <a:ext uri="{FF2B5EF4-FFF2-40B4-BE49-F238E27FC236}">
-                <a16:creationId xmlns:a16="http://schemas.microsoft.com/office/drawing/2014/main" id="{6E796E07-8998-DA4B-56F1-2CCABEF90494}"/>
+          <p:cNvPr id="68" name="橢圓 67">
+            <a:extLst>
+              <a:ext uri="{FF2B5EF4-FFF2-40B4-BE49-F238E27FC236}">
+                <a16:creationId xmlns:a16="http://schemas.microsoft.com/office/drawing/2014/main" id="{60701423-9056-510F-F6AC-15967960C565}"/>
               </a:ext>
             </a:extLst>
           </p:cNvPr>
@@ -6858,7 +6858,7 @@
         </p:nvSpPr>
         <p:spPr>
           <a:xfrm>
-            <a:off x="9074203" y="5050199"/>
+            <a:off x="9226603" y="5202599"/>
             <a:ext cx="475230" cy="180000"/>
           </a:xfrm>
           <a:prstGeom prst="ellipse">
@@ -6896,7 +6896,7 @@
                   <a:schemeClr val="tx1"/>
                 </a:solidFill>
               </a:rPr>
-              <a:t>28</a:t>
+              <a:t>29</a:t>
             </a:r>
             <a:endParaRPr lang="zh-TW" altLang="en-US" sz="1000" dirty="0">
               <a:solidFill>
@@ -6908,10 +6908,10 @@
       </p:sp>
       <p:sp>
         <p:nvSpPr>
-          <p:cNvPr id="68" name="橢圓 67">
-            <a:extLst>
-              <a:ext uri="{FF2B5EF4-FFF2-40B4-BE49-F238E27FC236}">
-                <a16:creationId xmlns:a16="http://schemas.microsoft.com/office/drawing/2014/main" id="{60701423-9056-510F-F6AC-15967960C565}"/>
+          <p:cNvPr id="69" name="橢圓 68">
+            <a:extLst>
+              <a:ext uri="{FF2B5EF4-FFF2-40B4-BE49-F238E27FC236}">
+                <a16:creationId xmlns:a16="http://schemas.microsoft.com/office/drawing/2014/main" id="{D7D45188-7AAE-BEEC-CE58-981712CB5365}"/>
               </a:ext>
             </a:extLst>
           </p:cNvPr>
@@ -6920,7 +6920,7 @@
         </p:nvSpPr>
         <p:spPr>
           <a:xfrm>
-            <a:off x="9226603" y="5202599"/>
+            <a:off x="9379003" y="5354999"/>
             <a:ext cx="475230" cy="180000"/>
           </a:xfrm>
           <a:prstGeom prst="ellipse">
@@ -6958,7 +6958,7 @@
                   <a:schemeClr val="tx1"/>
                 </a:solidFill>
               </a:rPr>
-              <a:t>29</a:t>
+              <a:t>30</a:t>
             </a:r>
             <a:endParaRPr lang="zh-TW" altLang="en-US" sz="1000" dirty="0">
               <a:solidFill>
@@ -6970,10 +6970,10 @@
       </p:sp>
       <p:sp>
         <p:nvSpPr>
-          <p:cNvPr id="69" name="橢圓 68">
-            <a:extLst>
-              <a:ext uri="{FF2B5EF4-FFF2-40B4-BE49-F238E27FC236}">
-                <a16:creationId xmlns:a16="http://schemas.microsoft.com/office/drawing/2014/main" id="{D7D45188-7AAE-BEEC-CE58-981712CB5365}"/>
+          <p:cNvPr id="70" name="橢圓 69">
+            <a:extLst>
+              <a:ext uri="{FF2B5EF4-FFF2-40B4-BE49-F238E27FC236}">
+                <a16:creationId xmlns:a16="http://schemas.microsoft.com/office/drawing/2014/main" id="{87E45629-483E-0002-83C9-ABBBC5450B4E}"/>
               </a:ext>
             </a:extLst>
           </p:cNvPr>
@@ -6982,7 +6982,7 @@
         </p:nvSpPr>
         <p:spPr>
           <a:xfrm>
-            <a:off x="9379003" y="5354999"/>
+            <a:off x="9531403" y="5507399"/>
             <a:ext cx="475230" cy="180000"/>
           </a:xfrm>
           <a:prstGeom prst="ellipse">
@@ -7020,7 +7020,7 @@
                   <a:schemeClr val="tx1"/>
                 </a:solidFill>
               </a:rPr>
-              <a:t>30</a:t>
+              <a:t>31</a:t>
             </a:r>
             <a:endParaRPr lang="zh-TW" altLang="en-US" sz="1000" dirty="0">
               <a:solidFill>
@@ -7032,10 +7032,10 @@
       </p:sp>
       <p:sp>
         <p:nvSpPr>
-          <p:cNvPr id="70" name="橢圓 69">
-            <a:extLst>
-              <a:ext uri="{FF2B5EF4-FFF2-40B4-BE49-F238E27FC236}">
-                <a16:creationId xmlns:a16="http://schemas.microsoft.com/office/drawing/2014/main" id="{87E45629-483E-0002-83C9-ABBBC5450B4E}"/>
+          <p:cNvPr id="46" name="橢圓 45">
+            <a:extLst>
+              <a:ext uri="{FF2B5EF4-FFF2-40B4-BE49-F238E27FC236}">
+                <a16:creationId xmlns:a16="http://schemas.microsoft.com/office/drawing/2014/main" id="{8FAFF090-8B54-0207-4DFC-AA72FF77B9DC}"/>
               </a:ext>
             </a:extLst>
           </p:cNvPr>
@@ -7044,8 +7044,78 @@
         </p:nvSpPr>
         <p:spPr>
           <a:xfrm>
-            <a:off x="9531403" y="5507399"/>
-            <a:ext cx="475230" cy="180000"/>
+            <a:off x="1072334" y="3398176"/>
+            <a:ext cx="180000" cy="180000"/>
+          </a:xfrm>
+          <a:prstGeom prst="ellipse">
+            <a:avLst/>
+          </a:prstGeom>
+          <a:solidFill>
+            <a:srgbClr val="92D050"/>
+          </a:solidFill>
+          <a:ln>
+            <a:noFill/>
+          </a:ln>
+        </p:spPr>
+        <p:style>
+          <a:lnRef idx="2">
+            <a:schemeClr val="accent1">
+              <a:shade val="15000"/>
+            </a:schemeClr>
+          </a:lnRef>
+          <a:fillRef idx="1">
+            <a:schemeClr val="accent1"/>
+          </a:fillRef>
+          <a:effectRef idx="0">
+            <a:schemeClr val="accent1"/>
+          </a:effectRef>
+          <a:fontRef idx="minor">
+            <a:schemeClr val="lt1"/>
+          </a:fontRef>
+        </p:style>
+        <p:txBody>
+          <a:bodyPr wrap="none" lIns="0" tIns="0" rIns="0" bIns="0" rtlCol="0" anchor="ctr">
+            <a:normAutofit fontScale="92500" lnSpcReduction="10000"/>
+          </a:bodyPr>
+          <a:lstStyle/>
+          <a:p>
+            <a:pPr algn="ctr"/>
+            <a:r>
+              <a:rPr lang="en-US" altLang="zh-TW" sz="1000" dirty="0">
+                <a:solidFill>
+                  <a:schemeClr val="tx1"/>
+                </a:solidFill>
+                <a:latin typeface="Arial" panose="020B0604020202020204" pitchFamily="34" charset="0"/>
+                <a:cs typeface="Arial" panose="020B0604020202020204" pitchFamily="34" charset="0"/>
+              </a:rPr>
+              <a:t>1</a:t>
+            </a:r>
+            <a:endParaRPr lang="zh-TW" altLang="en-US" sz="1000" dirty="0">
+              <a:solidFill>
+                <a:schemeClr val="tx1"/>
+              </a:solidFill>
+              <a:latin typeface="Arial" panose="020B0604020202020204" pitchFamily="34" charset="0"/>
+              <a:cs typeface="Arial" panose="020B0604020202020204" pitchFamily="34" charset="0"/>
+            </a:endParaRPr>
+          </a:p>
+        </p:txBody>
+      </p:sp>
+      <p:sp>
+        <p:nvSpPr>
+          <p:cNvPr id="47" name="橢圓 46">
+            <a:extLst>
+              <a:ext uri="{FF2B5EF4-FFF2-40B4-BE49-F238E27FC236}">
+                <a16:creationId xmlns:a16="http://schemas.microsoft.com/office/drawing/2014/main" id="{71094B3D-D8E3-846D-CF2A-2A41262E2B40}"/>
+              </a:ext>
+            </a:extLst>
+          </p:cNvPr>
+          <p:cNvSpPr/>
+          <p:nvPr/>
+        </p:nvSpPr>
+        <p:spPr>
+          <a:xfrm>
+            <a:off x="1252334" y="3895689"/>
+            <a:ext cx="180000" cy="180000"/>
           </a:xfrm>
           <a:prstGeom prst="ellipse">
             <a:avLst/>
@@ -7072,7 +7142,7 @@
           </a:fontRef>
         </p:style>
         <p:txBody>
-          <a:bodyPr rtlCol="0" anchor="ctr"/>
+          <a:bodyPr wrap="none" lIns="0" tIns="0" rIns="0" bIns="0" rtlCol="0" anchor="ctr"/>
           <a:lstStyle/>
           <a:p>
             <a:pPr algn="ctr"/>
@@ -7081,13 +7151,1924 @@
                 <a:solidFill>
                   <a:schemeClr val="tx1"/>
                 </a:solidFill>
+                <a:latin typeface="Arial" panose="020B0604020202020204" pitchFamily="34" charset="0"/>
+                <a:cs typeface="Arial" panose="020B0604020202020204" pitchFamily="34" charset="0"/>
               </a:rPr>
-              <a:t>31</a:t>
+              <a:t>2</a:t>
             </a:r>
             <a:endParaRPr lang="zh-TW" altLang="en-US" sz="1000" dirty="0">
               <a:solidFill>
                 <a:schemeClr val="tx1"/>
               </a:solidFill>
+              <a:latin typeface="Arial" panose="020B0604020202020204" pitchFamily="34" charset="0"/>
+              <a:cs typeface="Arial" panose="020B0604020202020204" pitchFamily="34" charset="0"/>
+            </a:endParaRPr>
+          </a:p>
+        </p:txBody>
+      </p:sp>
+      <p:sp>
+        <p:nvSpPr>
+          <p:cNvPr id="54" name="橢圓 53">
+            <a:extLst>
+              <a:ext uri="{FF2B5EF4-FFF2-40B4-BE49-F238E27FC236}">
+                <a16:creationId xmlns:a16="http://schemas.microsoft.com/office/drawing/2014/main" id="{1C9A49AE-BE0D-5AB5-537B-A2F3E2680BA2}"/>
+              </a:ext>
+            </a:extLst>
+          </p:cNvPr>
+          <p:cNvSpPr/>
+          <p:nvPr/>
+        </p:nvSpPr>
+        <p:spPr>
+          <a:xfrm>
+            <a:off x="1404734" y="4048089"/>
+            <a:ext cx="180000" cy="180000"/>
+          </a:xfrm>
+          <a:prstGeom prst="ellipse">
+            <a:avLst/>
+          </a:prstGeom>
+          <a:noFill/>
+          <a:ln>
+            <a:noFill/>
+          </a:ln>
+        </p:spPr>
+        <p:style>
+          <a:lnRef idx="2">
+            <a:schemeClr val="accent1">
+              <a:shade val="15000"/>
+            </a:schemeClr>
+          </a:lnRef>
+          <a:fillRef idx="1">
+            <a:schemeClr val="accent1"/>
+          </a:fillRef>
+          <a:effectRef idx="0">
+            <a:schemeClr val="accent1"/>
+          </a:effectRef>
+          <a:fontRef idx="minor">
+            <a:schemeClr val="lt1"/>
+          </a:fontRef>
+        </p:style>
+        <p:txBody>
+          <a:bodyPr wrap="none" rtlCol="0" anchor="ctr"/>
+          <a:lstStyle/>
+          <a:p>
+            <a:pPr algn="ctr"/>
+            <a:r>
+              <a:rPr lang="en-US" altLang="zh-TW" sz="1000" dirty="0">
+                <a:solidFill>
+                  <a:schemeClr val="tx1"/>
+                </a:solidFill>
+                <a:latin typeface="Arial" panose="020B0604020202020204" pitchFamily="34" charset="0"/>
+                <a:cs typeface="Arial" panose="020B0604020202020204" pitchFamily="34" charset="0"/>
+              </a:rPr>
+              <a:t>3</a:t>
+            </a:r>
+            <a:endParaRPr lang="zh-TW" altLang="en-US" sz="1000" dirty="0">
+              <a:solidFill>
+                <a:schemeClr val="tx1"/>
+              </a:solidFill>
+              <a:latin typeface="Arial" panose="020B0604020202020204" pitchFamily="34" charset="0"/>
+              <a:cs typeface="Arial" panose="020B0604020202020204" pitchFamily="34" charset="0"/>
+            </a:endParaRPr>
+          </a:p>
+        </p:txBody>
+      </p:sp>
+      <p:sp>
+        <p:nvSpPr>
+          <p:cNvPr id="71" name="橢圓 70">
+            <a:extLst>
+              <a:ext uri="{FF2B5EF4-FFF2-40B4-BE49-F238E27FC236}">
+                <a16:creationId xmlns:a16="http://schemas.microsoft.com/office/drawing/2014/main" id="{BA3D2865-A21E-3957-49F2-080AA63553C4}"/>
+              </a:ext>
+            </a:extLst>
+          </p:cNvPr>
+          <p:cNvSpPr/>
+          <p:nvPr/>
+        </p:nvSpPr>
+        <p:spPr>
+          <a:xfrm>
+            <a:off x="1557134" y="4200489"/>
+            <a:ext cx="180000" cy="180000"/>
+          </a:xfrm>
+          <a:prstGeom prst="ellipse">
+            <a:avLst/>
+          </a:prstGeom>
+          <a:noFill/>
+          <a:ln>
+            <a:noFill/>
+          </a:ln>
+        </p:spPr>
+        <p:style>
+          <a:lnRef idx="2">
+            <a:schemeClr val="accent1">
+              <a:shade val="15000"/>
+            </a:schemeClr>
+          </a:lnRef>
+          <a:fillRef idx="1">
+            <a:schemeClr val="accent1"/>
+          </a:fillRef>
+          <a:effectRef idx="0">
+            <a:schemeClr val="accent1"/>
+          </a:effectRef>
+          <a:fontRef idx="minor">
+            <a:schemeClr val="lt1"/>
+          </a:fontRef>
+        </p:style>
+        <p:txBody>
+          <a:bodyPr wrap="none" rtlCol="0" anchor="ctr"/>
+          <a:lstStyle/>
+          <a:p>
+            <a:pPr algn="ctr"/>
+            <a:r>
+              <a:rPr lang="en-US" altLang="zh-TW" sz="1000" dirty="0">
+                <a:solidFill>
+                  <a:schemeClr val="tx1"/>
+                </a:solidFill>
+                <a:latin typeface="Arial" panose="020B0604020202020204" pitchFamily="34" charset="0"/>
+                <a:cs typeface="Arial" panose="020B0604020202020204" pitchFamily="34" charset="0"/>
+              </a:rPr>
+              <a:t>4</a:t>
+            </a:r>
+            <a:endParaRPr lang="zh-TW" altLang="en-US" sz="1000" dirty="0">
+              <a:solidFill>
+                <a:schemeClr val="tx1"/>
+              </a:solidFill>
+              <a:latin typeface="Arial" panose="020B0604020202020204" pitchFamily="34" charset="0"/>
+              <a:cs typeface="Arial" panose="020B0604020202020204" pitchFamily="34" charset="0"/>
+            </a:endParaRPr>
+          </a:p>
+        </p:txBody>
+      </p:sp>
+      <p:sp>
+        <p:nvSpPr>
+          <p:cNvPr id="72" name="橢圓 71">
+            <a:extLst>
+              <a:ext uri="{FF2B5EF4-FFF2-40B4-BE49-F238E27FC236}">
+                <a16:creationId xmlns:a16="http://schemas.microsoft.com/office/drawing/2014/main" id="{C302976B-487D-C1B3-1E09-A486E43DE62C}"/>
+              </a:ext>
+            </a:extLst>
+          </p:cNvPr>
+          <p:cNvSpPr/>
+          <p:nvPr/>
+        </p:nvSpPr>
+        <p:spPr>
+          <a:xfrm>
+            <a:off x="1709534" y="4352889"/>
+            <a:ext cx="180000" cy="180000"/>
+          </a:xfrm>
+          <a:prstGeom prst="ellipse">
+            <a:avLst/>
+          </a:prstGeom>
+          <a:noFill/>
+          <a:ln>
+            <a:noFill/>
+          </a:ln>
+        </p:spPr>
+        <p:style>
+          <a:lnRef idx="2">
+            <a:schemeClr val="accent1">
+              <a:shade val="15000"/>
+            </a:schemeClr>
+          </a:lnRef>
+          <a:fillRef idx="1">
+            <a:schemeClr val="accent1"/>
+          </a:fillRef>
+          <a:effectRef idx="0">
+            <a:schemeClr val="accent1"/>
+          </a:effectRef>
+          <a:fontRef idx="minor">
+            <a:schemeClr val="lt1"/>
+          </a:fontRef>
+        </p:style>
+        <p:txBody>
+          <a:bodyPr wrap="none" rtlCol="0" anchor="ctr"/>
+          <a:lstStyle/>
+          <a:p>
+            <a:pPr algn="ctr"/>
+            <a:r>
+              <a:rPr lang="en-US" altLang="zh-TW" sz="1000" dirty="0">
+                <a:solidFill>
+                  <a:schemeClr val="tx1"/>
+                </a:solidFill>
+                <a:latin typeface="Arial" panose="020B0604020202020204" pitchFamily="34" charset="0"/>
+                <a:cs typeface="Arial" panose="020B0604020202020204" pitchFamily="34" charset="0"/>
+              </a:rPr>
+              <a:t>5</a:t>
+            </a:r>
+            <a:endParaRPr lang="zh-TW" altLang="en-US" sz="1000" dirty="0">
+              <a:solidFill>
+                <a:schemeClr val="tx1"/>
+              </a:solidFill>
+              <a:latin typeface="Arial" panose="020B0604020202020204" pitchFamily="34" charset="0"/>
+              <a:cs typeface="Arial" panose="020B0604020202020204" pitchFamily="34" charset="0"/>
+            </a:endParaRPr>
+          </a:p>
+        </p:txBody>
+      </p:sp>
+      <p:sp>
+        <p:nvSpPr>
+          <p:cNvPr id="73" name="橢圓 72">
+            <a:extLst>
+              <a:ext uri="{FF2B5EF4-FFF2-40B4-BE49-F238E27FC236}">
+                <a16:creationId xmlns:a16="http://schemas.microsoft.com/office/drawing/2014/main" id="{2B220EAF-A750-05E2-9CD8-8482FAFAAFB0}"/>
+              </a:ext>
+            </a:extLst>
+          </p:cNvPr>
+          <p:cNvSpPr/>
+          <p:nvPr/>
+        </p:nvSpPr>
+        <p:spPr>
+          <a:xfrm>
+            <a:off x="1861934" y="4505289"/>
+            <a:ext cx="180000" cy="180000"/>
+          </a:xfrm>
+          <a:prstGeom prst="ellipse">
+            <a:avLst/>
+          </a:prstGeom>
+          <a:noFill/>
+          <a:ln>
+            <a:noFill/>
+          </a:ln>
+        </p:spPr>
+        <p:style>
+          <a:lnRef idx="2">
+            <a:schemeClr val="accent1">
+              <a:shade val="15000"/>
+            </a:schemeClr>
+          </a:lnRef>
+          <a:fillRef idx="1">
+            <a:schemeClr val="accent1"/>
+          </a:fillRef>
+          <a:effectRef idx="0">
+            <a:schemeClr val="accent1"/>
+          </a:effectRef>
+          <a:fontRef idx="minor">
+            <a:schemeClr val="lt1"/>
+          </a:fontRef>
+        </p:style>
+        <p:txBody>
+          <a:bodyPr wrap="none" rtlCol="0" anchor="ctr"/>
+          <a:lstStyle/>
+          <a:p>
+            <a:pPr algn="ctr"/>
+            <a:r>
+              <a:rPr lang="en-US" altLang="zh-TW" sz="1000" dirty="0">
+                <a:solidFill>
+                  <a:schemeClr val="tx1"/>
+                </a:solidFill>
+                <a:latin typeface="Arial" panose="020B0604020202020204" pitchFamily="34" charset="0"/>
+                <a:cs typeface="Arial" panose="020B0604020202020204" pitchFamily="34" charset="0"/>
+              </a:rPr>
+              <a:t>6</a:t>
+            </a:r>
+            <a:endParaRPr lang="zh-TW" altLang="en-US" sz="1000" dirty="0">
+              <a:solidFill>
+                <a:schemeClr val="tx1"/>
+              </a:solidFill>
+              <a:latin typeface="Arial" panose="020B0604020202020204" pitchFamily="34" charset="0"/>
+              <a:cs typeface="Arial" panose="020B0604020202020204" pitchFamily="34" charset="0"/>
+            </a:endParaRPr>
+          </a:p>
+        </p:txBody>
+      </p:sp>
+      <p:sp>
+        <p:nvSpPr>
+          <p:cNvPr id="74" name="橢圓 73">
+            <a:extLst>
+              <a:ext uri="{FF2B5EF4-FFF2-40B4-BE49-F238E27FC236}">
+                <a16:creationId xmlns:a16="http://schemas.microsoft.com/office/drawing/2014/main" id="{BF5777E0-293E-EE80-E0BE-D90A5DCC07AE}"/>
+              </a:ext>
+            </a:extLst>
+          </p:cNvPr>
+          <p:cNvSpPr/>
+          <p:nvPr/>
+        </p:nvSpPr>
+        <p:spPr>
+          <a:xfrm>
+            <a:off x="2014334" y="4657689"/>
+            <a:ext cx="180000" cy="180000"/>
+          </a:xfrm>
+          <a:prstGeom prst="ellipse">
+            <a:avLst/>
+          </a:prstGeom>
+          <a:noFill/>
+          <a:ln>
+            <a:noFill/>
+          </a:ln>
+        </p:spPr>
+        <p:style>
+          <a:lnRef idx="2">
+            <a:schemeClr val="accent1">
+              <a:shade val="15000"/>
+            </a:schemeClr>
+          </a:lnRef>
+          <a:fillRef idx="1">
+            <a:schemeClr val="accent1"/>
+          </a:fillRef>
+          <a:effectRef idx="0">
+            <a:schemeClr val="accent1"/>
+          </a:effectRef>
+          <a:fontRef idx="minor">
+            <a:schemeClr val="lt1"/>
+          </a:fontRef>
+        </p:style>
+        <p:txBody>
+          <a:bodyPr wrap="none" rtlCol="0" anchor="ctr"/>
+          <a:lstStyle/>
+          <a:p>
+            <a:pPr algn="ctr"/>
+            <a:r>
+              <a:rPr lang="en-US" altLang="zh-TW" sz="1000" dirty="0">
+                <a:solidFill>
+                  <a:schemeClr val="tx1"/>
+                </a:solidFill>
+                <a:latin typeface="Arial" panose="020B0604020202020204" pitchFamily="34" charset="0"/>
+                <a:cs typeface="Arial" panose="020B0604020202020204" pitchFamily="34" charset="0"/>
+              </a:rPr>
+              <a:t>7</a:t>
+            </a:r>
+            <a:endParaRPr lang="zh-TW" altLang="en-US" sz="1000" dirty="0">
+              <a:solidFill>
+                <a:schemeClr val="tx1"/>
+              </a:solidFill>
+              <a:latin typeface="Arial" panose="020B0604020202020204" pitchFamily="34" charset="0"/>
+              <a:cs typeface="Arial" panose="020B0604020202020204" pitchFamily="34" charset="0"/>
+            </a:endParaRPr>
+          </a:p>
+        </p:txBody>
+      </p:sp>
+      <p:sp>
+        <p:nvSpPr>
+          <p:cNvPr id="75" name="橢圓 74">
+            <a:extLst>
+              <a:ext uri="{FF2B5EF4-FFF2-40B4-BE49-F238E27FC236}">
+                <a16:creationId xmlns:a16="http://schemas.microsoft.com/office/drawing/2014/main" id="{97B9D44B-E7C4-0C6A-1961-5B4097690093}"/>
+              </a:ext>
+            </a:extLst>
+          </p:cNvPr>
+          <p:cNvSpPr/>
+          <p:nvPr/>
+        </p:nvSpPr>
+        <p:spPr>
+          <a:xfrm>
+            <a:off x="2166734" y="4810089"/>
+            <a:ext cx="180000" cy="180000"/>
+          </a:xfrm>
+          <a:prstGeom prst="ellipse">
+            <a:avLst/>
+          </a:prstGeom>
+          <a:noFill/>
+          <a:ln>
+            <a:noFill/>
+          </a:ln>
+        </p:spPr>
+        <p:style>
+          <a:lnRef idx="2">
+            <a:schemeClr val="accent1">
+              <a:shade val="15000"/>
+            </a:schemeClr>
+          </a:lnRef>
+          <a:fillRef idx="1">
+            <a:schemeClr val="accent1"/>
+          </a:fillRef>
+          <a:effectRef idx="0">
+            <a:schemeClr val="accent1"/>
+          </a:effectRef>
+          <a:fontRef idx="minor">
+            <a:schemeClr val="lt1"/>
+          </a:fontRef>
+        </p:style>
+        <p:txBody>
+          <a:bodyPr wrap="none" rtlCol="0" anchor="ctr"/>
+          <a:lstStyle/>
+          <a:p>
+            <a:pPr algn="ctr"/>
+            <a:r>
+              <a:rPr lang="en-US" altLang="zh-TW" sz="1000" dirty="0">
+                <a:solidFill>
+                  <a:schemeClr val="tx1"/>
+                </a:solidFill>
+                <a:latin typeface="Arial" panose="020B0604020202020204" pitchFamily="34" charset="0"/>
+                <a:cs typeface="Arial" panose="020B0604020202020204" pitchFamily="34" charset="0"/>
+              </a:rPr>
+              <a:t>8</a:t>
+            </a:r>
+            <a:endParaRPr lang="zh-TW" altLang="en-US" sz="1000" dirty="0">
+              <a:solidFill>
+                <a:schemeClr val="tx1"/>
+              </a:solidFill>
+              <a:latin typeface="Arial" panose="020B0604020202020204" pitchFamily="34" charset="0"/>
+              <a:cs typeface="Arial" panose="020B0604020202020204" pitchFamily="34" charset="0"/>
+            </a:endParaRPr>
+          </a:p>
+        </p:txBody>
+      </p:sp>
+      <p:sp>
+        <p:nvSpPr>
+          <p:cNvPr id="76" name="橢圓 75">
+            <a:extLst>
+              <a:ext uri="{FF2B5EF4-FFF2-40B4-BE49-F238E27FC236}">
+                <a16:creationId xmlns:a16="http://schemas.microsoft.com/office/drawing/2014/main" id="{ABEB6E8F-9948-58EC-6907-4BFC267BDC69}"/>
+              </a:ext>
+            </a:extLst>
+          </p:cNvPr>
+          <p:cNvSpPr/>
+          <p:nvPr/>
+        </p:nvSpPr>
+        <p:spPr>
+          <a:xfrm>
+            <a:off x="2319134" y="4962489"/>
+            <a:ext cx="180000" cy="180000"/>
+          </a:xfrm>
+          <a:prstGeom prst="ellipse">
+            <a:avLst/>
+          </a:prstGeom>
+          <a:noFill/>
+          <a:ln>
+            <a:noFill/>
+          </a:ln>
+        </p:spPr>
+        <p:style>
+          <a:lnRef idx="2">
+            <a:schemeClr val="accent1">
+              <a:shade val="15000"/>
+            </a:schemeClr>
+          </a:lnRef>
+          <a:fillRef idx="1">
+            <a:schemeClr val="accent1"/>
+          </a:fillRef>
+          <a:effectRef idx="0">
+            <a:schemeClr val="accent1"/>
+          </a:effectRef>
+          <a:fontRef idx="minor">
+            <a:schemeClr val="lt1"/>
+          </a:fontRef>
+        </p:style>
+        <p:txBody>
+          <a:bodyPr wrap="none" rtlCol="0" anchor="ctr"/>
+          <a:lstStyle/>
+          <a:p>
+            <a:pPr algn="ctr"/>
+            <a:r>
+              <a:rPr lang="en-US" altLang="zh-TW" sz="1000" dirty="0">
+                <a:solidFill>
+                  <a:schemeClr val="tx1"/>
+                </a:solidFill>
+                <a:latin typeface="Arial" panose="020B0604020202020204" pitchFamily="34" charset="0"/>
+                <a:cs typeface="Arial" panose="020B0604020202020204" pitchFamily="34" charset="0"/>
+              </a:rPr>
+              <a:t>9</a:t>
+            </a:r>
+            <a:endParaRPr lang="zh-TW" altLang="en-US" sz="1000" dirty="0">
+              <a:solidFill>
+                <a:schemeClr val="tx1"/>
+              </a:solidFill>
+              <a:latin typeface="Arial" panose="020B0604020202020204" pitchFamily="34" charset="0"/>
+              <a:cs typeface="Arial" panose="020B0604020202020204" pitchFamily="34" charset="0"/>
+            </a:endParaRPr>
+          </a:p>
+        </p:txBody>
+      </p:sp>
+      <p:sp>
+        <p:nvSpPr>
+          <p:cNvPr id="77" name="橢圓 76">
+            <a:extLst>
+              <a:ext uri="{FF2B5EF4-FFF2-40B4-BE49-F238E27FC236}">
+                <a16:creationId xmlns:a16="http://schemas.microsoft.com/office/drawing/2014/main" id="{D40C30CA-C4EE-376A-BE3C-07CB01008D14}"/>
+              </a:ext>
+            </a:extLst>
+          </p:cNvPr>
+          <p:cNvSpPr/>
+          <p:nvPr/>
+        </p:nvSpPr>
+        <p:spPr>
+          <a:xfrm>
+            <a:off x="2471534" y="5114889"/>
+            <a:ext cx="180000" cy="180000"/>
+          </a:xfrm>
+          <a:prstGeom prst="ellipse">
+            <a:avLst/>
+          </a:prstGeom>
+          <a:noFill/>
+          <a:ln>
+            <a:noFill/>
+          </a:ln>
+        </p:spPr>
+        <p:style>
+          <a:lnRef idx="2">
+            <a:schemeClr val="accent1">
+              <a:shade val="15000"/>
+            </a:schemeClr>
+          </a:lnRef>
+          <a:fillRef idx="1">
+            <a:schemeClr val="accent1"/>
+          </a:fillRef>
+          <a:effectRef idx="0">
+            <a:schemeClr val="accent1"/>
+          </a:effectRef>
+          <a:fontRef idx="minor">
+            <a:schemeClr val="lt1"/>
+          </a:fontRef>
+        </p:style>
+        <p:txBody>
+          <a:bodyPr wrap="none" rtlCol="0" anchor="ctr"/>
+          <a:lstStyle/>
+          <a:p>
+            <a:pPr algn="ctr"/>
+            <a:r>
+              <a:rPr lang="en-US" altLang="zh-TW" sz="1000" dirty="0">
+                <a:solidFill>
+                  <a:schemeClr val="tx1"/>
+                </a:solidFill>
+                <a:latin typeface="Arial" panose="020B0604020202020204" pitchFamily="34" charset="0"/>
+                <a:cs typeface="Arial" panose="020B0604020202020204" pitchFamily="34" charset="0"/>
+              </a:rPr>
+              <a:t>10</a:t>
+            </a:r>
+            <a:endParaRPr lang="zh-TW" altLang="en-US" sz="1000" dirty="0">
+              <a:solidFill>
+                <a:schemeClr val="tx1"/>
+              </a:solidFill>
+              <a:latin typeface="Arial" panose="020B0604020202020204" pitchFamily="34" charset="0"/>
+              <a:cs typeface="Arial" panose="020B0604020202020204" pitchFamily="34" charset="0"/>
+            </a:endParaRPr>
+          </a:p>
+        </p:txBody>
+      </p:sp>
+      <p:sp>
+        <p:nvSpPr>
+          <p:cNvPr id="78" name="橢圓 77">
+            <a:extLst>
+              <a:ext uri="{FF2B5EF4-FFF2-40B4-BE49-F238E27FC236}">
+                <a16:creationId xmlns:a16="http://schemas.microsoft.com/office/drawing/2014/main" id="{CD28EE90-4F72-89DF-4049-03A1B1A015D5}"/>
+              </a:ext>
+            </a:extLst>
+          </p:cNvPr>
+          <p:cNvSpPr/>
+          <p:nvPr/>
+        </p:nvSpPr>
+        <p:spPr>
+          <a:xfrm>
+            <a:off x="2623934" y="5267289"/>
+            <a:ext cx="180000" cy="180000"/>
+          </a:xfrm>
+          <a:prstGeom prst="ellipse">
+            <a:avLst/>
+          </a:prstGeom>
+          <a:noFill/>
+          <a:ln>
+            <a:noFill/>
+          </a:ln>
+        </p:spPr>
+        <p:style>
+          <a:lnRef idx="2">
+            <a:schemeClr val="accent1">
+              <a:shade val="15000"/>
+            </a:schemeClr>
+          </a:lnRef>
+          <a:fillRef idx="1">
+            <a:schemeClr val="accent1"/>
+          </a:fillRef>
+          <a:effectRef idx="0">
+            <a:schemeClr val="accent1"/>
+          </a:effectRef>
+          <a:fontRef idx="minor">
+            <a:schemeClr val="lt1"/>
+          </a:fontRef>
+        </p:style>
+        <p:txBody>
+          <a:bodyPr wrap="none" rtlCol="0" anchor="ctr"/>
+          <a:lstStyle/>
+          <a:p>
+            <a:pPr algn="ctr"/>
+            <a:r>
+              <a:rPr lang="en-US" altLang="zh-TW" sz="1000" dirty="0">
+                <a:solidFill>
+                  <a:schemeClr val="tx1"/>
+                </a:solidFill>
+                <a:latin typeface="Arial" panose="020B0604020202020204" pitchFamily="34" charset="0"/>
+                <a:cs typeface="Arial" panose="020B0604020202020204" pitchFamily="34" charset="0"/>
+              </a:rPr>
+              <a:t>11</a:t>
+            </a:r>
+            <a:endParaRPr lang="zh-TW" altLang="en-US" sz="1000" dirty="0">
+              <a:solidFill>
+                <a:schemeClr val="tx1"/>
+              </a:solidFill>
+              <a:latin typeface="Arial" panose="020B0604020202020204" pitchFamily="34" charset="0"/>
+              <a:cs typeface="Arial" panose="020B0604020202020204" pitchFamily="34" charset="0"/>
+            </a:endParaRPr>
+          </a:p>
+        </p:txBody>
+      </p:sp>
+      <p:sp>
+        <p:nvSpPr>
+          <p:cNvPr id="79" name="橢圓 78">
+            <a:extLst>
+              <a:ext uri="{FF2B5EF4-FFF2-40B4-BE49-F238E27FC236}">
+                <a16:creationId xmlns:a16="http://schemas.microsoft.com/office/drawing/2014/main" id="{80EC4A28-8660-8D2D-4E37-F1C6CED5D7A8}"/>
+              </a:ext>
+            </a:extLst>
+          </p:cNvPr>
+          <p:cNvSpPr/>
+          <p:nvPr/>
+        </p:nvSpPr>
+        <p:spPr>
+          <a:xfrm>
+            <a:off x="2776334" y="5419689"/>
+            <a:ext cx="180000" cy="180000"/>
+          </a:xfrm>
+          <a:prstGeom prst="ellipse">
+            <a:avLst/>
+          </a:prstGeom>
+          <a:noFill/>
+          <a:ln>
+            <a:noFill/>
+          </a:ln>
+        </p:spPr>
+        <p:style>
+          <a:lnRef idx="2">
+            <a:schemeClr val="accent1">
+              <a:shade val="15000"/>
+            </a:schemeClr>
+          </a:lnRef>
+          <a:fillRef idx="1">
+            <a:schemeClr val="accent1"/>
+          </a:fillRef>
+          <a:effectRef idx="0">
+            <a:schemeClr val="accent1"/>
+          </a:effectRef>
+          <a:fontRef idx="minor">
+            <a:schemeClr val="lt1"/>
+          </a:fontRef>
+        </p:style>
+        <p:txBody>
+          <a:bodyPr wrap="none" rtlCol="0" anchor="ctr"/>
+          <a:lstStyle/>
+          <a:p>
+            <a:pPr algn="ctr"/>
+            <a:r>
+              <a:rPr lang="en-US" altLang="zh-TW" sz="1000" dirty="0">
+                <a:solidFill>
+                  <a:schemeClr val="tx1"/>
+                </a:solidFill>
+                <a:latin typeface="Arial" panose="020B0604020202020204" pitchFamily="34" charset="0"/>
+                <a:cs typeface="Arial" panose="020B0604020202020204" pitchFamily="34" charset="0"/>
+              </a:rPr>
+              <a:t>12</a:t>
+            </a:r>
+            <a:endParaRPr lang="zh-TW" altLang="en-US" sz="1000" dirty="0">
+              <a:solidFill>
+                <a:schemeClr val="tx1"/>
+              </a:solidFill>
+              <a:latin typeface="Arial" panose="020B0604020202020204" pitchFamily="34" charset="0"/>
+              <a:cs typeface="Arial" panose="020B0604020202020204" pitchFamily="34" charset="0"/>
+            </a:endParaRPr>
+          </a:p>
+        </p:txBody>
+      </p:sp>
+      <p:sp>
+        <p:nvSpPr>
+          <p:cNvPr id="80" name="橢圓 79">
+            <a:extLst>
+              <a:ext uri="{FF2B5EF4-FFF2-40B4-BE49-F238E27FC236}">
+                <a16:creationId xmlns:a16="http://schemas.microsoft.com/office/drawing/2014/main" id="{23D0E517-6AF6-C650-8E01-26142B4CE726}"/>
+              </a:ext>
+            </a:extLst>
+          </p:cNvPr>
+          <p:cNvSpPr/>
+          <p:nvPr/>
+        </p:nvSpPr>
+        <p:spPr>
+          <a:xfrm>
+            <a:off x="2928734" y="5572089"/>
+            <a:ext cx="180000" cy="180000"/>
+          </a:xfrm>
+          <a:prstGeom prst="ellipse">
+            <a:avLst/>
+          </a:prstGeom>
+          <a:noFill/>
+          <a:ln>
+            <a:noFill/>
+          </a:ln>
+        </p:spPr>
+        <p:style>
+          <a:lnRef idx="2">
+            <a:schemeClr val="accent1">
+              <a:shade val="15000"/>
+            </a:schemeClr>
+          </a:lnRef>
+          <a:fillRef idx="1">
+            <a:schemeClr val="accent1"/>
+          </a:fillRef>
+          <a:effectRef idx="0">
+            <a:schemeClr val="accent1"/>
+          </a:effectRef>
+          <a:fontRef idx="minor">
+            <a:schemeClr val="lt1"/>
+          </a:fontRef>
+        </p:style>
+        <p:txBody>
+          <a:bodyPr wrap="none" rtlCol="0" anchor="ctr"/>
+          <a:lstStyle/>
+          <a:p>
+            <a:pPr algn="ctr"/>
+            <a:r>
+              <a:rPr lang="en-US" altLang="zh-TW" sz="1000" dirty="0">
+                <a:solidFill>
+                  <a:schemeClr val="tx1"/>
+                </a:solidFill>
+                <a:latin typeface="Arial" panose="020B0604020202020204" pitchFamily="34" charset="0"/>
+                <a:cs typeface="Arial" panose="020B0604020202020204" pitchFamily="34" charset="0"/>
+              </a:rPr>
+              <a:t>13</a:t>
+            </a:r>
+            <a:endParaRPr lang="zh-TW" altLang="en-US" sz="1000" dirty="0">
+              <a:solidFill>
+                <a:schemeClr val="tx1"/>
+              </a:solidFill>
+              <a:latin typeface="Arial" panose="020B0604020202020204" pitchFamily="34" charset="0"/>
+              <a:cs typeface="Arial" panose="020B0604020202020204" pitchFamily="34" charset="0"/>
+            </a:endParaRPr>
+          </a:p>
+        </p:txBody>
+      </p:sp>
+      <p:sp>
+        <p:nvSpPr>
+          <p:cNvPr id="81" name="橢圓 80">
+            <a:extLst>
+              <a:ext uri="{FF2B5EF4-FFF2-40B4-BE49-F238E27FC236}">
+                <a16:creationId xmlns:a16="http://schemas.microsoft.com/office/drawing/2014/main" id="{BDEA533C-7540-68A2-79D3-4645B89FB0BF}"/>
+              </a:ext>
+            </a:extLst>
+          </p:cNvPr>
+          <p:cNvSpPr/>
+          <p:nvPr/>
+        </p:nvSpPr>
+        <p:spPr>
+          <a:xfrm>
+            <a:off x="3081134" y="5724489"/>
+            <a:ext cx="180000" cy="180000"/>
+          </a:xfrm>
+          <a:prstGeom prst="ellipse">
+            <a:avLst/>
+          </a:prstGeom>
+          <a:noFill/>
+          <a:ln>
+            <a:noFill/>
+          </a:ln>
+        </p:spPr>
+        <p:style>
+          <a:lnRef idx="2">
+            <a:schemeClr val="accent1">
+              <a:shade val="15000"/>
+            </a:schemeClr>
+          </a:lnRef>
+          <a:fillRef idx="1">
+            <a:schemeClr val="accent1"/>
+          </a:fillRef>
+          <a:effectRef idx="0">
+            <a:schemeClr val="accent1"/>
+          </a:effectRef>
+          <a:fontRef idx="minor">
+            <a:schemeClr val="lt1"/>
+          </a:fontRef>
+        </p:style>
+        <p:txBody>
+          <a:bodyPr wrap="none" rtlCol="0" anchor="ctr"/>
+          <a:lstStyle/>
+          <a:p>
+            <a:pPr algn="ctr"/>
+            <a:r>
+              <a:rPr lang="en-US" altLang="zh-TW" sz="1000" dirty="0">
+                <a:solidFill>
+                  <a:schemeClr val="tx1"/>
+                </a:solidFill>
+                <a:latin typeface="Arial" panose="020B0604020202020204" pitchFamily="34" charset="0"/>
+                <a:cs typeface="Arial" panose="020B0604020202020204" pitchFamily="34" charset="0"/>
+              </a:rPr>
+              <a:t>14</a:t>
+            </a:r>
+            <a:endParaRPr lang="zh-TW" altLang="en-US" sz="1000" dirty="0">
+              <a:solidFill>
+                <a:schemeClr val="tx1"/>
+              </a:solidFill>
+              <a:latin typeface="Arial" panose="020B0604020202020204" pitchFamily="34" charset="0"/>
+              <a:cs typeface="Arial" panose="020B0604020202020204" pitchFamily="34" charset="0"/>
+            </a:endParaRPr>
+          </a:p>
+        </p:txBody>
+      </p:sp>
+      <p:sp>
+        <p:nvSpPr>
+          <p:cNvPr id="82" name="橢圓 81">
+            <a:extLst>
+              <a:ext uri="{FF2B5EF4-FFF2-40B4-BE49-F238E27FC236}">
+                <a16:creationId xmlns:a16="http://schemas.microsoft.com/office/drawing/2014/main" id="{B27D1661-4EF1-F6A3-10DD-074955CAED97}"/>
+              </a:ext>
+            </a:extLst>
+          </p:cNvPr>
+          <p:cNvSpPr/>
+          <p:nvPr/>
+        </p:nvSpPr>
+        <p:spPr>
+          <a:xfrm>
+            <a:off x="3233534" y="5876889"/>
+            <a:ext cx="180000" cy="180000"/>
+          </a:xfrm>
+          <a:prstGeom prst="ellipse">
+            <a:avLst/>
+          </a:prstGeom>
+          <a:noFill/>
+          <a:ln>
+            <a:noFill/>
+          </a:ln>
+        </p:spPr>
+        <p:style>
+          <a:lnRef idx="2">
+            <a:schemeClr val="accent1">
+              <a:shade val="15000"/>
+            </a:schemeClr>
+          </a:lnRef>
+          <a:fillRef idx="1">
+            <a:schemeClr val="accent1"/>
+          </a:fillRef>
+          <a:effectRef idx="0">
+            <a:schemeClr val="accent1"/>
+          </a:effectRef>
+          <a:fontRef idx="minor">
+            <a:schemeClr val="lt1"/>
+          </a:fontRef>
+        </p:style>
+        <p:txBody>
+          <a:bodyPr wrap="none" rtlCol="0" anchor="ctr"/>
+          <a:lstStyle/>
+          <a:p>
+            <a:pPr algn="ctr"/>
+            <a:r>
+              <a:rPr lang="en-US" altLang="zh-TW" sz="1000" dirty="0">
+                <a:solidFill>
+                  <a:schemeClr val="tx1"/>
+                </a:solidFill>
+                <a:latin typeface="Arial" panose="020B0604020202020204" pitchFamily="34" charset="0"/>
+                <a:cs typeface="Arial" panose="020B0604020202020204" pitchFamily="34" charset="0"/>
+              </a:rPr>
+              <a:t>15</a:t>
+            </a:r>
+            <a:endParaRPr lang="zh-TW" altLang="en-US" sz="1000" dirty="0">
+              <a:solidFill>
+                <a:schemeClr val="tx1"/>
+              </a:solidFill>
+              <a:latin typeface="Arial" panose="020B0604020202020204" pitchFamily="34" charset="0"/>
+              <a:cs typeface="Arial" panose="020B0604020202020204" pitchFamily="34" charset="0"/>
+            </a:endParaRPr>
+          </a:p>
+        </p:txBody>
+      </p:sp>
+      <p:sp>
+        <p:nvSpPr>
+          <p:cNvPr id="83" name="橢圓 82">
+            <a:extLst>
+              <a:ext uri="{FF2B5EF4-FFF2-40B4-BE49-F238E27FC236}">
+                <a16:creationId xmlns:a16="http://schemas.microsoft.com/office/drawing/2014/main" id="{02F4DB92-D14F-2FDF-A01F-47E3C406D36F}"/>
+              </a:ext>
+            </a:extLst>
+          </p:cNvPr>
+          <p:cNvSpPr/>
+          <p:nvPr/>
+        </p:nvSpPr>
+        <p:spPr>
+          <a:xfrm>
+            <a:off x="3385934" y="6029289"/>
+            <a:ext cx="180000" cy="180000"/>
+          </a:xfrm>
+          <a:prstGeom prst="ellipse">
+            <a:avLst/>
+          </a:prstGeom>
+          <a:noFill/>
+          <a:ln>
+            <a:noFill/>
+          </a:ln>
+        </p:spPr>
+        <p:style>
+          <a:lnRef idx="2">
+            <a:schemeClr val="accent1">
+              <a:shade val="15000"/>
+            </a:schemeClr>
+          </a:lnRef>
+          <a:fillRef idx="1">
+            <a:schemeClr val="accent1"/>
+          </a:fillRef>
+          <a:effectRef idx="0">
+            <a:schemeClr val="accent1"/>
+          </a:effectRef>
+          <a:fontRef idx="minor">
+            <a:schemeClr val="lt1"/>
+          </a:fontRef>
+        </p:style>
+        <p:txBody>
+          <a:bodyPr wrap="none" rtlCol="0" anchor="ctr"/>
+          <a:lstStyle/>
+          <a:p>
+            <a:pPr algn="ctr"/>
+            <a:r>
+              <a:rPr lang="en-US" altLang="zh-TW" sz="1000" dirty="0">
+                <a:solidFill>
+                  <a:schemeClr val="tx1"/>
+                </a:solidFill>
+                <a:latin typeface="Arial" panose="020B0604020202020204" pitchFamily="34" charset="0"/>
+                <a:cs typeface="Arial" panose="020B0604020202020204" pitchFamily="34" charset="0"/>
+              </a:rPr>
+              <a:t>16</a:t>
+            </a:r>
+            <a:endParaRPr lang="zh-TW" altLang="en-US" sz="1000" dirty="0">
+              <a:solidFill>
+                <a:schemeClr val="tx1"/>
+              </a:solidFill>
+              <a:latin typeface="Arial" panose="020B0604020202020204" pitchFamily="34" charset="0"/>
+              <a:cs typeface="Arial" panose="020B0604020202020204" pitchFamily="34" charset="0"/>
+            </a:endParaRPr>
+          </a:p>
+        </p:txBody>
+      </p:sp>
+      <p:sp>
+        <p:nvSpPr>
+          <p:cNvPr id="84" name="橢圓 83">
+            <a:extLst>
+              <a:ext uri="{FF2B5EF4-FFF2-40B4-BE49-F238E27FC236}">
+                <a16:creationId xmlns:a16="http://schemas.microsoft.com/office/drawing/2014/main" id="{D4AD04BB-5CCE-BC5B-4C44-659F22487092}"/>
+              </a:ext>
+            </a:extLst>
+          </p:cNvPr>
+          <p:cNvSpPr/>
+          <p:nvPr/>
+        </p:nvSpPr>
+        <p:spPr>
+          <a:xfrm>
+            <a:off x="3538334" y="6181689"/>
+            <a:ext cx="180000" cy="180000"/>
+          </a:xfrm>
+          <a:prstGeom prst="ellipse">
+            <a:avLst/>
+          </a:prstGeom>
+          <a:noFill/>
+          <a:ln>
+            <a:noFill/>
+          </a:ln>
+        </p:spPr>
+        <p:style>
+          <a:lnRef idx="2">
+            <a:schemeClr val="accent1">
+              <a:shade val="15000"/>
+            </a:schemeClr>
+          </a:lnRef>
+          <a:fillRef idx="1">
+            <a:schemeClr val="accent1"/>
+          </a:fillRef>
+          <a:effectRef idx="0">
+            <a:schemeClr val="accent1"/>
+          </a:effectRef>
+          <a:fontRef idx="minor">
+            <a:schemeClr val="lt1"/>
+          </a:fontRef>
+        </p:style>
+        <p:txBody>
+          <a:bodyPr wrap="none" rtlCol="0" anchor="ctr"/>
+          <a:lstStyle/>
+          <a:p>
+            <a:pPr algn="ctr"/>
+            <a:r>
+              <a:rPr lang="en-US" altLang="zh-TW" sz="1000" dirty="0">
+                <a:solidFill>
+                  <a:schemeClr val="tx1"/>
+                </a:solidFill>
+                <a:latin typeface="Arial" panose="020B0604020202020204" pitchFamily="34" charset="0"/>
+                <a:cs typeface="Arial" panose="020B0604020202020204" pitchFamily="34" charset="0"/>
+              </a:rPr>
+              <a:t>17</a:t>
+            </a:r>
+            <a:endParaRPr lang="zh-TW" altLang="en-US" sz="1000" dirty="0">
+              <a:solidFill>
+                <a:schemeClr val="tx1"/>
+              </a:solidFill>
+              <a:latin typeface="Arial" panose="020B0604020202020204" pitchFamily="34" charset="0"/>
+              <a:cs typeface="Arial" panose="020B0604020202020204" pitchFamily="34" charset="0"/>
+            </a:endParaRPr>
+          </a:p>
+        </p:txBody>
+      </p:sp>
+      <p:sp>
+        <p:nvSpPr>
+          <p:cNvPr id="85" name="橢圓 84">
+            <a:extLst>
+              <a:ext uri="{FF2B5EF4-FFF2-40B4-BE49-F238E27FC236}">
+                <a16:creationId xmlns:a16="http://schemas.microsoft.com/office/drawing/2014/main" id="{31E17695-A453-63E2-BDFF-D5BBC52EC19A}"/>
+              </a:ext>
+            </a:extLst>
+          </p:cNvPr>
+          <p:cNvSpPr/>
+          <p:nvPr/>
+        </p:nvSpPr>
+        <p:spPr>
+          <a:xfrm>
+            <a:off x="3690734" y="6334089"/>
+            <a:ext cx="180000" cy="180000"/>
+          </a:xfrm>
+          <a:prstGeom prst="ellipse">
+            <a:avLst/>
+          </a:prstGeom>
+          <a:noFill/>
+          <a:ln>
+            <a:noFill/>
+          </a:ln>
+        </p:spPr>
+        <p:style>
+          <a:lnRef idx="2">
+            <a:schemeClr val="accent1">
+              <a:shade val="15000"/>
+            </a:schemeClr>
+          </a:lnRef>
+          <a:fillRef idx="1">
+            <a:schemeClr val="accent1"/>
+          </a:fillRef>
+          <a:effectRef idx="0">
+            <a:schemeClr val="accent1"/>
+          </a:effectRef>
+          <a:fontRef idx="minor">
+            <a:schemeClr val="lt1"/>
+          </a:fontRef>
+        </p:style>
+        <p:txBody>
+          <a:bodyPr wrap="none" rtlCol="0" anchor="ctr"/>
+          <a:lstStyle/>
+          <a:p>
+            <a:pPr algn="ctr"/>
+            <a:r>
+              <a:rPr lang="en-US" altLang="zh-TW" sz="1000" dirty="0">
+                <a:solidFill>
+                  <a:schemeClr val="tx1"/>
+                </a:solidFill>
+                <a:latin typeface="Arial" panose="020B0604020202020204" pitchFamily="34" charset="0"/>
+                <a:cs typeface="Arial" panose="020B0604020202020204" pitchFamily="34" charset="0"/>
+              </a:rPr>
+              <a:t>18</a:t>
+            </a:r>
+            <a:endParaRPr lang="zh-TW" altLang="en-US" sz="1000" dirty="0">
+              <a:solidFill>
+                <a:schemeClr val="tx1"/>
+              </a:solidFill>
+              <a:latin typeface="Arial" panose="020B0604020202020204" pitchFamily="34" charset="0"/>
+              <a:cs typeface="Arial" panose="020B0604020202020204" pitchFamily="34" charset="0"/>
+            </a:endParaRPr>
+          </a:p>
+        </p:txBody>
+      </p:sp>
+      <p:sp>
+        <p:nvSpPr>
+          <p:cNvPr id="86" name="橢圓 85">
+            <a:extLst>
+              <a:ext uri="{FF2B5EF4-FFF2-40B4-BE49-F238E27FC236}">
+                <a16:creationId xmlns:a16="http://schemas.microsoft.com/office/drawing/2014/main" id="{D3303126-7ACE-A06F-BFEF-0042523024F4}"/>
+              </a:ext>
+            </a:extLst>
+          </p:cNvPr>
+          <p:cNvSpPr/>
+          <p:nvPr/>
+        </p:nvSpPr>
+        <p:spPr>
+          <a:xfrm>
+            <a:off x="2166734" y="3567952"/>
+            <a:ext cx="180000" cy="180000"/>
+          </a:xfrm>
+          <a:prstGeom prst="ellipse">
+            <a:avLst/>
+          </a:prstGeom>
+          <a:noFill/>
+          <a:ln>
+            <a:noFill/>
+          </a:ln>
+        </p:spPr>
+        <p:style>
+          <a:lnRef idx="2">
+            <a:schemeClr val="accent1">
+              <a:shade val="15000"/>
+            </a:schemeClr>
+          </a:lnRef>
+          <a:fillRef idx="1">
+            <a:schemeClr val="accent1"/>
+          </a:fillRef>
+          <a:effectRef idx="0">
+            <a:schemeClr val="accent1"/>
+          </a:effectRef>
+          <a:fontRef idx="minor">
+            <a:schemeClr val="lt1"/>
+          </a:fontRef>
+        </p:style>
+        <p:txBody>
+          <a:bodyPr wrap="none" rtlCol="0" anchor="ctr"/>
+          <a:lstStyle/>
+          <a:p>
+            <a:pPr algn="ctr"/>
+            <a:r>
+              <a:rPr lang="en-US" altLang="zh-TW" sz="1000" dirty="0">
+                <a:solidFill>
+                  <a:schemeClr val="tx1"/>
+                </a:solidFill>
+                <a:latin typeface="Arial" panose="020B0604020202020204" pitchFamily="34" charset="0"/>
+                <a:cs typeface="Arial" panose="020B0604020202020204" pitchFamily="34" charset="0"/>
+              </a:rPr>
+              <a:t>19</a:t>
+            </a:r>
+          </a:p>
+        </p:txBody>
+      </p:sp>
+      <p:sp>
+        <p:nvSpPr>
+          <p:cNvPr id="87" name="橢圓 86">
+            <a:extLst>
+              <a:ext uri="{FF2B5EF4-FFF2-40B4-BE49-F238E27FC236}">
+                <a16:creationId xmlns:a16="http://schemas.microsoft.com/office/drawing/2014/main" id="{3615B8F4-94AE-841E-80FC-34745CE5AE24}"/>
+              </a:ext>
+            </a:extLst>
+          </p:cNvPr>
+          <p:cNvSpPr/>
+          <p:nvPr/>
+        </p:nvSpPr>
+        <p:spPr>
+          <a:xfrm>
+            <a:off x="2540947" y="3895689"/>
+            <a:ext cx="180000" cy="180000"/>
+          </a:xfrm>
+          <a:prstGeom prst="ellipse">
+            <a:avLst/>
+          </a:prstGeom>
+          <a:noFill/>
+          <a:ln>
+            <a:noFill/>
+          </a:ln>
+        </p:spPr>
+        <p:style>
+          <a:lnRef idx="2">
+            <a:schemeClr val="accent1">
+              <a:shade val="15000"/>
+            </a:schemeClr>
+          </a:lnRef>
+          <a:fillRef idx="1">
+            <a:schemeClr val="accent1"/>
+          </a:fillRef>
+          <a:effectRef idx="0">
+            <a:schemeClr val="accent1"/>
+          </a:effectRef>
+          <a:fontRef idx="minor">
+            <a:schemeClr val="lt1"/>
+          </a:fontRef>
+        </p:style>
+        <p:txBody>
+          <a:bodyPr wrap="none" rtlCol="0" anchor="ctr"/>
+          <a:lstStyle/>
+          <a:p>
+            <a:pPr algn="ctr"/>
+            <a:r>
+              <a:rPr lang="en-US" altLang="zh-TW" sz="1000" dirty="0">
+                <a:solidFill>
+                  <a:schemeClr val="tx1"/>
+                </a:solidFill>
+                <a:latin typeface="Arial" panose="020B0604020202020204" pitchFamily="34" charset="0"/>
+                <a:cs typeface="Arial" panose="020B0604020202020204" pitchFamily="34" charset="0"/>
+              </a:rPr>
+              <a:t>20</a:t>
+            </a:r>
+            <a:endParaRPr lang="zh-TW" altLang="en-US" sz="1000" dirty="0">
+              <a:solidFill>
+                <a:schemeClr val="tx1"/>
+              </a:solidFill>
+              <a:latin typeface="Arial" panose="020B0604020202020204" pitchFamily="34" charset="0"/>
+              <a:cs typeface="Arial" panose="020B0604020202020204" pitchFamily="34" charset="0"/>
+            </a:endParaRPr>
+          </a:p>
+        </p:txBody>
+      </p:sp>
+      <p:sp>
+        <p:nvSpPr>
+          <p:cNvPr id="88" name="橢圓 87">
+            <a:extLst>
+              <a:ext uri="{FF2B5EF4-FFF2-40B4-BE49-F238E27FC236}">
+                <a16:creationId xmlns:a16="http://schemas.microsoft.com/office/drawing/2014/main" id="{F1214F5D-50D4-45C3-75BB-1251A5D88F9D}"/>
+              </a:ext>
+            </a:extLst>
+          </p:cNvPr>
+          <p:cNvSpPr/>
+          <p:nvPr/>
+        </p:nvSpPr>
+        <p:spPr>
+          <a:xfrm>
+            <a:off x="2693347" y="4048089"/>
+            <a:ext cx="180000" cy="180000"/>
+          </a:xfrm>
+          <a:prstGeom prst="ellipse">
+            <a:avLst/>
+          </a:prstGeom>
+          <a:noFill/>
+          <a:ln>
+            <a:noFill/>
+          </a:ln>
+        </p:spPr>
+        <p:style>
+          <a:lnRef idx="2">
+            <a:schemeClr val="accent1">
+              <a:shade val="15000"/>
+            </a:schemeClr>
+          </a:lnRef>
+          <a:fillRef idx="1">
+            <a:schemeClr val="accent1"/>
+          </a:fillRef>
+          <a:effectRef idx="0">
+            <a:schemeClr val="accent1"/>
+          </a:effectRef>
+          <a:fontRef idx="minor">
+            <a:schemeClr val="lt1"/>
+          </a:fontRef>
+        </p:style>
+        <p:txBody>
+          <a:bodyPr wrap="none" rtlCol="0" anchor="ctr"/>
+          <a:lstStyle/>
+          <a:p>
+            <a:pPr algn="ctr"/>
+            <a:r>
+              <a:rPr lang="en-US" altLang="zh-TW" sz="1000" dirty="0">
+                <a:solidFill>
+                  <a:schemeClr val="tx1"/>
+                </a:solidFill>
+                <a:latin typeface="Arial" panose="020B0604020202020204" pitchFamily="34" charset="0"/>
+                <a:cs typeface="Arial" panose="020B0604020202020204" pitchFamily="34" charset="0"/>
+              </a:rPr>
+              <a:t>21</a:t>
+            </a:r>
+            <a:endParaRPr lang="zh-TW" altLang="en-US" sz="1000" dirty="0">
+              <a:solidFill>
+                <a:schemeClr val="tx1"/>
+              </a:solidFill>
+              <a:latin typeface="Arial" panose="020B0604020202020204" pitchFamily="34" charset="0"/>
+              <a:cs typeface="Arial" panose="020B0604020202020204" pitchFamily="34" charset="0"/>
+            </a:endParaRPr>
+          </a:p>
+        </p:txBody>
+      </p:sp>
+      <p:sp>
+        <p:nvSpPr>
+          <p:cNvPr id="89" name="橢圓 88">
+            <a:extLst>
+              <a:ext uri="{FF2B5EF4-FFF2-40B4-BE49-F238E27FC236}">
+                <a16:creationId xmlns:a16="http://schemas.microsoft.com/office/drawing/2014/main" id="{931242F6-CA52-807A-37A0-2AA0A773BA50}"/>
+              </a:ext>
+            </a:extLst>
+          </p:cNvPr>
+          <p:cNvSpPr/>
+          <p:nvPr/>
+        </p:nvSpPr>
+        <p:spPr>
+          <a:xfrm>
+            <a:off x="2845747" y="4200489"/>
+            <a:ext cx="180000" cy="180000"/>
+          </a:xfrm>
+          <a:prstGeom prst="ellipse">
+            <a:avLst/>
+          </a:prstGeom>
+          <a:noFill/>
+          <a:ln>
+            <a:noFill/>
+          </a:ln>
+        </p:spPr>
+        <p:style>
+          <a:lnRef idx="2">
+            <a:schemeClr val="accent1">
+              <a:shade val="15000"/>
+            </a:schemeClr>
+          </a:lnRef>
+          <a:fillRef idx="1">
+            <a:schemeClr val="accent1"/>
+          </a:fillRef>
+          <a:effectRef idx="0">
+            <a:schemeClr val="accent1"/>
+          </a:effectRef>
+          <a:fontRef idx="minor">
+            <a:schemeClr val="lt1"/>
+          </a:fontRef>
+        </p:style>
+        <p:txBody>
+          <a:bodyPr wrap="none" rtlCol="0" anchor="ctr"/>
+          <a:lstStyle/>
+          <a:p>
+            <a:pPr algn="ctr"/>
+            <a:r>
+              <a:rPr lang="en-US" altLang="zh-TW" sz="1000" dirty="0">
+                <a:solidFill>
+                  <a:schemeClr val="tx1"/>
+                </a:solidFill>
+                <a:latin typeface="Arial" panose="020B0604020202020204" pitchFamily="34" charset="0"/>
+                <a:cs typeface="Arial" panose="020B0604020202020204" pitchFamily="34" charset="0"/>
+              </a:rPr>
+              <a:t>22</a:t>
+            </a:r>
+            <a:endParaRPr lang="zh-TW" altLang="en-US" sz="1000" dirty="0">
+              <a:solidFill>
+                <a:schemeClr val="tx1"/>
+              </a:solidFill>
+              <a:latin typeface="Arial" panose="020B0604020202020204" pitchFamily="34" charset="0"/>
+              <a:cs typeface="Arial" panose="020B0604020202020204" pitchFamily="34" charset="0"/>
+            </a:endParaRPr>
+          </a:p>
+        </p:txBody>
+      </p:sp>
+      <p:sp>
+        <p:nvSpPr>
+          <p:cNvPr id="90" name="橢圓 89">
+            <a:extLst>
+              <a:ext uri="{FF2B5EF4-FFF2-40B4-BE49-F238E27FC236}">
+                <a16:creationId xmlns:a16="http://schemas.microsoft.com/office/drawing/2014/main" id="{D753045F-10B7-2EB5-9457-C326EFF0093D}"/>
+              </a:ext>
+            </a:extLst>
+          </p:cNvPr>
+          <p:cNvSpPr/>
+          <p:nvPr/>
+        </p:nvSpPr>
+        <p:spPr>
+          <a:xfrm>
+            <a:off x="2998147" y="4352889"/>
+            <a:ext cx="180000" cy="180000"/>
+          </a:xfrm>
+          <a:prstGeom prst="ellipse">
+            <a:avLst/>
+          </a:prstGeom>
+          <a:noFill/>
+          <a:ln>
+            <a:noFill/>
+          </a:ln>
+        </p:spPr>
+        <p:style>
+          <a:lnRef idx="2">
+            <a:schemeClr val="accent1">
+              <a:shade val="15000"/>
+            </a:schemeClr>
+          </a:lnRef>
+          <a:fillRef idx="1">
+            <a:schemeClr val="accent1"/>
+          </a:fillRef>
+          <a:effectRef idx="0">
+            <a:schemeClr val="accent1"/>
+          </a:effectRef>
+          <a:fontRef idx="minor">
+            <a:schemeClr val="lt1"/>
+          </a:fontRef>
+        </p:style>
+        <p:txBody>
+          <a:bodyPr wrap="none" rtlCol="0" anchor="ctr"/>
+          <a:lstStyle/>
+          <a:p>
+            <a:pPr algn="ctr"/>
+            <a:r>
+              <a:rPr lang="en-US" altLang="zh-TW" sz="1000" dirty="0">
+                <a:solidFill>
+                  <a:schemeClr val="tx1"/>
+                </a:solidFill>
+                <a:latin typeface="Arial" panose="020B0604020202020204" pitchFamily="34" charset="0"/>
+                <a:cs typeface="Arial" panose="020B0604020202020204" pitchFamily="34" charset="0"/>
+              </a:rPr>
+              <a:t>23</a:t>
+            </a:r>
+            <a:endParaRPr lang="zh-TW" altLang="en-US" sz="1000" dirty="0">
+              <a:solidFill>
+                <a:schemeClr val="tx1"/>
+              </a:solidFill>
+              <a:latin typeface="Arial" panose="020B0604020202020204" pitchFamily="34" charset="0"/>
+              <a:cs typeface="Arial" panose="020B0604020202020204" pitchFamily="34" charset="0"/>
+            </a:endParaRPr>
+          </a:p>
+        </p:txBody>
+      </p:sp>
+      <p:sp>
+        <p:nvSpPr>
+          <p:cNvPr id="91" name="橢圓 90">
+            <a:extLst>
+              <a:ext uri="{FF2B5EF4-FFF2-40B4-BE49-F238E27FC236}">
+                <a16:creationId xmlns:a16="http://schemas.microsoft.com/office/drawing/2014/main" id="{221BCF3F-BB5E-30E4-4351-B48E580AD9AE}"/>
+              </a:ext>
+            </a:extLst>
+          </p:cNvPr>
+          <p:cNvSpPr/>
+          <p:nvPr/>
+        </p:nvSpPr>
+        <p:spPr>
+          <a:xfrm>
+            <a:off x="3150547" y="4505289"/>
+            <a:ext cx="180000" cy="180000"/>
+          </a:xfrm>
+          <a:prstGeom prst="ellipse">
+            <a:avLst/>
+          </a:prstGeom>
+          <a:noFill/>
+          <a:ln>
+            <a:noFill/>
+          </a:ln>
+        </p:spPr>
+        <p:style>
+          <a:lnRef idx="2">
+            <a:schemeClr val="accent1">
+              <a:shade val="15000"/>
+            </a:schemeClr>
+          </a:lnRef>
+          <a:fillRef idx="1">
+            <a:schemeClr val="accent1"/>
+          </a:fillRef>
+          <a:effectRef idx="0">
+            <a:schemeClr val="accent1"/>
+          </a:effectRef>
+          <a:fontRef idx="minor">
+            <a:schemeClr val="lt1"/>
+          </a:fontRef>
+        </p:style>
+        <p:txBody>
+          <a:bodyPr wrap="none" rtlCol="0" anchor="ctr"/>
+          <a:lstStyle/>
+          <a:p>
+            <a:pPr algn="ctr"/>
+            <a:r>
+              <a:rPr lang="en-US" altLang="zh-TW" sz="1000" dirty="0">
+                <a:solidFill>
+                  <a:schemeClr val="tx1"/>
+                </a:solidFill>
+                <a:latin typeface="Arial" panose="020B0604020202020204" pitchFamily="34" charset="0"/>
+                <a:cs typeface="Arial" panose="020B0604020202020204" pitchFamily="34" charset="0"/>
+              </a:rPr>
+              <a:t>24</a:t>
+            </a:r>
+            <a:endParaRPr lang="zh-TW" altLang="en-US" sz="1000" dirty="0">
+              <a:solidFill>
+                <a:schemeClr val="tx1"/>
+              </a:solidFill>
+              <a:latin typeface="Arial" panose="020B0604020202020204" pitchFamily="34" charset="0"/>
+              <a:cs typeface="Arial" panose="020B0604020202020204" pitchFamily="34" charset="0"/>
+            </a:endParaRPr>
+          </a:p>
+        </p:txBody>
+      </p:sp>
+      <p:sp>
+        <p:nvSpPr>
+          <p:cNvPr id="92" name="橢圓 91">
+            <a:extLst>
+              <a:ext uri="{FF2B5EF4-FFF2-40B4-BE49-F238E27FC236}">
+                <a16:creationId xmlns:a16="http://schemas.microsoft.com/office/drawing/2014/main" id="{021C3AEF-7066-67FA-C9BC-039382EDD9F8}"/>
+              </a:ext>
+            </a:extLst>
+          </p:cNvPr>
+          <p:cNvSpPr/>
+          <p:nvPr/>
+        </p:nvSpPr>
+        <p:spPr>
+          <a:xfrm>
+            <a:off x="3302947" y="4657689"/>
+            <a:ext cx="180000" cy="180000"/>
+          </a:xfrm>
+          <a:prstGeom prst="ellipse">
+            <a:avLst/>
+          </a:prstGeom>
+          <a:noFill/>
+          <a:ln>
+            <a:noFill/>
+          </a:ln>
+        </p:spPr>
+        <p:style>
+          <a:lnRef idx="2">
+            <a:schemeClr val="accent1">
+              <a:shade val="15000"/>
+            </a:schemeClr>
+          </a:lnRef>
+          <a:fillRef idx="1">
+            <a:schemeClr val="accent1"/>
+          </a:fillRef>
+          <a:effectRef idx="0">
+            <a:schemeClr val="accent1"/>
+          </a:effectRef>
+          <a:fontRef idx="minor">
+            <a:schemeClr val="lt1"/>
+          </a:fontRef>
+        </p:style>
+        <p:txBody>
+          <a:bodyPr wrap="none" rtlCol="0" anchor="ctr"/>
+          <a:lstStyle/>
+          <a:p>
+            <a:pPr algn="ctr"/>
+            <a:r>
+              <a:rPr lang="en-US" altLang="zh-TW" sz="1000" dirty="0">
+                <a:solidFill>
+                  <a:schemeClr val="tx1"/>
+                </a:solidFill>
+                <a:latin typeface="Arial" panose="020B0604020202020204" pitchFamily="34" charset="0"/>
+                <a:cs typeface="Arial" panose="020B0604020202020204" pitchFamily="34" charset="0"/>
+              </a:rPr>
+              <a:t>25</a:t>
+            </a:r>
+            <a:endParaRPr lang="zh-TW" altLang="en-US" sz="1000" dirty="0">
+              <a:solidFill>
+                <a:schemeClr val="tx1"/>
+              </a:solidFill>
+              <a:latin typeface="Arial" panose="020B0604020202020204" pitchFamily="34" charset="0"/>
+              <a:cs typeface="Arial" panose="020B0604020202020204" pitchFamily="34" charset="0"/>
+            </a:endParaRPr>
+          </a:p>
+        </p:txBody>
+      </p:sp>
+      <p:sp>
+        <p:nvSpPr>
+          <p:cNvPr id="93" name="橢圓 92">
+            <a:extLst>
+              <a:ext uri="{FF2B5EF4-FFF2-40B4-BE49-F238E27FC236}">
+                <a16:creationId xmlns:a16="http://schemas.microsoft.com/office/drawing/2014/main" id="{27861550-FB62-8335-A892-FED90C9C5B5B}"/>
+              </a:ext>
+            </a:extLst>
+          </p:cNvPr>
+          <p:cNvSpPr/>
+          <p:nvPr/>
+        </p:nvSpPr>
+        <p:spPr>
+          <a:xfrm>
+            <a:off x="3455347" y="4810089"/>
+            <a:ext cx="180000" cy="180000"/>
+          </a:xfrm>
+          <a:prstGeom prst="ellipse">
+            <a:avLst/>
+          </a:prstGeom>
+          <a:noFill/>
+          <a:ln>
+            <a:noFill/>
+          </a:ln>
+        </p:spPr>
+        <p:style>
+          <a:lnRef idx="2">
+            <a:schemeClr val="accent1">
+              <a:shade val="15000"/>
+            </a:schemeClr>
+          </a:lnRef>
+          <a:fillRef idx="1">
+            <a:schemeClr val="accent1"/>
+          </a:fillRef>
+          <a:effectRef idx="0">
+            <a:schemeClr val="accent1"/>
+          </a:effectRef>
+          <a:fontRef idx="minor">
+            <a:schemeClr val="lt1"/>
+          </a:fontRef>
+        </p:style>
+        <p:txBody>
+          <a:bodyPr wrap="none" rtlCol="0" anchor="ctr"/>
+          <a:lstStyle/>
+          <a:p>
+            <a:pPr algn="ctr"/>
+            <a:r>
+              <a:rPr lang="en-US" altLang="zh-TW" sz="1000" dirty="0">
+                <a:solidFill>
+                  <a:schemeClr val="tx1"/>
+                </a:solidFill>
+                <a:latin typeface="Arial" panose="020B0604020202020204" pitchFamily="34" charset="0"/>
+                <a:cs typeface="Arial" panose="020B0604020202020204" pitchFamily="34" charset="0"/>
+              </a:rPr>
+              <a:t>26</a:t>
+            </a:r>
+            <a:endParaRPr lang="zh-TW" altLang="en-US" sz="1000" dirty="0">
+              <a:solidFill>
+                <a:schemeClr val="tx1"/>
+              </a:solidFill>
+              <a:latin typeface="Arial" panose="020B0604020202020204" pitchFamily="34" charset="0"/>
+              <a:cs typeface="Arial" panose="020B0604020202020204" pitchFamily="34" charset="0"/>
+            </a:endParaRPr>
+          </a:p>
+        </p:txBody>
+      </p:sp>
+      <p:sp>
+        <p:nvSpPr>
+          <p:cNvPr id="94" name="橢圓 93">
+            <a:extLst>
+              <a:ext uri="{FF2B5EF4-FFF2-40B4-BE49-F238E27FC236}">
+                <a16:creationId xmlns:a16="http://schemas.microsoft.com/office/drawing/2014/main" id="{98CBEAB7-AF1B-961D-8793-D4CFA84FE3CC}"/>
+              </a:ext>
+            </a:extLst>
+          </p:cNvPr>
+          <p:cNvSpPr/>
+          <p:nvPr/>
+        </p:nvSpPr>
+        <p:spPr>
+          <a:xfrm>
+            <a:off x="3607747" y="4962489"/>
+            <a:ext cx="180000" cy="180000"/>
+          </a:xfrm>
+          <a:prstGeom prst="ellipse">
+            <a:avLst/>
+          </a:prstGeom>
+          <a:noFill/>
+          <a:ln>
+            <a:noFill/>
+          </a:ln>
+        </p:spPr>
+        <p:style>
+          <a:lnRef idx="2">
+            <a:schemeClr val="accent1">
+              <a:shade val="15000"/>
+            </a:schemeClr>
+          </a:lnRef>
+          <a:fillRef idx="1">
+            <a:schemeClr val="accent1"/>
+          </a:fillRef>
+          <a:effectRef idx="0">
+            <a:schemeClr val="accent1"/>
+          </a:effectRef>
+          <a:fontRef idx="minor">
+            <a:schemeClr val="lt1"/>
+          </a:fontRef>
+        </p:style>
+        <p:txBody>
+          <a:bodyPr wrap="none" rtlCol="0" anchor="ctr"/>
+          <a:lstStyle/>
+          <a:p>
+            <a:pPr algn="ctr"/>
+            <a:r>
+              <a:rPr lang="en-US" altLang="zh-TW" sz="1000" dirty="0">
+                <a:solidFill>
+                  <a:schemeClr val="tx1"/>
+                </a:solidFill>
+                <a:latin typeface="Arial" panose="020B0604020202020204" pitchFamily="34" charset="0"/>
+                <a:cs typeface="Arial" panose="020B0604020202020204" pitchFamily="34" charset="0"/>
+              </a:rPr>
+              <a:t>27</a:t>
+            </a:r>
+            <a:endParaRPr lang="zh-TW" altLang="en-US" sz="1000" dirty="0">
+              <a:solidFill>
+                <a:schemeClr val="tx1"/>
+              </a:solidFill>
+              <a:latin typeface="Arial" panose="020B0604020202020204" pitchFamily="34" charset="0"/>
+              <a:cs typeface="Arial" panose="020B0604020202020204" pitchFamily="34" charset="0"/>
+            </a:endParaRPr>
+          </a:p>
+        </p:txBody>
+      </p:sp>
+      <p:sp>
+        <p:nvSpPr>
+          <p:cNvPr id="95" name="橢圓 94">
+            <a:extLst>
+              <a:ext uri="{FF2B5EF4-FFF2-40B4-BE49-F238E27FC236}">
+                <a16:creationId xmlns:a16="http://schemas.microsoft.com/office/drawing/2014/main" id="{1A694E51-1D30-6103-5301-92FAF04ED962}"/>
+              </a:ext>
+            </a:extLst>
+          </p:cNvPr>
+          <p:cNvSpPr/>
+          <p:nvPr/>
+        </p:nvSpPr>
+        <p:spPr>
+          <a:xfrm>
+            <a:off x="3760147" y="5114889"/>
+            <a:ext cx="180000" cy="180000"/>
+          </a:xfrm>
+          <a:prstGeom prst="ellipse">
+            <a:avLst/>
+          </a:prstGeom>
+          <a:noFill/>
+          <a:ln>
+            <a:noFill/>
+          </a:ln>
+        </p:spPr>
+        <p:style>
+          <a:lnRef idx="2">
+            <a:schemeClr val="accent1">
+              <a:shade val="15000"/>
+            </a:schemeClr>
+          </a:lnRef>
+          <a:fillRef idx="1">
+            <a:schemeClr val="accent1"/>
+          </a:fillRef>
+          <a:effectRef idx="0">
+            <a:schemeClr val="accent1"/>
+          </a:effectRef>
+          <a:fontRef idx="minor">
+            <a:schemeClr val="lt1"/>
+          </a:fontRef>
+        </p:style>
+        <p:txBody>
+          <a:bodyPr wrap="none" rtlCol="0" anchor="ctr"/>
+          <a:lstStyle/>
+          <a:p>
+            <a:pPr algn="ctr"/>
+            <a:r>
+              <a:rPr lang="en-US" altLang="zh-TW" sz="1000" dirty="0">
+                <a:solidFill>
+                  <a:schemeClr val="tx1"/>
+                </a:solidFill>
+                <a:latin typeface="Arial" panose="020B0604020202020204" pitchFamily="34" charset="0"/>
+                <a:cs typeface="Arial" panose="020B0604020202020204" pitchFamily="34" charset="0"/>
+              </a:rPr>
+              <a:t>28</a:t>
+            </a:r>
+            <a:endParaRPr lang="zh-TW" altLang="en-US" sz="1000" dirty="0">
+              <a:solidFill>
+                <a:schemeClr val="tx1"/>
+              </a:solidFill>
+              <a:latin typeface="Arial" panose="020B0604020202020204" pitchFamily="34" charset="0"/>
+              <a:cs typeface="Arial" panose="020B0604020202020204" pitchFamily="34" charset="0"/>
+            </a:endParaRPr>
+          </a:p>
+        </p:txBody>
+      </p:sp>
+      <p:sp>
+        <p:nvSpPr>
+          <p:cNvPr id="96" name="橢圓 95">
+            <a:extLst>
+              <a:ext uri="{FF2B5EF4-FFF2-40B4-BE49-F238E27FC236}">
+                <a16:creationId xmlns:a16="http://schemas.microsoft.com/office/drawing/2014/main" id="{D9AB8F4A-0A44-0BE8-67F5-780D86F87230}"/>
+              </a:ext>
+            </a:extLst>
+          </p:cNvPr>
+          <p:cNvSpPr/>
+          <p:nvPr/>
+        </p:nvSpPr>
+        <p:spPr>
+          <a:xfrm>
+            <a:off x="3912547" y="5267289"/>
+            <a:ext cx="180000" cy="180000"/>
+          </a:xfrm>
+          <a:prstGeom prst="ellipse">
+            <a:avLst/>
+          </a:prstGeom>
+          <a:noFill/>
+          <a:ln>
+            <a:noFill/>
+          </a:ln>
+        </p:spPr>
+        <p:style>
+          <a:lnRef idx="2">
+            <a:schemeClr val="accent1">
+              <a:shade val="15000"/>
+            </a:schemeClr>
+          </a:lnRef>
+          <a:fillRef idx="1">
+            <a:schemeClr val="accent1"/>
+          </a:fillRef>
+          <a:effectRef idx="0">
+            <a:schemeClr val="accent1"/>
+          </a:effectRef>
+          <a:fontRef idx="minor">
+            <a:schemeClr val="lt1"/>
+          </a:fontRef>
+        </p:style>
+        <p:txBody>
+          <a:bodyPr wrap="none" rtlCol="0" anchor="ctr"/>
+          <a:lstStyle/>
+          <a:p>
+            <a:pPr algn="ctr"/>
+            <a:r>
+              <a:rPr lang="en-US" altLang="zh-TW" sz="1000" dirty="0">
+                <a:solidFill>
+                  <a:schemeClr val="tx1"/>
+                </a:solidFill>
+                <a:latin typeface="Arial" panose="020B0604020202020204" pitchFamily="34" charset="0"/>
+                <a:cs typeface="Arial" panose="020B0604020202020204" pitchFamily="34" charset="0"/>
+              </a:rPr>
+              <a:t>29</a:t>
+            </a:r>
+            <a:endParaRPr lang="zh-TW" altLang="en-US" sz="1000" dirty="0">
+              <a:solidFill>
+                <a:schemeClr val="tx1"/>
+              </a:solidFill>
+              <a:latin typeface="Arial" panose="020B0604020202020204" pitchFamily="34" charset="0"/>
+              <a:cs typeface="Arial" panose="020B0604020202020204" pitchFamily="34" charset="0"/>
+            </a:endParaRPr>
+          </a:p>
+        </p:txBody>
+      </p:sp>
+      <p:sp>
+        <p:nvSpPr>
+          <p:cNvPr id="97" name="橢圓 96">
+            <a:extLst>
+              <a:ext uri="{FF2B5EF4-FFF2-40B4-BE49-F238E27FC236}">
+                <a16:creationId xmlns:a16="http://schemas.microsoft.com/office/drawing/2014/main" id="{0F59D5F8-827F-75A4-CC80-B5A9249846A5}"/>
+              </a:ext>
+            </a:extLst>
+          </p:cNvPr>
+          <p:cNvSpPr/>
+          <p:nvPr/>
+        </p:nvSpPr>
+        <p:spPr>
+          <a:xfrm>
+            <a:off x="4064947" y="5419689"/>
+            <a:ext cx="180000" cy="180000"/>
+          </a:xfrm>
+          <a:prstGeom prst="ellipse">
+            <a:avLst/>
+          </a:prstGeom>
+          <a:noFill/>
+          <a:ln>
+            <a:noFill/>
+          </a:ln>
+        </p:spPr>
+        <p:style>
+          <a:lnRef idx="2">
+            <a:schemeClr val="accent1">
+              <a:shade val="15000"/>
+            </a:schemeClr>
+          </a:lnRef>
+          <a:fillRef idx="1">
+            <a:schemeClr val="accent1"/>
+          </a:fillRef>
+          <a:effectRef idx="0">
+            <a:schemeClr val="accent1"/>
+          </a:effectRef>
+          <a:fontRef idx="minor">
+            <a:schemeClr val="lt1"/>
+          </a:fontRef>
+        </p:style>
+        <p:txBody>
+          <a:bodyPr wrap="none" rtlCol="0" anchor="ctr"/>
+          <a:lstStyle/>
+          <a:p>
+            <a:pPr algn="ctr"/>
+            <a:r>
+              <a:rPr lang="en-US" altLang="zh-TW" sz="1000" dirty="0">
+                <a:solidFill>
+                  <a:schemeClr val="tx1"/>
+                </a:solidFill>
+                <a:latin typeface="Arial" panose="020B0604020202020204" pitchFamily="34" charset="0"/>
+                <a:cs typeface="Arial" panose="020B0604020202020204" pitchFamily="34" charset="0"/>
+              </a:rPr>
+              <a:t>30</a:t>
+            </a:r>
+            <a:endParaRPr lang="zh-TW" altLang="en-US" sz="1000" dirty="0">
+              <a:solidFill>
+                <a:schemeClr val="tx1"/>
+              </a:solidFill>
+              <a:latin typeface="Arial" panose="020B0604020202020204" pitchFamily="34" charset="0"/>
+              <a:cs typeface="Arial" panose="020B0604020202020204" pitchFamily="34" charset="0"/>
+            </a:endParaRPr>
+          </a:p>
+        </p:txBody>
+      </p:sp>
+      <p:sp>
+        <p:nvSpPr>
+          <p:cNvPr id="98" name="橢圓 97">
+            <a:extLst>
+              <a:ext uri="{FF2B5EF4-FFF2-40B4-BE49-F238E27FC236}">
+                <a16:creationId xmlns:a16="http://schemas.microsoft.com/office/drawing/2014/main" id="{30A8B035-052E-D9B1-A80A-E4DB4C7B2E92}"/>
+              </a:ext>
+            </a:extLst>
+          </p:cNvPr>
+          <p:cNvSpPr/>
+          <p:nvPr/>
+        </p:nvSpPr>
+        <p:spPr>
+          <a:xfrm>
+            <a:off x="4217347" y="5572089"/>
+            <a:ext cx="180000" cy="180000"/>
+          </a:xfrm>
+          <a:prstGeom prst="ellipse">
+            <a:avLst/>
+          </a:prstGeom>
+          <a:noFill/>
+          <a:ln>
+            <a:noFill/>
+          </a:ln>
+        </p:spPr>
+        <p:style>
+          <a:lnRef idx="2">
+            <a:schemeClr val="accent1">
+              <a:shade val="15000"/>
+            </a:schemeClr>
+          </a:lnRef>
+          <a:fillRef idx="1">
+            <a:schemeClr val="accent1"/>
+          </a:fillRef>
+          <a:effectRef idx="0">
+            <a:schemeClr val="accent1"/>
+          </a:effectRef>
+          <a:fontRef idx="minor">
+            <a:schemeClr val="lt1"/>
+          </a:fontRef>
+        </p:style>
+        <p:txBody>
+          <a:bodyPr wrap="none" rtlCol="0" anchor="ctr"/>
+          <a:lstStyle/>
+          <a:p>
+            <a:pPr algn="ctr"/>
+            <a:r>
+              <a:rPr lang="en-US" altLang="zh-TW" sz="1000" dirty="0">
+                <a:solidFill>
+                  <a:schemeClr val="tx1"/>
+                </a:solidFill>
+                <a:latin typeface="Arial" panose="020B0604020202020204" pitchFamily="34" charset="0"/>
+                <a:cs typeface="Arial" panose="020B0604020202020204" pitchFamily="34" charset="0"/>
+              </a:rPr>
+              <a:t>31</a:t>
+            </a:r>
+            <a:endParaRPr lang="zh-TW" altLang="en-US" sz="1000" dirty="0">
+              <a:solidFill>
+                <a:schemeClr val="tx1"/>
+              </a:solidFill>
+              <a:latin typeface="Arial" panose="020B0604020202020204" pitchFamily="34" charset="0"/>
+              <a:cs typeface="Arial" panose="020B0604020202020204" pitchFamily="34" charset="0"/>
             </a:endParaRPr>
           </a:p>
         </p:txBody>

--- a/Python/icon製作.pptx
+++ b/Python/icon製作.pptx
@@ -259,7 +259,7 @@
           <a:p>
             <a:fld id="{9C7867F6-2ECD-46D7-8428-E4750E86E3F3}" type="datetimeFigureOut">
               <a:rPr lang="zh-TW" altLang="en-US" smtClean="0"/>
-              <a:t>2024/7/31</a:t>
+              <a:t>2024/8/15</a:t>
             </a:fld>
             <a:endParaRPr lang="zh-TW" altLang="en-US"/>
           </a:p>
@@ -457,7 +457,7 @@
           <a:p>
             <a:fld id="{9C7867F6-2ECD-46D7-8428-E4750E86E3F3}" type="datetimeFigureOut">
               <a:rPr lang="zh-TW" altLang="en-US" smtClean="0"/>
-              <a:t>2024/7/31</a:t>
+              <a:t>2024/8/15</a:t>
             </a:fld>
             <a:endParaRPr lang="zh-TW" altLang="en-US"/>
           </a:p>
@@ -665,7 +665,7 @@
           <a:p>
             <a:fld id="{9C7867F6-2ECD-46D7-8428-E4750E86E3F3}" type="datetimeFigureOut">
               <a:rPr lang="zh-TW" altLang="en-US" smtClean="0"/>
-              <a:t>2024/7/31</a:t>
+              <a:t>2024/8/15</a:t>
             </a:fld>
             <a:endParaRPr lang="zh-TW" altLang="en-US"/>
           </a:p>
@@ -863,7 +863,7 @@
           <a:p>
             <a:fld id="{9C7867F6-2ECD-46D7-8428-E4750E86E3F3}" type="datetimeFigureOut">
               <a:rPr lang="zh-TW" altLang="en-US" smtClean="0"/>
-              <a:t>2024/7/31</a:t>
+              <a:t>2024/8/15</a:t>
             </a:fld>
             <a:endParaRPr lang="zh-TW" altLang="en-US"/>
           </a:p>
@@ -1138,7 +1138,7 @@
           <a:p>
             <a:fld id="{9C7867F6-2ECD-46D7-8428-E4750E86E3F3}" type="datetimeFigureOut">
               <a:rPr lang="zh-TW" altLang="en-US" smtClean="0"/>
-              <a:t>2024/7/31</a:t>
+              <a:t>2024/8/15</a:t>
             </a:fld>
             <a:endParaRPr lang="zh-TW" altLang="en-US"/>
           </a:p>
@@ -1403,7 +1403,7 @@
           <a:p>
             <a:fld id="{9C7867F6-2ECD-46D7-8428-E4750E86E3F3}" type="datetimeFigureOut">
               <a:rPr lang="zh-TW" altLang="en-US" smtClean="0"/>
-              <a:t>2024/7/31</a:t>
+              <a:t>2024/8/15</a:t>
             </a:fld>
             <a:endParaRPr lang="zh-TW" altLang="en-US"/>
           </a:p>
@@ -1815,7 +1815,7 @@
           <a:p>
             <a:fld id="{9C7867F6-2ECD-46D7-8428-E4750E86E3F3}" type="datetimeFigureOut">
               <a:rPr lang="zh-TW" altLang="en-US" smtClean="0"/>
-              <a:t>2024/7/31</a:t>
+              <a:t>2024/8/15</a:t>
             </a:fld>
             <a:endParaRPr lang="zh-TW" altLang="en-US"/>
           </a:p>
@@ -1956,7 +1956,7 @@
           <a:p>
             <a:fld id="{9C7867F6-2ECD-46D7-8428-E4750E86E3F3}" type="datetimeFigureOut">
               <a:rPr lang="zh-TW" altLang="en-US" smtClean="0"/>
-              <a:t>2024/7/31</a:t>
+              <a:t>2024/8/15</a:t>
             </a:fld>
             <a:endParaRPr lang="zh-TW" altLang="en-US"/>
           </a:p>
@@ -2069,7 +2069,7 @@
           <a:p>
             <a:fld id="{9C7867F6-2ECD-46D7-8428-E4750E86E3F3}" type="datetimeFigureOut">
               <a:rPr lang="zh-TW" altLang="en-US" smtClean="0"/>
-              <a:t>2024/7/31</a:t>
+              <a:t>2024/8/15</a:t>
             </a:fld>
             <a:endParaRPr lang="zh-TW" altLang="en-US"/>
           </a:p>
@@ -2380,7 +2380,7 @@
           <a:p>
             <a:fld id="{9C7867F6-2ECD-46D7-8428-E4750E86E3F3}" type="datetimeFigureOut">
               <a:rPr lang="zh-TW" altLang="en-US" smtClean="0"/>
-              <a:t>2024/7/31</a:t>
+              <a:t>2024/8/15</a:t>
             </a:fld>
             <a:endParaRPr lang="zh-TW" altLang="en-US"/>
           </a:p>
@@ -2668,7 +2668,7 @@
           <a:p>
             <a:fld id="{9C7867F6-2ECD-46D7-8428-E4750E86E3F3}" type="datetimeFigureOut">
               <a:rPr lang="zh-TW" altLang="en-US" smtClean="0"/>
-              <a:t>2024/7/31</a:t>
+              <a:t>2024/8/15</a:t>
             </a:fld>
             <a:endParaRPr lang="zh-TW" altLang="en-US"/>
           </a:p>
@@ -2909,7 +2909,7 @@
           <a:p>
             <a:fld id="{9C7867F6-2ECD-46D7-8428-E4750E86E3F3}" type="datetimeFigureOut">
               <a:rPr lang="zh-TW" altLang="en-US" smtClean="0"/>
-              <a:t>2024/7/31</a:t>
+              <a:t>2024/8/15</a:t>
             </a:fld>
             <a:endParaRPr lang="zh-TW" altLang="en-US"/>
           </a:p>
@@ -4397,7 +4397,10 @@
             </a:avLst>
           </a:prstGeom>
           <a:solidFill>
-            <a:schemeClr val="accent4"/>
+            <a:schemeClr val="accent2">
+              <a:lumMod val="60000"/>
+              <a:lumOff val="40000"/>
+            </a:schemeClr>
           </a:solidFill>
           <a:ln>
             <a:noFill/>
@@ -4456,7 +4459,10 @@
             </a:avLst>
           </a:prstGeom>
           <a:solidFill>
-            <a:schemeClr val="accent4"/>
+            <a:schemeClr val="accent2">
+              <a:lumMod val="60000"/>
+              <a:lumOff val="40000"/>
+            </a:schemeClr>
           </a:solidFill>
           <a:ln>
             <a:noFill/>
@@ -4505,7 +4511,7 @@
         </p:nvSpPr>
         <p:spPr>
           <a:xfrm>
-            <a:off x="4956323" y="1182511"/>
+            <a:off x="7814782" y="1372038"/>
             <a:ext cx="180000" cy="180000"/>
           </a:xfrm>
           <a:prstGeom prst="pie">
@@ -4515,7 +4521,10 @@
             </a:avLst>
           </a:prstGeom>
           <a:solidFill>
-            <a:schemeClr val="accent6"/>
+            <a:schemeClr val="accent3">
+              <a:lumMod val="60000"/>
+              <a:lumOff val="40000"/>
+            </a:schemeClr>
           </a:solidFill>
           <a:ln>
             <a:noFill/>
@@ -4564,7 +4573,7 @@
         </p:nvSpPr>
         <p:spPr>
           <a:xfrm rot="10800000">
-            <a:off x="4742288" y="1182511"/>
+            <a:off x="7600747" y="1372038"/>
             <a:ext cx="180000" cy="180000"/>
           </a:xfrm>
           <a:prstGeom prst="pie">
@@ -4574,7 +4583,10 @@
             </a:avLst>
           </a:prstGeom>
           <a:solidFill>
-            <a:schemeClr val="accent6"/>
+            <a:schemeClr val="accent3">
+              <a:lumMod val="60000"/>
+              <a:lumOff val="40000"/>
+            </a:schemeClr>
           </a:solidFill>
           <a:ln>
             <a:noFill/>
@@ -9069,6 +9081,581 @@
               </a:solidFill>
               <a:latin typeface="Arial" panose="020B0604020202020204" pitchFamily="34" charset="0"/>
               <a:cs typeface="Arial" panose="020B0604020202020204" pitchFamily="34" charset="0"/>
+            </a:endParaRPr>
+          </a:p>
+        </p:txBody>
+      </p:sp>
+      <p:sp>
+        <p:nvSpPr>
+          <p:cNvPr id="52" name="局部圓 51">
+            <a:extLst>
+              <a:ext uri="{FF2B5EF4-FFF2-40B4-BE49-F238E27FC236}">
+                <a16:creationId xmlns:a16="http://schemas.microsoft.com/office/drawing/2014/main" id="{F66DA510-4F31-0D04-1254-0D011A7C7581}"/>
+              </a:ext>
+            </a:extLst>
+          </p:cNvPr>
+          <p:cNvSpPr/>
+          <p:nvPr/>
+        </p:nvSpPr>
+        <p:spPr>
+          <a:xfrm>
+            <a:off x="5007974" y="1182510"/>
+            <a:ext cx="180000" cy="180000"/>
+          </a:xfrm>
+          <a:prstGeom prst="pie">
+            <a:avLst>
+              <a:gd name="adj1" fmla="val 0"/>
+              <a:gd name="adj2" fmla="val 10776056"/>
+            </a:avLst>
+          </a:prstGeom>
+          <a:solidFill>
+            <a:schemeClr val="accent4">
+              <a:lumMod val="75000"/>
+            </a:schemeClr>
+          </a:solidFill>
+          <a:ln>
+            <a:noFill/>
+          </a:ln>
+        </p:spPr>
+        <p:style>
+          <a:lnRef idx="2">
+            <a:schemeClr val="accent1">
+              <a:shade val="15000"/>
+            </a:schemeClr>
+          </a:lnRef>
+          <a:fillRef idx="1">
+            <a:schemeClr val="accent1"/>
+          </a:fillRef>
+          <a:effectRef idx="0">
+            <a:schemeClr val="accent1"/>
+          </a:effectRef>
+          <a:fontRef idx="minor">
+            <a:schemeClr val="lt1"/>
+          </a:fontRef>
+        </p:style>
+        <p:txBody>
+          <a:bodyPr rtlCol="0" anchor="ctr"/>
+          <a:lstStyle/>
+          <a:p>
+            <a:pPr algn="ctr"/>
+            <a:endParaRPr lang="zh-TW" altLang="en-US" dirty="0">
+              <a:solidFill>
+                <a:schemeClr val="tx1"/>
+              </a:solidFill>
+            </a:endParaRPr>
+          </a:p>
+        </p:txBody>
+      </p:sp>
+      <p:sp>
+        <p:nvSpPr>
+          <p:cNvPr id="99" name="局部圓 98">
+            <a:extLst>
+              <a:ext uri="{FF2B5EF4-FFF2-40B4-BE49-F238E27FC236}">
+                <a16:creationId xmlns:a16="http://schemas.microsoft.com/office/drawing/2014/main" id="{CD2D62E3-C3DF-3F31-7861-54D912FF822F}"/>
+              </a:ext>
+            </a:extLst>
+          </p:cNvPr>
+          <p:cNvSpPr/>
+          <p:nvPr/>
+        </p:nvSpPr>
+        <p:spPr>
+          <a:xfrm rot="10800000">
+            <a:off x="4806122" y="1182510"/>
+            <a:ext cx="180000" cy="180000"/>
+          </a:xfrm>
+          <a:prstGeom prst="pie">
+            <a:avLst>
+              <a:gd name="adj1" fmla="val 0"/>
+              <a:gd name="adj2" fmla="val 10776056"/>
+            </a:avLst>
+          </a:prstGeom>
+          <a:solidFill>
+            <a:schemeClr val="accent4">
+              <a:lumMod val="75000"/>
+            </a:schemeClr>
+          </a:solidFill>
+          <a:ln>
+            <a:noFill/>
+          </a:ln>
+        </p:spPr>
+        <p:style>
+          <a:lnRef idx="2">
+            <a:schemeClr val="accent1">
+              <a:shade val="15000"/>
+            </a:schemeClr>
+          </a:lnRef>
+          <a:fillRef idx="1">
+            <a:schemeClr val="accent1"/>
+          </a:fillRef>
+          <a:effectRef idx="0">
+            <a:schemeClr val="accent1"/>
+          </a:effectRef>
+          <a:fontRef idx="minor">
+            <a:schemeClr val="lt1"/>
+          </a:fontRef>
+        </p:style>
+        <p:txBody>
+          <a:bodyPr rtlCol="0" anchor="ctr"/>
+          <a:lstStyle/>
+          <a:p>
+            <a:pPr algn="ctr"/>
+            <a:endParaRPr lang="zh-TW" altLang="en-US">
+              <a:solidFill>
+                <a:schemeClr val="tx1"/>
+              </a:solidFill>
+            </a:endParaRPr>
+          </a:p>
+        </p:txBody>
+      </p:sp>
+      <p:sp>
+        <p:nvSpPr>
+          <p:cNvPr id="100" name="閃電 99">
+            <a:extLst>
+              <a:ext uri="{FF2B5EF4-FFF2-40B4-BE49-F238E27FC236}">
+                <a16:creationId xmlns:a16="http://schemas.microsoft.com/office/drawing/2014/main" id="{9C1969F9-25AF-6C34-6868-C9F446838EA1}"/>
+              </a:ext>
+            </a:extLst>
+          </p:cNvPr>
+          <p:cNvSpPr/>
+          <p:nvPr/>
+        </p:nvSpPr>
+        <p:spPr>
+          <a:xfrm>
+            <a:off x="7245403" y="2025960"/>
+            <a:ext cx="914400" cy="914400"/>
+          </a:xfrm>
+          <a:prstGeom prst="lightningBolt">
+            <a:avLst/>
+          </a:prstGeom>
+          <a:gradFill>
+            <a:gsLst>
+              <a:gs pos="61000">
+                <a:schemeClr val="tx1"/>
+              </a:gs>
+              <a:gs pos="66000">
+                <a:schemeClr val="accent1">
+                  <a:lumMod val="30000"/>
+                  <a:lumOff val="70000"/>
+                </a:schemeClr>
+              </a:gs>
+            </a:gsLst>
+            <a:lin ang="5400000" scaled="1"/>
+          </a:gradFill>
+        </p:spPr>
+        <p:style>
+          <a:lnRef idx="2">
+            <a:schemeClr val="accent1">
+              <a:shade val="15000"/>
+            </a:schemeClr>
+          </a:lnRef>
+          <a:fillRef idx="1">
+            <a:schemeClr val="accent1"/>
+          </a:fillRef>
+          <a:effectRef idx="0">
+            <a:schemeClr val="accent1"/>
+          </a:effectRef>
+          <a:fontRef idx="minor">
+            <a:schemeClr val="lt1"/>
+          </a:fontRef>
+        </p:style>
+        <p:txBody>
+          <a:bodyPr rtlCol="0" anchor="ctr"/>
+          <a:lstStyle/>
+          <a:p>
+            <a:pPr algn="ctr"/>
+            <a:endParaRPr lang="zh-TW" altLang="en-US"/>
+          </a:p>
+        </p:txBody>
+      </p:sp>
+      <p:sp>
+        <p:nvSpPr>
+          <p:cNvPr id="101" name="文字方塊 100">
+            <a:extLst>
+              <a:ext uri="{FF2B5EF4-FFF2-40B4-BE49-F238E27FC236}">
+                <a16:creationId xmlns:a16="http://schemas.microsoft.com/office/drawing/2014/main" id="{5F4ADFA3-422F-748B-5A12-DC1E7F0979CC}"/>
+              </a:ext>
+            </a:extLst>
+          </p:cNvPr>
+          <p:cNvSpPr txBox="1"/>
+          <p:nvPr/>
+        </p:nvSpPr>
+        <p:spPr>
+          <a:xfrm>
+            <a:off x="7045003" y="905435"/>
+            <a:ext cx="300082" cy="369332"/>
+          </a:xfrm>
+          <a:prstGeom prst="rect">
+            <a:avLst/>
+          </a:prstGeom>
+          <a:noFill/>
+        </p:spPr>
+        <p:txBody>
+          <a:bodyPr wrap="none" rtlCol="0">
+            <a:spAutoFit/>
+          </a:bodyPr>
+          <a:lstStyle/>
+          <a:p>
+            <a:r>
+              <a:rPr lang="zh-TW" altLang="en-US" dirty="0"/>
+              <a:t>≈</a:t>
+            </a:r>
+          </a:p>
+        </p:txBody>
+      </p:sp>
+      <p:sp>
+        <p:nvSpPr>
+          <p:cNvPr id="103" name="局部圓 102">
+            <a:extLst>
+              <a:ext uri="{FF2B5EF4-FFF2-40B4-BE49-F238E27FC236}">
+                <a16:creationId xmlns:a16="http://schemas.microsoft.com/office/drawing/2014/main" id="{12B8887D-48E7-E641-C477-9766D0E361DA}"/>
+              </a:ext>
+            </a:extLst>
+          </p:cNvPr>
+          <p:cNvSpPr/>
+          <p:nvPr/>
+        </p:nvSpPr>
+        <p:spPr>
+          <a:xfrm>
+            <a:off x="8909574" y="1524438"/>
+            <a:ext cx="180000" cy="180000"/>
+          </a:xfrm>
+          <a:prstGeom prst="pie">
+            <a:avLst>
+              <a:gd name="adj1" fmla="val 0"/>
+              <a:gd name="adj2" fmla="val 10776056"/>
+            </a:avLst>
+          </a:prstGeom>
+          <a:solidFill>
+            <a:schemeClr val="accent6">
+              <a:lumMod val="75000"/>
+            </a:schemeClr>
+          </a:solidFill>
+          <a:ln>
+            <a:noFill/>
+          </a:ln>
+        </p:spPr>
+        <p:style>
+          <a:lnRef idx="2">
+            <a:schemeClr val="accent1">
+              <a:shade val="15000"/>
+            </a:schemeClr>
+          </a:lnRef>
+          <a:fillRef idx="1">
+            <a:schemeClr val="accent1"/>
+          </a:fillRef>
+          <a:effectRef idx="0">
+            <a:schemeClr val="accent1"/>
+          </a:effectRef>
+          <a:fontRef idx="minor">
+            <a:schemeClr val="lt1"/>
+          </a:fontRef>
+        </p:style>
+        <p:txBody>
+          <a:bodyPr rtlCol="0" anchor="ctr"/>
+          <a:lstStyle/>
+          <a:p>
+            <a:pPr algn="ctr"/>
+            <a:endParaRPr lang="zh-TW" altLang="en-US" dirty="0">
+              <a:solidFill>
+                <a:schemeClr val="tx1"/>
+              </a:solidFill>
+            </a:endParaRPr>
+          </a:p>
+        </p:txBody>
+      </p:sp>
+      <p:sp>
+        <p:nvSpPr>
+          <p:cNvPr id="104" name="局部圓 103">
+            <a:extLst>
+              <a:ext uri="{FF2B5EF4-FFF2-40B4-BE49-F238E27FC236}">
+                <a16:creationId xmlns:a16="http://schemas.microsoft.com/office/drawing/2014/main" id="{11B3FAEC-F45B-CBCC-E290-808B3633C531}"/>
+              </a:ext>
+            </a:extLst>
+          </p:cNvPr>
+          <p:cNvSpPr/>
+          <p:nvPr/>
+        </p:nvSpPr>
+        <p:spPr>
+          <a:xfrm rot="10800000">
+            <a:off x="8695539" y="1524438"/>
+            <a:ext cx="180000" cy="180000"/>
+          </a:xfrm>
+          <a:prstGeom prst="pie">
+            <a:avLst>
+              <a:gd name="adj1" fmla="val 0"/>
+              <a:gd name="adj2" fmla="val 10776056"/>
+            </a:avLst>
+          </a:prstGeom>
+          <a:solidFill>
+            <a:schemeClr val="accent6">
+              <a:lumMod val="75000"/>
+            </a:schemeClr>
+          </a:solidFill>
+          <a:ln>
+            <a:noFill/>
+          </a:ln>
+        </p:spPr>
+        <p:style>
+          <a:lnRef idx="2">
+            <a:schemeClr val="accent1">
+              <a:shade val="15000"/>
+            </a:schemeClr>
+          </a:lnRef>
+          <a:fillRef idx="1">
+            <a:schemeClr val="accent1"/>
+          </a:fillRef>
+          <a:effectRef idx="0">
+            <a:schemeClr val="accent1"/>
+          </a:effectRef>
+          <a:fontRef idx="minor">
+            <a:schemeClr val="lt1"/>
+          </a:fontRef>
+        </p:style>
+        <p:txBody>
+          <a:bodyPr rtlCol="0" anchor="ctr"/>
+          <a:lstStyle/>
+          <a:p>
+            <a:pPr algn="ctr"/>
+            <a:endParaRPr lang="zh-TW" altLang="en-US">
+              <a:solidFill>
+                <a:schemeClr val="tx1"/>
+              </a:solidFill>
+            </a:endParaRPr>
+          </a:p>
+        </p:txBody>
+      </p:sp>
+      <p:sp>
+        <p:nvSpPr>
+          <p:cNvPr id="105" name="局部圓 104">
+            <a:extLst>
+              <a:ext uri="{FF2B5EF4-FFF2-40B4-BE49-F238E27FC236}">
+                <a16:creationId xmlns:a16="http://schemas.microsoft.com/office/drawing/2014/main" id="{FF25A01F-E67B-B2A8-C9F4-159584D2C081}"/>
+              </a:ext>
+            </a:extLst>
+          </p:cNvPr>
+          <p:cNvSpPr/>
+          <p:nvPr/>
+        </p:nvSpPr>
+        <p:spPr>
+          <a:xfrm>
+            <a:off x="9576296" y="1651518"/>
+            <a:ext cx="180000" cy="180000"/>
+          </a:xfrm>
+          <a:prstGeom prst="pie">
+            <a:avLst>
+              <a:gd name="adj1" fmla="val 0"/>
+              <a:gd name="adj2" fmla="val 10776056"/>
+            </a:avLst>
+          </a:prstGeom>
+          <a:solidFill>
+            <a:srgbClr val="FFFF00"/>
+          </a:solidFill>
+          <a:ln>
+            <a:noFill/>
+          </a:ln>
+        </p:spPr>
+        <p:style>
+          <a:lnRef idx="2">
+            <a:schemeClr val="accent1">
+              <a:shade val="15000"/>
+            </a:schemeClr>
+          </a:lnRef>
+          <a:fillRef idx="1">
+            <a:schemeClr val="accent1"/>
+          </a:fillRef>
+          <a:effectRef idx="0">
+            <a:schemeClr val="accent1"/>
+          </a:effectRef>
+          <a:fontRef idx="minor">
+            <a:schemeClr val="lt1"/>
+          </a:fontRef>
+        </p:style>
+        <p:txBody>
+          <a:bodyPr rtlCol="0" anchor="ctr"/>
+          <a:lstStyle/>
+          <a:p>
+            <a:pPr algn="ctr"/>
+            <a:endParaRPr lang="zh-TW" altLang="en-US" dirty="0">
+              <a:solidFill>
+                <a:schemeClr val="tx1"/>
+              </a:solidFill>
+            </a:endParaRPr>
+          </a:p>
+        </p:txBody>
+      </p:sp>
+      <p:sp>
+        <p:nvSpPr>
+          <p:cNvPr id="106" name="局部圓 105">
+            <a:extLst>
+              <a:ext uri="{FF2B5EF4-FFF2-40B4-BE49-F238E27FC236}">
+                <a16:creationId xmlns:a16="http://schemas.microsoft.com/office/drawing/2014/main" id="{26B6C11E-CB49-1253-D003-1AE086F0D798}"/>
+              </a:ext>
+            </a:extLst>
+          </p:cNvPr>
+          <p:cNvSpPr/>
+          <p:nvPr/>
+        </p:nvSpPr>
+        <p:spPr>
+          <a:xfrm rot="10800000">
+            <a:off x="9362261" y="1651518"/>
+            <a:ext cx="180000" cy="180000"/>
+          </a:xfrm>
+          <a:prstGeom prst="pie">
+            <a:avLst>
+              <a:gd name="adj1" fmla="val 0"/>
+              <a:gd name="adj2" fmla="val 10776056"/>
+            </a:avLst>
+          </a:prstGeom>
+          <a:solidFill>
+            <a:srgbClr val="FFFF00"/>
+          </a:solidFill>
+          <a:ln>
+            <a:noFill/>
+          </a:ln>
+        </p:spPr>
+        <p:style>
+          <a:lnRef idx="2">
+            <a:schemeClr val="accent1">
+              <a:shade val="15000"/>
+            </a:schemeClr>
+          </a:lnRef>
+          <a:fillRef idx="1">
+            <a:schemeClr val="accent1"/>
+          </a:fillRef>
+          <a:effectRef idx="0">
+            <a:schemeClr val="accent1"/>
+          </a:effectRef>
+          <a:fontRef idx="minor">
+            <a:schemeClr val="lt1"/>
+          </a:fontRef>
+        </p:style>
+        <p:txBody>
+          <a:bodyPr rtlCol="0" anchor="ctr"/>
+          <a:lstStyle/>
+          <a:p>
+            <a:pPr algn="ctr"/>
+            <a:endParaRPr lang="zh-TW" altLang="en-US">
+              <a:solidFill>
+                <a:schemeClr val="tx1"/>
+              </a:solidFill>
+            </a:endParaRPr>
+          </a:p>
+        </p:txBody>
+      </p:sp>
+      <p:sp>
+        <p:nvSpPr>
+          <p:cNvPr id="107" name="局部圓 106">
+            <a:extLst>
+              <a:ext uri="{FF2B5EF4-FFF2-40B4-BE49-F238E27FC236}">
+                <a16:creationId xmlns:a16="http://schemas.microsoft.com/office/drawing/2014/main" id="{AB5B1B9F-B13F-5FC5-A70F-E4EAE4EBA56E}"/>
+              </a:ext>
+            </a:extLst>
+          </p:cNvPr>
+          <p:cNvSpPr/>
+          <p:nvPr/>
+        </p:nvSpPr>
+        <p:spPr>
+          <a:xfrm>
+            <a:off x="10395934" y="1831518"/>
+            <a:ext cx="180000" cy="180000"/>
+          </a:xfrm>
+          <a:prstGeom prst="pie">
+            <a:avLst>
+              <a:gd name="adj1" fmla="val 0"/>
+              <a:gd name="adj2" fmla="val 10776056"/>
+            </a:avLst>
+          </a:prstGeom>
+          <a:solidFill>
+            <a:srgbClr val="FF00FF"/>
+          </a:solidFill>
+          <a:ln>
+            <a:noFill/>
+          </a:ln>
+        </p:spPr>
+        <p:style>
+          <a:lnRef idx="2">
+            <a:schemeClr val="accent1">
+              <a:shade val="15000"/>
+            </a:schemeClr>
+          </a:lnRef>
+          <a:fillRef idx="1">
+            <a:schemeClr val="accent1"/>
+          </a:fillRef>
+          <a:effectRef idx="0">
+            <a:schemeClr val="accent1"/>
+          </a:effectRef>
+          <a:fontRef idx="minor">
+            <a:schemeClr val="lt1"/>
+          </a:fontRef>
+        </p:style>
+        <p:txBody>
+          <a:bodyPr rtlCol="0" anchor="ctr"/>
+          <a:lstStyle/>
+          <a:p>
+            <a:pPr algn="ctr"/>
+            <a:endParaRPr lang="zh-TW" altLang="en-US" dirty="0">
+              <a:solidFill>
+                <a:schemeClr val="tx1"/>
+              </a:solidFill>
+            </a:endParaRPr>
+          </a:p>
+        </p:txBody>
+      </p:sp>
+      <p:sp>
+        <p:nvSpPr>
+          <p:cNvPr id="108" name="局部圓 107">
+            <a:extLst>
+              <a:ext uri="{FF2B5EF4-FFF2-40B4-BE49-F238E27FC236}">
+                <a16:creationId xmlns:a16="http://schemas.microsoft.com/office/drawing/2014/main" id="{106A6667-91BE-72F9-9C22-45381F83D38A}"/>
+              </a:ext>
+            </a:extLst>
+          </p:cNvPr>
+          <p:cNvSpPr/>
+          <p:nvPr/>
+        </p:nvSpPr>
+        <p:spPr>
+          <a:xfrm rot="10800000">
+            <a:off x="10181899" y="1831518"/>
+            <a:ext cx="180000" cy="180000"/>
+          </a:xfrm>
+          <a:prstGeom prst="pie">
+            <a:avLst>
+              <a:gd name="adj1" fmla="val 0"/>
+              <a:gd name="adj2" fmla="val 10776056"/>
+            </a:avLst>
+          </a:prstGeom>
+          <a:solidFill>
+            <a:srgbClr val="FF00FF"/>
+          </a:solidFill>
+          <a:ln>
+            <a:noFill/>
+          </a:ln>
+        </p:spPr>
+        <p:style>
+          <a:lnRef idx="2">
+            <a:schemeClr val="accent1">
+              <a:shade val="15000"/>
+            </a:schemeClr>
+          </a:lnRef>
+          <a:fillRef idx="1">
+            <a:schemeClr val="accent1"/>
+          </a:fillRef>
+          <a:effectRef idx="0">
+            <a:schemeClr val="accent1"/>
+          </a:effectRef>
+          <a:fontRef idx="minor">
+            <a:schemeClr val="lt1"/>
+          </a:fontRef>
+        </p:style>
+        <p:txBody>
+          <a:bodyPr rtlCol="0" anchor="ctr"/>
+          <a:lstStyle/>
+          <a:p>
+            <a:pPr algn="ctr"/>
+            <a:endParaRPr lang="zh-TW" altLang="en-US">
+              <a:solidFill>
+                <a:schemeClr val="tx1"/>
+              </a:solidFill>
             </a:endParaRPr>
           </a:p>
         </p:txBody>

--- a/Python/icon製作.pptx
+++ b/Python/icon製作.pptx
@@ -259,7 +259,7 @@
           <a:p>
             <a:fld id="{9C7867F6-2ECD-46D7-8428-E4750E86E3F3}" type="datetimeFigureOut">
               <a:rPr lang="zh-TW" altLang="en-US" smtClean="0"/>
-              <a:t>2024/8/15</a:t>
+              <a:t>2024/8/16</a:t>
             </a:fld>
             <a:endParaRPr lang="zh-TW" altLang="en-US"/>
           </a:p>
@@ -457,7 +457,7 @@
           <a:p>
             <a:fld id="{9C7867F6-2ECD-46D7-8428-E4750E86E3F3}" type="datetimeFigureOut">
               <a:rPr lang="zh-TW" altLang="en-US" smtClean="0"/>
-              <a:t>2024/8/15</a:t>
+              <a:t>2024/8/16</a:t>
             </a:fld>
             <a:endParaRPr lang="zh-TW" altLang="en-US"/>
           </a:p>
@@ -665,7 +665,7 @@
           <a:p>
             <a:fld id="{9C7867F6-2ECD-46D7-8428-E4750E86E3F3}" type="datetimeFigureOut">
               <a:rPr lang="zh-TW" altLang="en-US" smtClean="0"/>
-              <a:t>2024/8/15</a:t>
+              <a:t>2024/8/16</a:t>
             </a:fld>
             <a:endParaRPr lang="zh-TW" altLang="en-US"/>
           </a:p>
@@ -863,7 +863,7 @@
           <a:p>
             <a:fld id="{9C7867F6-2ECD-46D7-8428-E4750E86E3F3}" type="datetimeFigureOut">
               <a:rPr lang="zh-TW" altLang="en-US" smtClean="0"/>
-              <a:t>2024/8/15</a:t>
+              <a:t>2024/8/16</a:t>
             </a:fld>
             <a:endParaRPr lang="zh-TW" altLang="en-US"/>
           </a:p>
@@ -1138,7 +1138,7 @@
           <a:p>
             <a:fld id="{9C7867F6-2ECD-46D7-8428-E4750E86E3F3}" type="datetimeFigureOut">
               <a:rPr lang="zh-TW" altLang="en-US" smtClean="0"/>
-              <a:t>2024/8/15</a:t>
+              <a:t>2024/8/16</a:t>
             </a:fld>
             <a:endParaRPr lang="zh-TW" altLang="en-US"/>
           </a:p>
@@ -1403,7 +1403,7 @@
           <a:p>
             <a:fld id="{9C7867F6-2ECD-46D7-8428-E4750E86E3F3}" type="datetimeFigureOut">
               <a:rPr lang="zh-TW" altLang="en-US" smtClean="0"/>
-              <a:t>2024/8/15</a:t>
+              <a:t>2024/8/16</a:t>
             </a:fld>
             <a:endParaRPr lang="zh-TW" altLang="en-US"/>
           </a:p>
@@ -1815,7 +1815,7 @@
           <a:p>
             <a:fld id="{9C7867F6-2ECD-46D7-8428-E4750E86E3F3}" type="datetimeFigureOut">
               <a:rPr lang="zh-TW" altLang="en-US" smtClean="0"/>
-              <a:t>2024/8/15</a:t>
+              <a:t>2024/8/16</a:t>
             </a:fld>
             <a:endParaRPr lang="zh-TW" altLang="en-US"/>
           </a:p>
@@ -1956,7 +1956,7 @@
           <a:p>
             <a:fld id="{9C7867F6-2ECD-46D7-8428-E4750E86E3F3}" type="datetimeFigureOut">
               <a:rPr lang="zh-TW" altLang="en-US" smtClean="0"/>
-              <a:t>2024/8/15</a:t>
+              <a:t>2024/8/16</a:t>
             </a:fld>
             <a:endParaRPr lang="zh-TW" altLang="en-US"/>
           </a:p>
@@ -2069,7 +2069,7 @@
           <a:p>
             <a:fld id="{9C7867F6-2ECD-46D7-8428-E4750E86E3F3}" type="datetimeFigureOut">
               <a:rPr lang="zh-TW" altLang="en-US" smtClean="0"/>
-              <a:t>2024/8/15</a:t>
+              <a:t>2024/8/16</a:t>
             </a:fld>
             <a:endParaRPr lang="zh-TW" altLang="en-US"/>
           </a:p>
@@ -2380,7 +2380,7 @@
           <a:p>
             <a:fld id="{9C7867F6-2ECD-46D7-8428-E4750E86E3F3}" type="datetimeFigureOut">
               <a:rPr lang="zh-TW" altLang="en-US" smtClean="0"/>
-              <a:t>2024/8/15</a:t>
+              <a:t>2024/8/16</a:t>
             </a:fld>
             <a:endParaRPr lang="zh-TW" altLang="en-US"/>
           </a:p>
@@ -2668,7 +2668,7 @@
           <a:p>
             <a:fld id="{9C7867F6-2ECD-46D7-8428-E4750E86E3F3}" type="datetimeFigureOut">
               <a:rPr lang="zh-TW" altLang="en-US" smtClean="0"/>
-              <a:t>2024/8/15</a:t>
+              <a:t>2024/8/16</a:t>
             </a:fld>
             <a:endParaRPr lang="zh-TW" altLang="en-US"/>
           </a:p>
@@ -2909,7 +2909,7 @@
           <a:p>
             <a:fld id="{9C7867F6-2ECD-46D7-8428-E4750E86E3F3}" type="datetimeFigureOut">
               <a:rPr lang="zh-TW" altLang="en-US" smtClean="0"/>
-              <a:t>2024/8/15</a:t>
+              <a:t>2024/8/16</a:t>
             </a:fld>
             <a:endParaRPr lang="zh-TW" altLang="en-US"/>
           </a:p>
@@ -3389,7 +3389,7 @@
         </p:nvSpPr>
         <p:spPr>
           <a:xfrm>
-            <a:off x="1333720" y="1187355"/>
+            <a:off x="1181554" y="1182509"/>
             <a:ext cx="180000" cy="180000"/>
           </a:xfrm>
           <a:prstGeom prst="ellipse">
@@ -9657,6 +9657,58 @@
                 <a:schemeClr val="tx1"/>
               </a:solidFill>
             </a:endParaRPr>
+          </a:p>
+        </p:txBody>
+      </p:sp>
+      <p:sp>
+        <p:nvSpPr>
+          <p:cNvPr id="102" name="橢圓 101">
+            <a:extLst>
+              <a:ext uri="{FF2B5EF4-FFF2-40B4-BE49-F238E27FC236}">
+                <a16:creationId xmlns:a16="http://schemas.microsoft.com/office/drawing/2014/main" id="{B5D738A6-0B7F-79FF-813A-A91FE46E9679}"/>
+              </a:ext>
+            </a:extLst>
+          </p:cNvPr>
+          <p:cNvSpPr/>
+          <p:nvPr/>
+        </p:nvSpPr>
+        <p:spPr>
+          <a:xfrm>
+            <a:off x="1091554" y="1524438"/>
+            <a:ext cx="172800" cy="172800"/>
+          </a:xfrm>
+          <a:prstGeom prst="ellipse">
+            <a:avLst/>
+          </a:prstGeom>
+          <a:noFill/>
+          <a:ln>
+            <a:solidFill>
+              <a:schemeClr val="tx1"/>
+            </a:solidFill>
+          </a:ln>
+        </p:spPr>
+        <p:style>
+          <a:lnRef idx="2">
+            <a:schemeClr val="accent1">
+              <a:shade val="15000"/>
+            </a:schemeClr>
+          </a:lnRef>
+          <a:fillRef idx="1">
+            <a:schemeClr val="accent1"/>
+          </a:fillRef>
+          <a:effectRef idx="0">
+            <a:schemeClr val="accent1"/>
+          </a:effectRef>
+          <a:fontRef idx="minor">
+            <a:schemeClr val="lt1"/>
+          </a:fontRef>
+        </p:style>
+        <p:txBody>
+          <a:bodyPr rtlCol="0" anchor="ctr"/>
+          <a:lstStyle/>
+          <a:p>
+            <a:pPr algn="ctr"/>
+            <a:endParaRPr lang="zh-TW" altLang="en-US" dirty="0"/>
           </a:p>
         </p:txBody>
       </p:sp>

--- a/Python/icon製作.pptx
+++ b/Python/icon製作.pptx
@@ -259,7 +259,7 @@
           <a:p>
             <a:fld id="{9C7867F6-2ECD-46D7-8428-E4750E86E3F3}" type="datetimeFigureOut">
               <a:rPr lang="zh-TW" altLang="en-US" smtClean="0"/>
-              <a:t>2024/8/16</a:t>
+              <a:t>2024/8/19</a:t>
             </a:fld>
             <a:endParaRPr lang="zh-TW" altLang="en-US"/>
           </a:p>
@@ -457,7 +457,7 @@
           <a:p>
             <a:fld id="{9C7867F6-2ECD-46D7-8428-E4750E86E3F3}" type="datetimeFigureOut">
               <a:rPr lang="zh-TW" altLang="en-US" smtClean="0"/>
-              <a:t>2024/8/16</a:t>
+              <a:t>2024/8/19</a:t>
             </a:fld>
             <a:endParaRPr lang="zh-TW" altLang="en-US"/>
           </a:p>
@@ -665,7 +665,7 @@
           <a:p>
             <a:fld id="{9C7867F6-2ECD-46D7-8428-E4750E86E3F3}" type="datetimeFigureOut">
               <a:rPr lang="zh-TW" altLang="en-US" smtClean="0"/>
-              <a:t>2024/8/16</a:t>
+              <a:t>2024/8/19</a:t>
             </a:fld>
             <a:endParaRPr lang="zh-TW" altLang="en-US"/>
           </a:p>
@@ -863,7 +863,7 @@
           <a:p>
             <a:fld id="{9C7867F6-2ECD-46D7-8428-E4750E86E3F3}" type="datetimeFigureOut">
               <a:rPr lang="zh-TW" altLang="en-US" smtClean="0"/>
-              <a:t>2024/8/16</a:t>
+              <a:t>2024/8/19</a:t>
             </a:fld>
             <a:endParaRPr lang="zh-TW" altLang="en-US"/>
           </a:p>
@@ -1138,7 +1138,7 @@
           <a:p>
             <a:fld id="{9C7867F6-2ECD-46D7-8428-E4750E86E3F3}" type="datetimeFigureOut">
               <a:rPr lang="zh-TW" altLang="en-US" smtClean="0"/>
-              <a:t>2024/8/16</a:t>
+              <a:t>2024/8/19</a:t>
             </a:fld>
             <a:endParaRPr lang="zh-TW" altLang="en-US"/>
           </a:p>
@@ -1403,7 +1403,7 @@
           <a:p>
             <a:fld id="{9C7867F6-2ECD-46D7-8428-E4750E86E3F3}" type="datetimeFigureOut">
               <a:rPr lang="zh-TW" altLang="en-US" smtClean="0"/>
-              <a:t>2024/8/16</a:t>
+              <a:t>2024/8/19</a:t>
             </a:fld>
             <a:endParaRPr lang="zh-TW" altLang="en-US"/>
           </a:p>
@@ -1815,7 +1815,7 @@
           <a:p>
             <a:fld id="{9C7867F6-2ECD-46D7-8428-E4750E86E3F3}" type="datetimeFigureOut">
               <a:rPr lang="zh-TW" altLang="en-US" smtClean="0"/>
-              <a:t>2024/8/16</a:t>
+              <a:t>2024/8/19</a:t>
             </a:fld>
             <a:endParaRPr lang="zh-TW" altLang="en-US"/>
           </a:p>
@@ -1956,7 +1956,7 @@
           <a:p>
             <a:fld id="{9C7867F6-2ECD-46D7-8428-E4750E86E3F3}" type="datetimeFigureOut">
               <a:rPr lang="zh-TW" altLang="en-US" smtClean="0"/>
-              <a:t>2024/8/16</a:t>
+              <a:t>2024/8/19</a:t>
             </a:fld>
             <a:endParaRPr lang="zh-TW" altLang="en-US"/>
           </a:p>
@@ -2069,7 +2069,7 @@
           <a:p>
             <a:fld id="{9C7867F6-2ECD-46D7-8428-E4750E86E3F3}" type="datetimeFigureOut">
               <a:rPr lang="zh-TW" altLang="en-US" smtClean="0"/>
-              <a:t>2024/8/16</a:t>
+              <a:t>2024/8/19</a:t>
             </a:fld>
             <a:endParaRPr lang="zh-TW" altLang="en-US"/>
           </a:p>
@@ -2380,7 +2380,7 @@
           <a:p>
             <a:fld id="{9C7867F6-2ECD-46D7-8428-E4750E86E3F3}" type="datetimeFigureOut">
               <a:rPr lang="zh-TW" altLang="en-US" smtClean="0"/>
-              <a:t>2024/8/16</a:t>
+              <a:t>2024/8/19</a:t>
             </a:fld>
             <a:endParaRPr lang="zh-TW" altLang="en-US"/>
           </a:p>
@@ -2668,7 +2668,7 @@
           <a:p>
             <a:fld id="{9C7867F6-2ECD-46D7-8428-E4750E86E3F3}" type="datetimeFigureOut">
               <a:rPr lang="zh-TW" altLang="en-US" smtClean="0"/>
-              <a:t>2024/8/16</a:t>
+              <a:t>2024/8/19</a:t>
             </a:fld>
             <a:endParaRPr lang="zh-TW" altLang="en-US"/>
           </a:p>
@@ -2909,7 +2909,7 @@
           <a:p>
             <a:fld id="{9C7867F6-2ECD-46D7-8428-E4750E86E3F3}" type="datetimeFigureOut">
               <a:rPr lang="zh-TW" altLang="en-US" smtClean="0"/>
-              <a:t>2024/8/16</a:t>
+              <a:t>2024/8/19</a:t>
             </a:fld>
             <a:endParaRPr lang="zh-TW" altLang="en-US"/>
           </a:p>
@@ -9281,8 +9281,8 @@
         </p:nvSpPr>
         <p:spPr>
           <a:xfrm>
-            <a:off x="7045003" y="905435"/>
-            <a:ext cx="300082" cy="369332"/>
+            <a:off x="5565373" y="793468"/>
+            <a:ext cx="152400" cy="276999"/>
           </a:xfrm>
           <a:prstGeom prst="rect">
             <a:avLst/>
@@ -9290,7 +9290,7 @@
           <a:noFill/>
         </p:spPr>
         <p:txBody>
-          <a:bodyPr wrap="none" rtlCol="0">
+          <a:bodyPr wrap="square" lIns="0" tIns="0" rIns="0" bIns="0" rtlCol="0">
             <a:spAutoFit/>
           </a:bodyPr>
           <a:lstStyle/>
@@ -9316,13 +9316,13 @@
         </p:nvSpPr>
         <p:spPr>
           <a:xfrm>
-            <a:off x="8909574" y="1524438"/>
+            <a:off x="10300969" y="3768599"/>
             <a:ext cx="180000" cy="180000"/>
           </a:xfrm>
           <a:prstGeom prst="pie">
             <a:avLst>
               <a:gd name="adj1" fmla="val 0"/>
-              <a:gd name="adj2" fmla="val 10776056"/>
+              <a:gd name="adj2" fmla="val 5417710"/>
             </a:avLst>
           </a:prstGeom>
           <a:solidFill>
@@ -9377,12 +9377,12 @@
         </p:nvSpPr>
         <p:spPr>
           <a:xfrm rot="10800000">
-            <a:off x="8695539" y="1524438"/>
+            <a:off x="10300969" y="3346199"/>
             <a:ext cx="180000" cy="180000"/>
           </a:xfrm>
           <a:prstGeom prst="pie">
             <a:avLst>
-              <a:gd name="adj1" fmla="val 0"/>
+              <a:gd name="adj1" fmla="val 5386455"/>
               <a:gd name="adj2" fmla="val 10776056"/>
             </a:avLst>
           </a:prstGeom>
@@ -9709,6 +9709,356 @@
           <a:p>
             <a:pPr algn="ctr"/>
             <a:endParaRPr lang="zh-TW" altLang="en-US" dirty="0"/>
+          </a:p>
+        </p:txBody>
+      </p:sp>
+      <p:sp>
+        <p:nvSpPr>
+          <p:cNvPr id="109" name="閃電 108">
+            <a:extLst>
+              <a:ext uri="{FF2B5EF4-FFF2-40B4-BE49-F238E27FC236}">
+                <a16:creationId xmlns:a16="http://schemas.microsoft.com/office/drawing/2014/main" id="{E7517713-9C03-CF88-D5CA-5D102E1B37BD}"/>
+              </a:ext>
+            </a:extLst>
+          </p:cNvPr>
+          <p:cNvSpPr/>
+          <p:nvPr/>
+        </p:nvSpPr>
+        <p:spPr>
+          <a:xfrm>
+            <a:off x="6491688" y="358892"/>
+            <a:ext cx="108000" cy="108000"/>
+          </a:xfrm>
+          <a:prstGeom prst="lightningBolt">
+            <a:avLst/>
+          </a:prstGeom>
+          <a:solidFill>
+            <a:srgbClr val="FFFF00"/>
+          </a:solidFill>
+          <a:ln>
+            <a:solidFill>
+              <a:srgbClr val="FFFF00"/>
+            </a:solidFill>
+          </a:ln>
+        </p:spPr>
+        <p:style>
+          <a:lnRef idx="2">
+            <a:schemeClr val="accent1">
+              <a:shade val="15000"/>
+            </a:schemeClr>
+          </a:lnRef>
+          <a:fillRef idx="1">
+            <a:schemeClr val="accent1"/>
+          </a:fillRef>
+          <a:effectRef idx="0">
+            <a:schemeClr val="accent1"/>
+          </a:effectRef>
+          <a:fontRef idx="minor">
+            <a:schemeClr val="lt1"/>
+          </a:fontRef>
+        </p:style>
+        <p:txBody>
+          <a:bodyPr rtlCol="0" anchor="ctr"/>
+          <a:lstStyle/>
+          <a:p>
+            <a:pPr algn="ctr"/>
+            <a:endParaRPr lang="zh-TW" altLang="en-US"/>
+          </a:p>
+        </p:txBody>
+      </p:sp>
+      <p:sp>
+        <p:nvSpPr>
+          <p:cNvPr id="110" name="禁止標誌 109">
+            <a:extLst>
+              <a:ext uri="{FF2B5EF4-FFF2-40B4-BE49-F238E27FC236}">
+                <a16:creationId xmlns:a16="http://schemas.microsoft.com/office/drawing/2014/main" id="{AACC6340-A922-54AF-98BE-E79F11402E8A}"/>
+              </a:ext>
+            </a:extLst>
+          </p:cNvPr>
+          <p:cNvSpPr/>
+          <p:nvPr/>
+        </p:nvSpPr>
+        <p:spPr>
+          <a:xfrm>
+            <a:off x="1830986" y="685468"/>
+            <a:ext cx="108000" cy="108000"/>
+          </a:xfrm>
+          <a:prstGeom prst="noSmoking">
+            <a:avLst>
+              <a:gd name="adj" fmla="val 9282"/>
+            </a:avLst>
+          </a:prstGeom>
+          <a:solidFill>
+            <a:srgbClr val="FFFF00"/>
+          </a:solidFill>
+          <a:ln>
+            <a:solidFill>
+              <a:srgbClr val="FFFF00"/>
+            </a:solidFill>
+          </a:ln>
+        </p:spPr>
+        <p:style>
+          <a:lnRef idx="2">
+            <a:schemeClr val="accent1">
+              <a:shade val="15000"/>
+            </a:schemeClr>
+          </a:lnRef>
+          <a:fillRef idx="1">
+            <a:schemeClr val="accent1"/>
+          </a:fillRef>
+          <a:effectRef idx="0">
+            <a:schemeClr val="accent1"/>
+          </a:effectRef>
+          <a:fontRef idx="minor">
+            <a:schemeClr val="lt1"/>
+          </a:fontRef>
+        </p:style>
+        <p:txBody>
+          <a:bodyPr rtlCol="0" anchor="ctr"/>
+          <a:lstStyle/>
+          <a:p>
+            <a:pPr algn="ctr"/>
+            <a:endParaRPr lang="zh-TW" altLang="en-US">
+              <a:solidFill>
+                <a:schemeClr val="tx1"/>
+              </a:solidFill>
+            </a:endParaRPr>
+          </a:p>
+        </p:txBody>
+      </p:sp>
+      <p:sp>
+        <p:nvSpPr>
+          <p:cNvPr id="111" name="局部圓 110">
+            <a:extLst>
+              <a:ext uri="{FF2B5EF4-FFF2-40B4-BE49-F238E27FC236}">
+                <a16:creationId xmlns:a16="http://schemas.microsoft.com/office/drawing/2014/main" id="{943A17B3-B642-B53E-0365-6CB6DCA1C0EF}"/>
+              </a:ext>
+            </a:extLst>
+          </p:cNvPr>
+          <p:cNvSpPr/>
+          <p:nvPr/>
+        </p:nvSpPr>
+        <p:spPr>
+          <a:xfrm>
+            <a:off x="10602660" y="3743717"/>
+            <a:ext cx="180000" cy="180000"/>
+          </a:xfrm>
+          <a:prstGeom prst="pie">
+            <a:avLst>
+              <a:gd name="adj1" fmla="val 0"/>
+              <a:gd name="adj2" fmla="val 5417710"/>
+            </a:avLst>
+          </a:prstGeom>
+          <a:solidFill>
+            <a:srgbClr val="FFFF00"/>
+          </a:solidFill>
+          <a:ln>
+            <a:noFill/>
+          </a:ln>
+        </p:spPr>
+        <p:style>
+          <a:lnRef idx="2">
+            <a:schemeClr val="accent1">
+              <a:shade val="15000"/>
+            </a:schemeClr>
+          </a:lnRef>
+          <a:fillRef idx="1">
+            <a:schemeClr val="accent1"/>
+          </a:fillRef>
+          <a:effectRef idx="0">
+            <a:schemeClr val="accent1"/>
+          </a:effectRef>
+          <a:fontRef idx="minor">
+            <a:schemeClr val="lt1"/>
+          </a:fontRef>
+        </p:style>
+        <p:txBody>
+          <a:bodyPr rtlCol="0" anchor="ctr"/>
+          <a:lstStyle/>
+          <a:p>
+            <a:pPr algn="ctr"/>
+            <a:endParaRPr lang="zh-TW" altLang="en-US" dirty="0">
+              <a:solidFill>
+                <a:schemeClr val="tx1"/>
+              </a:solidFill>
+            </a:endParaRPr>
+          </a:p>
+        </p:txBody>
+      </p:sp>
+      <p:sp>
+        <p:nvSpPr>
+          <p:cNvPr id="112" name="局部圓 111">
+            <a:extLst>
+              <a:ext uri="{FF2B5EF4-FFF2-40B4-BE49-F238E27FC236}">
+                <a16:creationId xmlns:a16="http://schemas.microsoft.com/office/drawing/2014/main" id="{CA5787AC-1114-2436-CEFB-A0767730E77D}"/>
+              </a:ext>
+            </a:extLst>
+          </p:cNvPr>
+          <p:cNvSpPr/>
+          <p:nvPr/>
+        </p:nvSpPr>
+        <p:spPr>
+          <a:xfrm rot="10800000">
+            <a:off x="10602660" y="3321317"/>
+            <a:ext cx="180000" cy="180000"/>
+          </a:xfrm>
+          <a:prstGeom prst="pie">
+            <a:avLst>
+              <a:gd name="adj1" fmla="val 5386455"/>
+              <a:gd name="adj2" fmla="val 10776056"/>
+            </a:avLst>
+          </a:prstGeom>
+          <a:solidFill>
+            <a:srgbClr val="FFFF00"/>
+          </a:solidFill>
+          <a:ln>
+            <a:noFill/>
+          </a:ln>
+        </p:spPr>
+        <p:style>
+          <a:lnRef idx="2">
+            <a:schemeClr val="accent1">
+              <a:shade val="15000"/>
+            </a:schemeClr>
+          </a:lnRef>
+          <a:fillRef idx="1">
+            <a:schemeClr val="accent1"/>
+          </a:fillRef>
+          <a:effectRef idx="0">
+            <a:schemeClr val="accent1"/>
+          </a:effectRef>
+          <a:fontRef idx="minor">
+            <a:schemeClr val="lt1"/>
+          </a:fontRef>
+        </p:style>
+        <p:txBody>
+          <a:bodyPr rtlCol="0" anchor="ctr"/>
+          <a:lstStyle/>
+          <a:p>
+            <a:pPr algn="ctr"/>
+            <a:endParaRPr lang="zh-TW" altLang="en-US">
+              <a:solidFill>
+                <a:schemeClr val="tx1"/>
+              </a:solidFill>
+            </a:endParaRPr>
+          </a:p>
+        </p:txBody>
+      </p:sp>
+      <p:sp>
+        <p:nvSpPr>
+          <p:cNvPr id="113" name="局部圓 112">
+            <a:extLst>
+              <a:ext uri="{FF2B5EF4-FFF2-40B4-BE49-F238E27FC236}">
+                <a16:creationId xmlns:a16="http://schemas.microsoft.com/office/drawing/2014/main" id="{5F4B9235-E087-0BA7-AC33-549B3033DABE}"/>
+              </a:ext>
+            </a:extLst>
+          </p:cNvPr>
+          <p:cNvSpPr/>
+          <p:nvPr/>
+        </p:nvSpPr>
+        <p:spPr>
+          <a:xfrm>
+            <a:off x="10985215" y="3753046"/>
+            <a:ext cx="180000" cy="180000"/>
+          </a:xfrm>
+          <a:prstGeom prst="pie">
+            <a:avLst>
+              <a:gd name="adj1" fmla="val 0"/>
+              <a:gd name="adj2" fmla="val 5417710"/>
+            </a:avLst>
+          </a:prstGeom>
+          <a:solidFill>
+            <a:srgbClr val="FF00FF"/>
+          </a:solidFill>
+          <a:ln>
+            <a:noFill/>
+          </a:ln>
+        </p:spPr>
+        <p:style>
+          <a:lnRef idx="2">
+            <a:schemeClr val="accent1">
+              <a:shade val="15000"/>
+            </a:schemeClr>
+          </a:lnRef>
+          <a:fillRef idx="1">
+            <a:schemeClr val="accent1"/>
+          </a:fillRef>
+          <a:effectRef idx="0">
+            <a:schemeClr val="accent1"/>
+          </a:effectRef>
+          <a:fontRef idx="minor">
+            <a:schemeClr val="lt1"/>
+          </a:fontRef>
+        </p:style>
+        <p:txBody>
+          <a:bodyPr rtlCol="0" anchor="ctr"/>
+          <a:lstStyle/>
+          <a:p>
+            <a:pPr algn="ctr"/>
+            <a:endParaRPr lang="zh-TW" altLang="en-US" dirty="0">
+              <a:solidFill>
+                <a:schemeClr val="tx1"/>
+              </a:solidFill>
+            </a:endParaRPr>
+          </a:p>
+        </p:txBody>
+      </p:sp>
+      <p:sp>
+        <p:nvSpPr>
+          <p:cNvPr id="114" name="局部圓 113">
+            <a:extLst>
+              <a:ext uri="{FF2B5EF4-FFF2-40B4-BE49-F238E27FC236}">
+                <a16:creationId xmlns:a16="http://schemas.microsoft.com/office/drawing/2014/main" id="{19107F70-B5F2-39C3-8115-053F04D902EE}"/>
+              </a:ext>
+            </a:extLst>
+          </p:cNvPr>
+          <p:cNvSpPr/>
+          <p:nvPr/>
+        </p:nvSpPr>
+        <p:spPr>
+          <a:xfrm rot="10800000">
+            <a:off x="10985215" y="3330646"/>
+            <a:ext cx="180000" cy="180000"/>
+          </a:xfrm>
+          <a:prstGeom prst="pie">
+            <a:avLst>
+              <a:gd name="adj1" fmla="val 5386455"/>
+              <a:gd name="adj2" fmla="val 10776056"/>
+            </a:avLst>
+          </a:prstGeom>
+          <a:solidFill>
+            <a:srgbClr val="FF00FF"/>
+          </a:solidFill>
+          <a:ln>
+            <a:noFill/>
+          </a:ln>
+        </p:spPr>
+        <p:style>
+          <a:lnRef idx="2">
+            <a:schemeClr val="accent1">
+              <a:shade val="15000"/>
+            </a:schemeClr>
+          </a:lnRef>
+          <a:fillRef idx="1">
+            <a:schemeClr val="accent1"/>
+          </a:fillRef>
+          <a:effectRef idx="0">
+            <a:schemeClr val="accent1"/>
+          </a:effectRef>
+          <a:fontRef idx="minor">
+            <a:schemeClr val="lt1"/>
+          </a:fontRef>
+        </p:style>
+        <p:txBody>
+          <a:bodyPr rtlCol="0" anchor="ctr"/>
+          <a:lstStyle/>
+          <a:p>
+            <a:pPr algn="ctr"/>
+            <a:endParaRPr lang="zh-TW" altLang="en-US">
+              <a:solidFill>
+                <a:schemeClr val="tx1"/>
+              </a:solidFill>
+            </a:endParaRPr>
           </a:p>
         </p:txBody>
       </p:sp>
